--- a/01 Classes/Aula 08 RAD Python - Modularização Funções.pptx
+++ b/01 Classes/Aula 08 RAD Python - Modularização Funções.pptx
@@ -5,30 +5,31 @@
     <p:sldMasterId id="2147483671" r:id="rId1"/>
   </p:sldMasterIdLst>
   <p:notesMasterIdLst>
-    <p:notesMasterId r:id="rId23"/>
+    <p:notesMasterId r:id="rId24"/>
   </p:notesMasterIdLst>
   <p:sldIdLst>
     <p:sldId id="352" r:id="rId2"/>
-    <p:sldId id="331" r:id="rId3"/>
-    <p:sldId id="339" r:id="rId4"/>
-    <p:sldId id="338" r:id="rId5"/>
-    <p:sldId id="340" r:id="rId6"/>
-    <p:sldId id="341" r:id="rId7"/>
-    <p:sldId id="342" r:id="rId8"/>
-    <p:sldId id="343" r:id="rId9"/>
-    <p:sldId id="344" r:id="rId10"/>
-    <p:sldId id="345" r:id="rId11"/>
-    <p:sldId id="346" r:id="rId12"/>
-    <p:sldId id="347" r:id="rId13"/>
-    <p:sldId id="348" r:id="rId14"/>
-    <p:sldId id="349" r:id="rId15"/>
-    <p:sldId id="350" r:id="rId16"/>
-    <p:sldId id="351" r:id="rId17"/>
-    <p:sldId id="323" r:id="rId18"/>
-    <p:sldId id="333" r:id="rId19"/>
-    <p:sldId id="334" r:id="rId20"/>
-    <p:sldId id="337" r:id="rId21"/>
-    <p:sldId id="353" r:id="rId22"/>
+    <p:sldId id="291" r:id="rId3"/>
+    <p:sldId id="331" r:id="rId4"/>
+    <p:sldId id="339" r:id="rId5"/>
+    <p:sldId id="338" r:id="rId6"/>
+    <p:sldId id="340" r:id="rId7"/>
+    <p:sldId id="341" r:id="rId8"/>
+    <p:sldId id="342" r:id="rId9"/>
+    <p:sldId id="343" r:id="rId10"/>
+    <p:sldId id="344" r:id="rId11"/>
+    <p:sldId id="345" r:id="rId12"/>
+    <p:sldId id="346" r:id="rId13"/>
+    <p:sldId id="347" r:id="rId14"/>
+    <p:sldId id="348" r:id="rId15"/>
+    <p:sldId id="349" r:id="rId16"/>
+    <p:sldId id="350" r:id="rId17"/>
+    <p:sldId id="351" r:id="rId18"/>
+    <p:sldId id="323" r:id="rId19"/>
+    <p:sldId id="333" r:id="rId20"/>
+    <p:sldId id="334" r:id="rId21"/>
+    <p:sldId id="337" r:id="rId22"/>
+    <p:sldId id="353" r:id="rId23"/>
   </p:sldIdLst>
   <p:sldSz cx="9144000" cy="5143500" type="screen16x9"/>
   <p:notesSz cx="6858000" cy="9144000"/>
@@ -1714,7 +1715,7 @@
           <a:p>
             <a:fld id="{48A87A34-81AB-432B-8DAE-1953F412C126}" type="datetimeFigureOut">
               <a:rPr lang="en-US" smtClean="0"/>
-              <a:t>8/26/2022</a:t>
+              <a:t>9/17/2022</a:t>
             </a:fld>
             <a:endParaRPr lang="en-US" dirty="0"/>
           </a:p>
@@ -1925,7 +1926,7 @@
           <a:p>
             <a:fld id="{48A87A34-81AB-432B-8DAE-1953F412C126}" type="datetimeFigureOut">
               <a:rPr lang="en-US" smtClean="0"/>
-              <a:t>8/26/2022</a:t>
+              <a:t>9/17/2022</a:t>
             </a:fld>
             <a:endParaRPr lang="en-US" dirty="0"/>
           </a:p>
@@ -2140,7 +2141,7 @@
           <a:p>
             <a:fld id="{48A87A34-81AB-432B-8DAE-1953F412C126}" type="datetimeFigureOut">
               <a:rPr lang="en-US" smtClean="0"/>
-              <a:t>8/26/2022</a:t>
+              <a:t>9/17/2022</a:t>
             </a:fld>
             <a:endParaRPr lang="en-US" dirty="0"/>
           </a:p>
@@ -2508,7 +2509,7 @@
           <a:p>
             <a:fld id="{48A87A34-81AB-432B-8DAE-1953F412C126}" type="datetimeFigureOut">
               <a:rPr lang="en-US" smtClean="0"/>
-              <a:t>8/26/2022</a:t>
+              <a:t>9/17/2022</a:t>
             </a:fld>
             <a:endParaRPr lang="en-US" dirty="0"/>
           </a:p>
@@ -2787,7 +2788,7 @@
           <a:p>
             <a:fld id="{48A87A34-81AB-432B-8DAE-1953F412C126}" type="datetimeFigureOut">
               <a:rPr lang="en-US" smtClean="0"/>
-              <a:t>8/26/2022</a:t>
+              <a:t>9/17/2022</a:t>
             </a:fld>
             <a:endParaRPr lang="en-US" dirty="0"/>
           </a:p>
@@ -3055,7 +3056,7 @@
           <a:p>
             <a:fld id="{48A87A34-81AB-432B-8DAE-1953F412C126}" type="datetimeFigureOut">
               <a:rPr lang="en-US" smtClean="0"/>
-              <a:t>8/26/2022</a:t>
+              <a:t>9/17/2022</a:t>
             </a:fld>
             <a:endParaRPr lang="en-US" dirty="0"/>
           </a:p>
@@ -3471,7 +3472,7 @@
           <a:p>
             <a:fld id="{48A87A34-81AB-432B-8DAE-1953F412C126}" type="datetimeFigureOut">
               <a:rPr lang="en-US" smtClean="0"/>
-              <a:t>8/26/2022</a:t>
+              <a:t>9/17/2022</a:t>
             </a:fld>
             <a:endParaRPr lang="en-US" dirty="0"/>
           </a:p>
@@ -3620,7 +3621,7 @@
           <a:p>
             <a:fld id="{48A87A34-81AB-432B-8DAE-1953F412C126}" type="datetimeFigureOut">
               <a:rPr lang="en-US" smtClean="0"/>
-              <a:t>8/26/2022</a:t>
+              <a:t>9/17/2022</a:t>
             </a:fld>
             <a:endParaRPr lang="en-US" dirty="0"/>
           </a:p>
@@ -3746,7 +3747,7 @@
           <a:p>
             <a:fld id="{48A87A34-81AB-432B-8DAE-1953F412C126}" type="datetimeFigureOut">
               <a:rPr lang="en-US" smtClean="0"/>
-              <a:t>8/26/2022</a:t>
+              <a:t>9/17/2022</a:t>
             </a:fld>
             <a:endParaRPr lang="en-US" dirty="0"/>
           </a:p>
@@ -3997,7 +3998,7 @@
           <a:p>
             <a:fld id="{48A87A34-81AB-432B-8DAE-1953F412C126}" type="datetimeFigureOut">
               <a:rPr lang="en-US" smtClean="0"/>
-              <a:t>8/26/2022</a:t>
+              <a:t>9/17/2022</a:t>
             </a:fld>
             <a:endParaRPr lang="en-US" dirty="0"/>
           </a:p>
@@ -4443,7 +4444,7 @@
             <a:fld id="{48A87A34-81AB-432B-8DAE-1953F412C126}" type="datetimeFigureOut">
               <a:rPr lang="en-US" smtClean="0"/>
               <a:pPr/>
-              <a:t>8/26/2022</a:t>
+              <a:t>9/17/2022</a:t>
             </a:fld>
             <a:endParaRPr lang="en-US" dirty="0"/>
           </a:p>
@@ -4771,7 +4772,7 @@
             <a:fld id="{48A87A34-81AB-432B-8DAE-1953F412C126}" type="datetimeFigureOut">
               <a:rPr lang="en-US" smtClean="0"/>
               <a:pPr/>
-              <a:t>8/26/2022</a:t>
+              <a:t>9/17/2022</a:t>
             </a:fld>
             <a:endParaRPr lang="en-US" dirty="0"/>
           </a:p>
@@ -5926,17 +5927,7 @@
                 <a:latin typeface="Times New Roman" panose="02020603050405020304" pitchFamily="18" charset="0"/>
                 <a:cs typeface="Times New Roman" panose="02020603050405020304" pitchFamily="18" charset="0"/>
               </a:rPr>
-              <a:t>É possível enviar argumentos com a sintaxe </a:t>
-            </a:r>
-            <a:r>
-              <a:rPr lang="pt-BR" sz="2400" b="1" dirty="0" err="1">
-                <a:solidFill>
-                  <a:schemeClr val="tx1"/>
-                </a:solidFill>
-                <a:latin typeface="Times New Roman" panose="02020603050405020304" pitchFamily="18" charset="0"/>
-                <a:cs typeface="Times New Roman" panose="02020603050405020304" pitchFamily="18" charset="0"/>
-              </a:rPr>
-              <a:t>key</a:t>
+              <a:t>Se o </a:t>
             </a:r>
             <a:r>
               <a:rPr lang="pt-BR" sz="2400" b="1" dirty="0">
@@ -5946,17 +5937,7 @@
                 <a:latin typeface="Times New Roman" panose="02020603050405020304" pitchFamily="18" charset="0"/>
                 <a:cs typeface="Times New Roman" panose="02020603050405020304" pitchFamily="18" charset="0"/>
               </a:rPr>
-              <a:t> = </a:t>
-            </a:r>
-            <a:r>
-              <a:rPr lang="pt-BR" sz="2400" b="1" dirty="0" err="1">
-                <a:solidFill>
-                  <a:schemeClr val="tx1"/>
-                </a:solidFill>
-                <a:latin typeface="Times New Roman" panose="02020603050405020304" pitchFamily="18" charset="0"/>
-                <a:cs typeface="Times New Roman" panose="02020603050405020304" pitchFamily="18" charset="0"/>
-              </a:rPr>
-              <a:t>value</a:t>
+              <a:t>número de argumentos for desconhecido</a:t>
             </a:r>
             <a:r>
               <a:rPr lang="pt-BR" sz="2400" dirty="0">
@@ -5966,13 +5947,18 @@
                 <a:latin typeface="Times New Roman" panose="02020603050405020304" pitchFamily="18" charset="0"/>
                 <a:cs typeface="Times New Roman" panose="02020603050405020304" pitchFamily="18" charset="0"/>
               </a:rPr>
-              <a:t>.</a:t>
-            </a:r>
-          </a:p>
-          <a:p>
-            <a:pPr marL="619125" lvl="1" indent="0" algn="just">
-              <a:buNone/>
-            </a:pPr>
+              <a:t>, adicione um </a:t>
+            </a:r>
+            <a:r>
+              <a:rPr lang="pt-BR" sz="2400" b="1" dirty="0">
+                <a:solidFill>
+                  <a:srgbClr val="FF0000"/>
+                </a:solidFill>
+                <a:latin typeface="Times New Roman" panose="02020603050405020304" pitchFamily="18" charset="0"/>
+                <a:cs typeface="Times New Roman" panose="02020603050405020304" pitchFamily="18" charset="0"/>
+              </a:rPr>
+              <a:t>*</a:t>
+            </a:r>
             <a:r>
               <a:rPr lang="pt-BR" sz="2400" dirty="0">
                 <a:solidFill>
@@ -5981,7 +5967,17 @@
                 <a:latin typeface="Times New Roman" panose="02020603050405020304" pitchFamily="18" charset="0"/>
                 <a:cs typeface="Times New Roman" panose="02020603050405020304" pitchFamily="18" charset="0"/>
               </a:rPr>
-              <a:t>Desta forma, à ordem dos argumentos não importa.</a:t>
+              <a:t> antes do nome do parâmetro</a:t>
+            </a:r>
+            <a:r>
+              <a:rPr lang="pt-BR" sz="2400" b="1" dirty="0">
+                <a:solidFill>
+                  <a:schemeClr val="tx1"/>
+                </a:solidFill>
+                <a:latin typeface="Times New Roman" panose="02020603050405020304" pitchFamily="18" charset="0"/>
+                <a:cs typeface="Times New Roman" panose="02020603050405020304" pitchFamily="18" charset="0"/>
+              </a:rPr>
+              <a:t>. </a:t>
             </a:r>
             <a:endParaRPr lang="en-US" sz="2400" b="1" dirty="0">
               <a:solidFill>
@@ -6023,8 +6019,65 @@
                 <a:latin typeface="Times New Roman" panose="02020603050405020304" pitchFamily="18" charset="0"/>
                 <a:cs typeface="Times New Roman" panose="02020603050405020304" pitchFamily="18" charset="0"/>
               </a:rPr>
-              <a:t>(adulto3, adulto2, adulto1):</a:t>
-            </a:r>
+              <a:t>(</a:t>
+            </a:r>
+            <a:r>
+              <a:rPr lang="en-US" sz="2400" b="1" dirty="0">
+                <a:solidFill>
+                  <a:srgbClr val="FF0000"/>
+                </a:solidFill>
+                <a:latin typeface="Times New Roman" panose="02020603050405020304" pitchFamily="18" charset="0"/>
+                <a:cs typeface="Times New Roman" panose="02020603050405020304" pitchFamily="18" charset="0"/>
+              </a:rPr>
+              <a:t>*</a:t>
+            </a:r>
+            <a:r>
+              <a:rPr lang="en-US" sz="2400" dirty="0" err="1">
+                <a:solidFill>
+                  <a:schemeClr val="tx1"/>
+                </a:solidFill>
+                <a:latin typeface="Times New Roman" panose="02020603050405020304" pitchFamily="18" charset="0"/>
+                <a:cs typeface="Times New Roman" panose="02020603050405020304" pitchFamily="18" charset="0"/>
+              </a:rPr>
+              <a:t>crianca</a:t>
+            </a:r>
+            <a:r>
+              <a:rPr lang="en-US" sz="2400" dirty="0">
+                <a:solidFill>
+                  <a:schemeClr val="tx1"/>
+                </a:solidFill>
+                <a:latin typeface="Times New Roman" panose="02020603050405020304" pitchFamily="18" charset="0"/>
+                <a:cs typeface="Times New Roman" panose="02020603050405020304" pitchFamily="18" charset="0"/>
+              </a:rPr>
+              <a:t>): // </a:t>
+            </a:r>
+            <a:r>
+              <a:rPr lang="pt-BR" sz="2400" b="1" dirty="0" err="1">
+                <a:solidFill>
+                  <a:srgbClr val="FF0000"/>
+                </a:solidFill>
+                <a:latin typeface="Times New Roman" panose="02020603050405020304" pitchFamily="18" charset="0"/>
+                <a:cs typeface="Times New Roman" panose="02020603050405020304" pitchFamily="18" charset="0"/>
+              </a:rPr>
+              <a:t>tupla</a:t>
+            </a:r>
+            <a:r>
+              <a:rPr lang="pt-BR" sz="2400" b="1" dirty="0">
+                <a:solidFill>
+                  <a:srgbClr val="FF0000"/>
+                </a:solidFill>
+                <a:latin typeface="Times New Roman" panose="02020603050405020304" pitchFamily="18" charset="0"/>
+                <a:cs typeface="Times New Roman" panose="02020603050405020304" pitchFamily="18" charset="0"/>
+              </a:rPr>
+              <a:t> de argumentos</a:t>
+            </a:r>
+            <a:endParaRPr lang="en-US" sz="2400" dirty="0">
+              <a:solidFill>
+                <a:srgbClr val="FF0000"/>
+              </a:solidFill>
+              <a:latin typeface="Times New Roman" panose="02020603050405020304" pitchFamily="18" charset="0"/>
+              <a:cs typeface="Times New Roman" panose="02020603050405020304" pitchFamily="18" charset="0"/>
+            </a:endParaRPr>
           </a:p>
           <a:p>
             <a:pPr marL="619125" lvl="1" indent="0" algn="just">
@@ -6058,7 +6111,34 @@
                 <a:latin typeface="Times New Roman" panose="02020603050405020304" pitchFamily="18" charset="0"/>
                 <a:cs typeface="Times New Roman" panose="02020603050405020304" pitchFamily="18" charset="0"/>
               </a:rPr>
-              <a:t>(“O </a:t>
+              <a:t>(“</a:t>
+            </a:r>
+            <a:r>
+              <a:rPr lang="pt-BR" sz="2400" dirty="0">
+                <a:latin typeface="Times New Roman" panose="02020603050405020304" pitchFamily="18" charset="0"/>
+                <a:cs typeface="Times New Roman" panose="02020603050405020304" pitchFamily="18" charset="0"/>
+              </a:rPr>
+              <a:t>A</a:t>
+            </a:r>
+            <a:r>
+              <a:rPr lang="pt-BR" sz="2400" dirty="0">
+                <a:solidFill>
+                  <a:schemeClr val="tx1"/>
+                </a:solidFill>
+                <a:latin typeface="Times New Roman" panose="02020603050405020304" pitchFamily="18" charset="0"/>
+                <a:cs typeface="Times New Roman" panose="02020603050405020304" pitchFamily="18" charset="0"/>
+              </a:rPr>
+              <a:t> filha mais nova é </a:t>
+            </a:r>
+            <a:r>
+              <a:rPr lang="en-US" sz="2400" dirty="0">
+                <a:solidFill>
+                  <a:schemeClr val="tx1"/>
+                </a:solidFill>
+                <a:latin typeface="Times New Roman" panose="02020603050405020304" pitchFamily="18" charset="0"/>
+                <a:cs typeface="Times New Roman" panose="02020603050405020304" pitchFamily="18" charset="0"/>
+              </a:rPr>
+              <a:t>" + </a:t>
             </a:r>
             <a:r>
               <a:rPr lang="en-US" sz="2400" dirty="0" err="1">
@@ -6068,7 +6148,7 @@
                 <a:latin typeface="Times New Roman" panose="02020603050405020304" pitchFamily="18" charset="0"/>
                 <a:cs typeface="Times New Roman" panose="02020603050405020304" pitchFamily="18" charset="0"/>
               </a:rPr>
-              <a:t>filho</a:t>
+              <a:t>crianca</a:t>
             </a:r>
             <a:r>
               <a:rPr lang="en-US" sz="2400" dirty="0">
@@ -6078,17 +6158,34 @@
                 <a:latin typeface="Times New Roman" panose="02020603050405020304" pitchFamily="18" charset="0"/>
                 <a:cs typeface="Times New Roman" panose="02020603050405020304" pitchFamily="18" charset="0"/>
               </a:rPr>
-              <a:t> </a:t>
-            </a:r>
-            <a:r>
-              <a:rPr lang="en-US" sz="2400" dirty="0" err="1">
-                <a:solidFill>
-                  <a:schemeClr val="tx1"/>
-                </a:solidFill>
-                <a:latin typeface="Times New Roman" panose="02020603050405020304" pitchFamily="18" charset="0"/>
-                <a:cs typeface="Times New Roman" panose="02020603050405020304" pitchFamily="18" charset="0"/>
-              </a:rPr>
-              <a:t>mais</a:t>
+              <a:t>[1]);</a:t>
+            </a:r>
+          </a:p>
+          <a:p>
+            <a:pPr marL="619125" lvl="1" indent="0" algn="just">
+              <a:buNone/>
+            </a:pPr>
+            <a:endParaRPr lang="en-US" sz="2400" dirty="0">
+              <a:solidFill>
+                <a:schemeClr val="tx1"/>
+              </a:solidFill>
+              <a:latin typeface="Times New Roman" panose="02020603050405020304" pitchFamily="18" charset="0"/>
+              <a:cs typeface="Times New Roman" panose="02020603050405020304" pitchFamily="18" charset="0"/>
+            </a:endParaRPr>
+          </a:p>
+          <a:p>
+            <a:pPr marL="619125" lvl="1" indent="0" algn="just">
+              <a:buNone/>
+            </a:pPr>
+            <a:r>
+              <a:rPr lang="en-US" sz="2400" b="1" dirty="0" err="1">
+                <a:solidFill>
+                  <a:srgbClr val="FF0000"/>
+                </a:solidFill>
+                <a:latin typeface="Times New Roman" panose="02020603050405020304" pitchFamily="18" charset="0"/>
+                <a:cs typeface="Times New Roman" panose="02020603050405020304" pitchFamily="18" charset="0"/>
+              </a:rPr>
+              <a:t>pessoas</a:t>
             </a:r>
             <a:r>
               <a:rPr lang="en-US" sz="2400" dirty="0">
@@ -6098,52 +6195,7 @@
                 <a:latin typeface="Times New Roman" panose="02020603050405020304" pitchFamily="18" charset="0"/>
                 <a:cs typeface="Times New Roman" panose="02020603050405020304" pitchFamily="18" charset="0"/>
               </a:rPr>
-              <a:t> </a:t>
-            </a:r>
-            <a:r>
-              <a:rPr lang="en-US" sz="2400" dirty="0" err="1">
-                <a:solidFill>
-                  <a:schemeClr val="tx1"/>
-                </a:solidFill>
-                <a:latin typeface="Times New Roman" panose="02020603050405020304" pitchFamily="18" charset="0"/>
-                <a:cs typeface="Times New Roman" panose="02020603050405020304" pitchFamily="18" charset="0"/>
-              </a:rPr>
-              <a:t>velho</a:t>
-            </a:r>
-            <a:r>
-              <a:rPr lang="en-US" sz="2400" dirty="0">
-                <a:solidFill>
-                  <a:schemeClr val="tx1"/>
-                </a:solidFill>
-                <a:latin typeface="Times New Roman" panose="02020603050405020304" pitchFamily="18" charset="0"/>
-                <a:cs typeface="Times New Roman" panose="02020603050405020304" pitchFamily="18" charset="0"/>
-              </a:rPr>
-              <a:t> é " + adulto3);</a:t>
-            </a:r>
-          </a:p>
-          <a:p>
-            <a:pPr marL="619125" lvl="1" indent="0" algn="just">
-              <a:buNone/>
-            </a:pPr>
-            <a:r>
-              <a:rPr lang="en-US" sz="2400" b="1" dirty="0" err="1">
-                <a:solidFill>
-                  <a:srgbClr val="FF0000"/>
-                </a:solidFill>
-                <a:latin typeface="Times New Roman" panose="02020603050405020304" pitchFamily="18" charset="0"/>
-                <a:cs typeface="Times New Roman" panose="02020603050405020304" pitchFamily="18" charset="0"/>
-              </a:rPr>
-              <a:t>pessoas</a:t>
-            </a:r>
-            <a:r>
-              <a:rPr lang="en-US" sz="2400" dirty="0">
-                <a:solidFill>
-                  <a:schemeClr val="tx1"/>
-                </a:solidFill>
-                <a:latin typeface="Times New Roman" panose="02020603050405020304" pitchFamily="18" charset="0"/>
-                <a:cs typeface="Times New Roman" panose="02020603050405020304" pitchFamily="18" charset="0"/>
-              </a:rPr>
-              <a:t>(adulto1 = “Juju", adulto2 = “Paulo", adulto3 = “João");</a:t>
+              <a:t>(“Juju", “Laura", “Maria Paula");</a:t>
             </a:r>
           </a:p>
         </p:txBody>
@@ -6151,7 +6203,7 @@
     </p:spTree>
     <p:extLst>
       <p:ext uri="{BB962C8B-B14F-4D97-AF65-F5344CB8AC3E}">
-        <p14:creationId xmlns:p14="http://schemas.microsoft.com/office/powerpoint/2010/main" val="2337272267"/>
+        <p14:creationId xmlns:p14="http://schemas.microsoft.com/office/powerpoint/2010/main" val="1367592514"/>
       </p:ext>
     </p:extLst>
   </p:cSld>
@@ -6271,227 +6323,78 @@
                 <a:latin typeface="Times New Roman" panose="02020603050405020304" pitchFamily="18" charset="0"/>
                 <a:cs typeface="Times New Roman" panose="02020603050405020304" pitchFamily="18" charset="0"/>
               </a:rPr>
-              <a:t>: ** =&gt; Desta forma a função receberá um dicionário de argumentos, podendo acessar os itens de acordo com o atributo.</a:t>
-            </a:r>
-          </a:p>
-          <a:p>
-            <a:pPr marL="0" indent="0" algn="just">
+              <a:t>:</a:t>
+            </a:r>
+          </a:p>
+          <a:p>
+            <a:pPr marL="619125" lvl="1" indent="0" algn="just">
               <a:buNone/>
             </a:pPr>
             <a:r>
+              <a:rPr lang="pt-BR" sz="2400" dirty="0">
+                <a:solidFill>
+                  <a:schemeClr val="tx1"/>
+                </a:solidFill>
+                <a:latin typeface="Times New Roman" panose="02020603050405020304" pitchFamily="18" charset="0"/>
+                <a:cs typeface="Times New Roman" panose="02020603050405020304" pitchFamily="18" charset="0"/>
+              </a:rPr>
+              <a:t>É possível enviar argumentos com a sintaxe </a:t>
+            </a:r>
+            <a:r>
+              <a:rPr lang="pt-BR" sz="2400" b="1" dirty="0" err="1">
+                <a:solidFill>
+                  <a:schemeClr val="tx1"/>
+                </a:solidFill>
+                <a:latin typeface="Times New Roman" panose="02020603050405020304" pitchFamily="18" charset="0"/>
+                <a:cs typeface="Times New Roman" panose="02020603050405020304" pitchFamily="18" charset="0"/>
+              </a:rPr>
+              <a:t>key</a:t>
+            </a:r>
+            <a:r>
               <a:rPr lang="pt-BR" sz="2400" b="1" dirty="0">
-                <a:latin typeface="Times New Roman" panose="02020603050405020304" pitchFamily="18" charset="0"/>
-                <a:cs typeface="Times New Roman" panose="02020603050405020304" pitchFamily="18" charset="0"/>
-              </a:rPr>
-              <a:t>	</a:t>
-            </a:r>
-            <a:r>
-              <a:rPr lang="en-US" sz="2400" b="1" dirty="0">
-                <a:solidFill>
-                  <a:schemeClr val="tx1"/>
-                </a:solidFill>
-                <a:latin typeface="Times New Roman" panose="02020603050405020304" pitchFamily="18" charset="0"/>
-                <a:cs typeface="Times New Roman" panose="02020603050405020304" pitchFamily="18" charset="0"/>
-              </a:rPr>
-              <a:t>def </a:t>
-            </a:r>
-            <a:r>
-              <a:rPr lang="en-US" sz="2400" b="1" dirty="0" err="1">
-                <a:solidFill>
-                  <a:srgbClr val="FF0000"/>
-                </a:solidFill>
-                <a:latin typeface="Times New Roman" panose="02020603050405020304" pitchFamily="18" charset="0"/>
-                <a:cs typeface="Times New Roman" panose="02020603050405020304" pitchFamily="18" charset="0"/>
-              </a:rPr>
-              <a:t>pessoa</a:t>
-            </a:r>
-            <a:r>
-              <a:rPr lang="en-US" sz="2400" b="1" dirty="0">
-                <a:solidFill>
-                  <a:schemeClr val="tx1"/>
-                </a:solidFill>
-                <a:latin typeface="Times New Roman" panose="02020603050405020304" pitchFamily="18" charset="0"/>
-                <a:cs typeface="Times New Roman" panose="02020603050405020304" pitchFamily="18" charset="0"/>
-              </a:rPr>
-              <a:t>(**</a:t>
-            </a:r>
-            <a:r>
-              <a:rPr lang="en-US" sz="2400" b="1" dirty="0" err="1">
-                <a:solidFill>
-                  <a:schemeClr val="tx1"/>
-                </a:solidFill>
-                <a:latin typeface="Times New Roman" panose="02020603050405020304" pitchFamily="18" charset="0"/>
-                <a:cs typeface="Times New Roman" panose="02020603050405020304" pitchFamily="18" charset="0"/>
-              </a:rPr>
-              <a:t>adulto</a:t>
-            </a:r>
-            <a:r>
-              <a:rPr lang="en-US" sz="2400" b="1" dirty="0">
-                <a:solidFill>
-                  <a:schemeClr val="tx1"/>
-                </a:solidFill>
-                <a:latin typeface="Times New Roman" panose="02020603050405020304" pitchFamily="18" charset="0"/>
-                <a:cs typeface="Times New Roman" panose="02020603050405020304" pitchFamily="18" charset="0"/>
-              </a:rPr>
-              <a:t>): // </a:t>
-            </a:r>
-            <a:r>
-              <a:rPr lang="en-US" sz="2400" b="1" dirty="0" err="1">
-                <a:solidFill>
-                  <a:srgbClr val="FF0000"/>
-                </a:solidFill>
-                <a:latin typeface="Times New Roman" panose="02020603050405020304" pitchFamily="18" charset="0"/>
-                <a:cs typeface="Times New Roman" panose="02020603050405020304" pitchFamily="18" charset="0"/>
-              </a:rPr>
-              <a:t>dicionário</a:t>
-            </a:r>
-            <a:r>
-              <a:rPr lang="en-US" sz="2400" b="1" dirty="0">
-                <a:solidFill>
-                  <a:srgbClr val="FF0000"/>
-                </a:solidFill>
-                <a:latin typeface="Times New Roman" panose="02020603050405020304" pitchFamily="18" charset="0"/>
-                <a:cs typeface="Times New Roman" panose="02020603050405020304" pitchFamily="18" charset="0"/>
-              </a:rPr>
-              <a:t> de </a:t>
-            </a:r>
-            <a:r>
-              <a:rPr lang="en-US" sz="2400" b="1" dirty="0" err="1">
-                <a:solidFill>
-                  <a:srgbClr val="FF0000"/>
-                </a:solidFill>
-                <a:latin typeface="Times New Roman" panose="02020603050405020304" pitchFamily="18" charset="0"/>
-                <a:cs typeface="Times New Roman" panose="02020603050405020304" pitchFamily="18" charset="0"/>
-              </a:rPr>
-              <a:t>argumentos</a:t>
-            </a:r>
-            <a:endParaRPr lang="en-US" sz="2400" b="1" dirty="0">
-              <a:solidFill>
-                <a:srgbClr val="FF0000"/>
-              </a:solidFill>
-              <a:latin typeface="Times New Roman" panose="02020603050405020304" pitchFamily="18" charset="0"/>
-              <a:cs typeface="Times New Roman" panose="02020603050405020304" pitchFamily="18" charset="0"/>
-            </a:endParaRPr>
+                <a:solidFill>
+                  <a:schemeClr val="tx1"/>
+                </a:solidFill>
+                <a:latin typeface="Times New Roman" panose="02020603050405020304" pitchFamily="18" charset="0"/>
+                <a:cs typeface="Times New Roman" panose="02020603050405020304" pitchFamily="18" charset="0"/>
+              </a:rPr>
+              <a:t> = </a:t>
+            </a:r>
+            <a:r>
+              <a:rPr lang="pt-BR" sz="2400" b="1" dirty="0" err="1">
+                <a:solidFill>
+                  <a:schemeClr val="tx1"/>
+                </a:solidFill>
+                <a:latin typeface="Times New Roman" panose="02020603050405020304" pitchFamily="18" charset="0"/>
+                <a:cs typeface="Times New Roman" panose="02020603050405020304" pitchFamily="18" charset="0"/>
+              </a:rPr>
+              <a:t>value</a:t>
+            </a:r>
+            <a:r>
+              <a:rPr lang="pt-BR" sz="2400" dirty="0">
+                <a:solidFill>
+                  <a:schemeClr val="tx1"/>
+                </a:solidFill>
+                <a:latin typeface="Times New Roman" panose="02020603050405020304" pitchFamily="18" charset="0"/>
+                <a:cs typeface="Times New Roman" panose="02020603050405020304" pitchFamily="18" charset="0"/>
+              </a:rPr>
+              <a:t>.</a:t>
+            </a:r>
           </a:p>
           <a:p>
             <a:pPr marL="619125" lvl="1" indent="0" algn="just">
               <a:buNone/>
             </a:pPr>
             <a:r>
-              <a:rPr lang="en-US" sz="2400" b="1" dirty="0">
-                <a:solidFill>
-                  <a:schemeClr val="tx1"/>
-                </a:solidFill>
-                <a:latin typeface="Times New Roman" panose="02020603050405020304" pitchFamily="18" charset="0"/>
-                <a:cs typeface="Times New Roman" panose="02020603050405020304" pitchFamily="18" charset="0"/>
-              </a:rPr>
-              <a:t>  print(“</a:t>
-            </a:r>
-            <a:r>
-              <a:rPr lang="en-US" sz="2400" dirty="0">
-                <a:solidFill>
-                  <a:schemeClr val="tx1"/>
-                </a:solidFill>
-                <a:latin typeface="Times New Roman" panose="02020603050405020304" pitchFamily="18" charset="0"/>
-                <a:cs typeface="Times New Roman" panose="02020603050405020304" pitchFamily="18" charset="0"/>
-              </a:rPr>
-              <a:t>O ultimo </a:t>
-            </a:r>
-            <a:r>
-              <a:rPr lang="en-US" sz="2400" dirty="0" err="1">
-                <a:solidFill>
-                  <a:schemeClr val="tx1"/>
-                </a:solidFill>
-                <a:latin typeface="Times New Roman" panose="02020603050405020304" pitchFamily="18" charset="0"/>
-                <a:cs typeface="Times New Roman" panose="02020603050405020304" pitchFamily="18" charset="0"/>
-              </a:rPr>
-              <a:t>nome</a:t>
-            </a:r>
-            <a:r>
-              <a:rPr lang="en-US" sz="2400" dirty="0">
-                <a:solidFill>
-                  <a:schemeClr val="tx1"/>
-                </a:solidFill>
-                <a:latin typeface="Times New Roman" panose="02020603050405020304" pitchFamily="18" charset="0"/>
-                <a:cs typeface="Times New Roman" panose="02020603050405020304" pitchFamily="18" charset="0"/>
-              </a:rPr>
-              <a:t> da </a:t>
-            </a:r>
-            <a:r>
-              <a:rPr lang="en-US" sz="2400" dirty="0" err="1">
-                <a:solidFill>
-                  <a:schemeClr val="tx1"/>
-                </a:solidFill>
-                <a:latin typeface="Times New Roman" panose="02020603050405020304" pitchFamily="18" charset="0"/>
-                <a:cs typeface="Times New Roman" panose="02020603050405020304" pitchFamily="18" charset="0"/>
-              </a:rPr>
-              <a:t>pessoa</a:t>
-            </a:r>
-            <a:r>
-              <a:rPr lang="en-US" sz="2400" dirty="0">
-                <a:solidFill>
-                  <a:schemeClr val="tx1"/>
-                </a:solidFill>
-                <a:latin typeface="Times New Roman" panose="02020603050405020304" pitchFamily="18" charset="0"/>
-                <a:cs typeface="Times New Roman" panose="02020603050405020304" pitchFamily="18" charset="0"/>
-              </a:rPr>
-              <a:t> é:</a:t>
-            </a:r>
-            <a:r>
-              <a:rPr lang="en-US" sz="2400" b="1" dirty="0">
-                <a:solidFill>
-                  <a:schemeClr val="tx1"/>
-                </a:solidFill>
-                <a:latin typeface="Times New Roman" panose="02020603050405020304" pitchFamily="18" charset="0"/>
-                <a:cs typeface="Times New Roman" panose="02020603050405020304" pitchFamily="18" charset="0"/>
-              </a:rPr>
-              <a:t> " + </a:t>
-            </a:r>
-            <a:r>
-              <a:rPr lang="en-US" sz="2400" b="1" dirty="0" err="1">
-                <a:solidFill>
-                  <a:schemeClr val="tx1"/>
-                </a:solidFill>
-                <a:latin typeface="Times New Roman" panose="02020603050405020304" pitchFamily="18" charset="0"/>
-                <a:cs typeface="Times New Roman" panose="02020603050405020304" pitchFamily="18" charset="0"/>
-              </a:rPr>
-              <a:t>adulto</a:t>
-            </a:r>
-            <a:r>
-              <a:rPr lang="en-US" sz="2400" b="1" dirty="0">
-                <a:solidFill>
-                  <a:schemeClr val="tx1"/>
-                </a:solidFill>
-                <a:latin typeface="Times New Roman" panose="02020603050405020304" pitchFamily="18" charset="0"/>
-                <a:cs typeface="Times New Roman" panose="02020603050405020304" pitchFamily="18" charset="0"/>
-              </a:rPr>
-              <a:t>["</a:t>
-            </a:r>
-            <a:r>
-              <a:rPr lang="en-US" sz="2400" b="1" dirty="0" err="1">
-                <a:solidFill>
-                  <a:schemeClr val="tx1"/>
-                </a:solidFill>
-                <a:latin typeface="Times New Roman" panose="02020603050405020304" pitchFamily="18" charset="0"/>
-                <a:cs typeface="Times New Roman" panose="02020603050405020304" pitchFamily="18" charset="0"/>
-              </a:rPr>
-              <a:t>lnome</a:t>
-            </a:r>
-            <a:r>
-              <a:rPr lang="en-US" sz="2400" b="1" dirty="0">
-                <a:solidFill>
-                  <a:schemeClr val="tx1"/>
-                </a:solidFill>
-                <a:latin typeface="Times New Roman" panose="02020603050405020304" pitchFamily="18" charset="0"/>
-                <a:cs typeface="Times New Roman" panose="02020603050405020304" pitchFamily="18" charset="0"/>
-              </a:rPr>
-              <a:t>"]);</a:t>
-            </a:r>
-          </a:p>
-          <a:p>
-            <a:pPr marL="619125" lvl="1" indent="0" algn="just">
-              <a:buNone/>
-            </a:pPr>
+              <a:rPr lang="pt-BR" sz="2400" dirty="0">
+                <a:solidFill>
+                  <a:schemeClr val="tx1"/>
+                </a:solidFill>
+                <a:latin typeface="Times New Roman" panose="02020603050405020304" pitchFamily="18" charset="0"/>
+                <a:cs typeface="Times New Roman" panose="02020603050405020304" pitchFamily="18" charset="0"/>
+              </a:rPr>
+              <a:t>Desta forma, à ordem dos argumentos não importa.</a:t>
+            </a:r>
             <a:endParaRPr lang="en-US" sz="2400" b="1" dirty="0">
               <a:solidFill>
                 <a:schemeClr val="tx1"/>
@@ -6505,6 +6408,16 @@
               <a:buNone/>
             </a:pPr>
             <a:r>
+              <a:rPr lang="en-US" sz="2400" b="1" dirty="0">
+                <a:solidFill>
+                  <a:schemeClr val="tx1"/>
+                </a:solidFill>
+                <a:latin typeface="Times New Roman" panose="02020603050405020304" pitchFamily="18" charset="0"/>
+                <a:cs typeface="Times New Roman" panose="02020603050405020304" pitchFamily="18" charset="0"/>
+              </a:rPr>
+              <a:t>def </a:t>
+            </a:r>
+            <a:r>
               <a:rPr lang="en-US" sz="2400" b="1" dirty="0" err="1">
                 <a:solidFill>
                   <a:srgbClr val="FF0000"/>
@@ -6512,7 +6425,32 @@
                 <a:latin typeface="Times New Roman" panose="02020603050405020304" pitchFamily="18" charset="0"/>
                 <a:cs typeface="Times New Roman" panose="02020603050405020304" pitchFamily="18" charset="0"/>
               </a:rPr>
-              <a:t>pessoa</a:t>
+              <a:t>pessoas</a:t>
+            </a:r>
+            <a:r>
+              <a:rPr lang="en-US" sz="2400" dirty="0">
+                <a:solidFill>
+                  <a:schemeClr val="tx1"/>
+                </a:solidFill>
+                <a:latin typeface="Times New Roman" panose="02020603050405020304" pitchFamily="18" charset="0"/>
+                <a:cs typeface="Times New Roman" panose="02020603050405020304" pitchFamily="18" charset="0"/>
+              </a:rPr>
+              <a:t>(adulto3, adulto2, adulto1):</a:t>
+            </a:r>
+          </a:p>
+          <a:p>
+            <a:pPr marL="619125" lvl="1" indent="0" algn="just">
+              <a:buNone/>
+            </a:pPr>
+            <a:r>
+              <a:rPr lang="en-US" sz="2400" dirty="0">
+                <a:solidFill>
+                  <a:schemeClr val="tx1"/>
+                </a:solidFill>
+                <a:latin typeface="Times New Roman" panose="02020603050405020304" pitchFamily="18" charset="0"/>
+                <a:cs typeface="Times New Roman" panose="02020603050405020304" pitchFamily="18" charset="0"/>
+              </a:rPr>
+              <a:t>  </a:t>
             </a:r>
             <a:r>
               <a:rPr lang="en-US" sz="2400" b="1" dirty="0">
@@ -6522,27 +6460,92 @@
                 <a:latin typeface="Times New Roman" panose="02020603050405020304" pitchFamily="18" charset="0"/>
                 <a:cs typeface="Times New Roman" panose="02020603050405020304" pitchFamily="18" charset="0"/>
               </a:rPr>
-              <a:t>(</a:t>
-            </a:r>
+              <a:t>print</a:t>
+            </a:r>
+            <a:r>
+              <a:rPr lang="en-US" sz="2400" dirty="0">
+                <a:solidFill>
+                  <a:schemeClr val="tx1"/>
+                </a:solidFill>
+                <a:latin typeface="Times New Roman" panose="02020603050405020304" pitchFamily="18" charset="0"/>
+                <a:cs typeface="Times New Roman" panose="02020603050405020304" pitchFamily="18" charset="0"/>
+              </a:rPr>
+              <a:t>(“O </a:t>
+            </a:r>
+            <a:r>
+              <a:rPr lang="en-US" sz="2400" dirty="0" err="1">
+                <a:solidFill>
+                  <a:schemeClr val="tx1"/>
+                </a:solidFill>
+                <a:latin typeface="Times New Roman" panose="02020603050405020304" pitchFamily="18" charset="0"/>
+                <a:cs typeface="Times New Roman" panose="02020603050405020304" pitchFamily="18" charset="0"/>
+              </a:rPr>
+              <a:t>filho</a:t>
+            </a:r>
+            <a:r>
+              <a:rPr lang="en-US" sz="2400" dirty="0">
+                <a:solidFill>
+                  <a:schemeClr val="tx1"/>
+                </a:solidFill>
+                <a:latin typeface="Times New Roman" panose="02020603050405020304" pitchFamily="18" charset="0"/>
+                <a:cs typeface="Times New Roman" panose="02020603050405020304" pitchFamily="18" charset="0"/>
+              </a:rPr>
+              <a:t> </a:t>
+            </a:r>
+            <a:r>
+              <a:rPr lang="en-US" sz="2400" dirty="0" err="1">
+                <a:solidFill>
+                  <a:schemeClr val="tx1"/>
+                </a:solidFill>
+                <a:latin typeface="Times New Roman" panose="02020603050405020304" pitchFamily="18" charset="0"/>
+                <a:cs typeface="Times New Roman" panose="02020603050405020304" pitchFamily="18" charset="0"/>
+              </a:rPr>
+              <a:t>mais</a:t>
+            </a:r>
+            <a:r>
+              <a:rPr lang="en-US" sz="2400" dirty="0">
+                <a:solidFill>
+                  <a:schemeClr val="tx1"/>
+                </a:solidFill>
+                <a:latin typeface="Times New Roman" panose="02020603050405020304" pitchFamily="18" charset="0"/>
+                <a:cs typeface="Times New Roman" panose="02020603050405020304" pitchFamily="18" charset="0"/>
+              </a:rPr>
+              <a:t> </a:t>
+            </a:r>
+            <a:r>
+              <a:rPr lang="en-US" sz="2400" dirty="0" err="1">
+                <a:solidFill>
+                  <a:schemeClr val="tx1"/>
+                </a:solidFill>
+                <a:latin typeface="Times New Roman" panose="02020603050405020304" pitchFamily="18" charset="0"/>
+                <a:cs typeface="Times New Roman" panose="02020603050405020304" pitchFamily="18" charset="0"/>
+              </a:rPr>
+              <a:t>velho</a:t>
+            </a:r>
+            <a:r>
+              <a:rPr lang="en-US" sz="2400" dirty="0">
+                <a:solidFill>
+                  <a:schemeClr val="tx1"/>
+                </a:solidFill>
+                <a:latin typeface="Times New Roman" panose="02020603050405020304" pitchFamily="18" charset="0"/>
+                <a:cs typeface="Times New Roman" panose="02020603050405020304" pitchFamily="18" charset="0"/>
+              </a:rPr>
+              <a:t> é " + adulto3);</a:t>
+            </a:r>
+          </a:p>
+          <a:p>
+            <a:pPr marL="619125" lvl="1" indent="0" algn="just">
+              <a:buNone/>
+            </a:pPr>
             <a:r>
               <a:rPr lang="en-US" sz="2400" b="1" dirty="0" err="1">
                 <a:solidFill>
-                  <a:schemeClr val="tx1"/>
-                </a:solidFill>
-                <a:latin typeface="Times New Roman" panose="02020603050405020304" pitchFamily="18" charset="0"/>
-                <a:cs typeface="Times New Roman" panose="02020603050405020304" pitchFamily="18" charset="0"/>
-              </a:rPr>
-              <a:t>fnome</a:t>
-            </a:r>
-            <a:r>
-              <a:rPr lang="en-US" sz="2400" b="1" dirty="0">
-                <a:solidFill>
-                  <a:schemeClr val="tx1"/>
-                </a:solidFill>
-                <a:latin typeface="Times New Roman" panose="02020603050405020304" pitchFamily="18" charset="0"/>
-                <a:cs typeface="Times New Roman" panose="02020603050405020304" pitchFamily="18" charset="0"/>
-              </a:rPr>
-              <a:t> = “</a:t>
+                  <a:srgbClr val="FF0000"/>
+                </a:solidFill>
+                <a:latin typeface="Times New Roman" panose="02020603050405020304" pitchFamily="18" charset="0"/>
+                <a:cs typeface="Times New Roman" panose="02020603050405020304" pitchFamily="18" charset="0"/>
+              </a:rPr>
+              <a:t>pessoas</a:t>
             </a:r>
             <a:r>
               <a:rPr lang="en-US" sz="2400" dirty="0">
@@ -6552,72 +6555,15 @@
                 <a:latin typeface="Times New Roman" panose="02020603050405020304" pitchFamily="18" charset="0"/>
                 <a:cs typeface="Times New Roman" panose="02020603050405020304" pitchFamily="18" charset="0"/>
               </a:rPr>
-              <a:t>Julia</a:t>
-            </a:r>
-            <a:r>
-              <a:rPr lang="en-US" sz="2400" b="1" dirty="0">
-                <a:solidFill>
-                  <a:schemeClr val="tx1"/>
-                </a:solidFill>
-                <a:latin typeface="Times New Roman" panose="02020603050405020304" pitchFamily="18" charset="0"/>
-                <a:cs typeface="Times New Roman" panose="02020603050405020304" pitchFamily="18" charset="0"/>
-              </a:rPr>
-              <a:t>", </a:t>
-            </a:r>
-            <a:r>
-              <a:rPr lang="en-US" sz="2400" b="1" dirty="0" err="1">
-                <a:solidFill>
-                  <a:schemeClr val="tx1"/>
-                </a:solidFill>
-                <a:latin typeface="Times New Roman" panose="02020603050405020304" pitchFamily="18" charset="0"/>
-                <a:cs typeface="Times New Roman" panose="02020603050405020304" pitchFamily="18" charset="0"/>
-              </a:rPr>
-              <a:t>lnome</a:t>
-            </a:r>
-            <a:r>
-              <a:rPr lang="en-US" sz="2400" b="1" dirty="0">
-                <a:solidFill>
-                  <a:schemeClr val="tx1"/>
-                </a:solidFill>
-                <a:latin typeface="Times New Roman" panose="02020603050405020304" pitchFamily="18" charset="0"/>
-                <a:cs typeface="Times New Roman" panose="02020603050405020304" pitchFamily="18" charset="0"/>
-              </a:rPr>
-              <a:t> = “</a:t>
-            </a:r>
-            <a:r>
-              <a:rPr lang="en-US" sz="2400" dirty="0">
-                <a:solidFill>
-                  <a:schemeClr val="tx1"/>
-                </a:solidFill>
-                <a:latin typeface="Times New Roman" panose="02020603050405020304" pitchFamily="18" charset="0"/>
-                <a:cs typeface="Times New Roman" panose="02020603050405020304" pitchFamily="18" charset="0"/>
-              </a:rPr>
-              <a:t>Cardoso</a:t>
-            </a:r>
-            <a:r>
-              <a:rPr lang="en-US" sz="2400" b="1" dirty="0">
-                <a:solidFill>
-                  <a:schemeClr val="tx1"/>
-                </a:solidFill>
-                <a:latin typeface="Times New Roman" panose="02020603050405020304" pitchFamily="18" charset="0"/>
-                <a:cs typeface="Times New Roman" panose="02020603050405020304" pitchFamily="18" charset="0"/>
-              </a:rPr>
-              <a:t>");</a:t>
-            </a:r>
-            <a:endParaRPr lang="en-US" sz="2400" dirty="0">
-              <a:solidFill>
-                <a:schemeClr val="tx1"/>
-              </a:solidFill>
-              <a:latin typeface="Times New Roman" panose="02020603050405020304" pitchFamily="18" charset="0"/>
-              <a:cs typeface="Times New Roman" panose="02020603050405020304" pitchFamily="18" charset="0"/>
-            </a:endParaRPr>
+              <a:t>(adulto1 = “Juju", adulto2 = “Paulo", adulto3 = “João");</a:t>
+            </a:r>
           </a:p>
         </p:txBody>
       </p:sp>
     </p:spTree>
     <p:extLst>
       <p:ext uri="{BB962C8B-B14F-4D97-AF65-F5344CB8AC3E}">
-        <p14:creationId xmlns:p14="http://schemas.microsoft.com/office/powerpoint/2010/main" val="966943376"/>
+        <p14:creationId xmlns:p14="http://schemas.microsoft.com/office/powerpoint/2010/main" val="2337272267"/>
       </p:ext>
     </p:extLst>
   </p:cSld>
@@ -6737,7 +6683,7 @@
                 <a:latin typeface="Times New Roman" panose="02020603050405020304" pitchFamily="18" charset="0"/>
                 <a:cs typeface="Times New Roman" panose="02020603050405020304" pitchFamily="18" charset="0"/>
               </a:rPr>
-              <a:t>: Passando uma lista como um argumento.</a:t>
+              <a:t>: ** =&gt; Desta forma a função receberá um dicionário de argumentos, podendo acessar os itens de acordo com o atributo.</a:t>
             </a:r>
           </a:p>
           <a:p>
@@ -6769,7 +6715,89 @@
                 <a:latin typeface="Times New Roman" panose="02020603050405020304" pitchFamily="18" charset="0"/>
                 <a:cs typeface="Times New Roman" panose="02020603050405020304" pitchFamily="18" charset="0"/>
               </a:rPr>
-              <a:t>minhas_frutas</a:t>
+              <a:t>pessoa</a:t>
+            </a:r>
+            <a:r>
+              <a:rPr lang="en-US" sz="2400" b="1" dirty="0">
+                <a:solidFill>
+                  <a:schemeClr val="tx1"/>
+                </a:solidFill>
+                <a:latin typeface="Times New Roman" panose="02020603050405020304" pitchFamily="18" charset="0"/>
+                <a:cs typeface="Times New Roman" panose="02020603050405020304" pitchFamily="18" charset="0"/>
+              </a:rPr>
+              <a:t>(**</a:t>
+            </a:r>
+            <a:r>
+              <a:rPr lang="en-US" sz="2400" b="1" dirty="0" err="1">
+                <a:solidFill>
+                  <a:schemeClr val="tx1"/>
+                </a:solidFill>
+                <a:latin typeface="Times New Roman" panose="02020603050405020304" pitchFamily="18" charset="0"/>
+                <a:cs typeface="Times New Roman" panose="02020603050405020304" pitchFamily="18" charset="0"/>
+              </a:rPr>
+              <a:t>adulto</a:t>
+            </a:r>
+            <a:r>
+              <a:rPr lang="en-US" sz="2400" b="1" dirty="0">
+                <a:solidFill>
+                  <a:schemeClr val="tx1"/>
+                </a:solidFill>
+                <a:latin typeface="Times New Roman" panose="02020603050405020304" pitchFamily="18" charset="0"/>
+                <a:cs typeface="Times New Roman" panose="02020603050405020304" pitchFamily="18" charset="0"/>
+              </a:rPr>
+              <a:t>): // </a:t>
+            </a:r>
+            <a:r>
+              <a:rPr lang="en-US" sz="2400" b="1" dirty="0" err="1">
+                <a:solidFill>
+                  <a:srgbClr val="FF0000"/>
+                </a:solidFill>
+                <a:latin typeface="Times New Roman" panose="02020603050405020304" pitchFamily="18" charset="0"/>
+                <a:cs typeface="Times New Roman" panose="02020603050405020304" pitchFamily="18" charset="0"/>
+              </a:rPr>
+              <a:t>dicionário</a:t>
+            </a:r>
+            <a:r>
+              <a:rPr lang="en-US" sz="2400" b="1" dirty="0">
+                <a:solidFill>
+                  <a:srgbClr val="FF0000"/>
+                </a:solidFill>
+                <a:latin typeface="Times New Roman" panose="02020603050405020304" pitchFamily="18" charset="0"/>
+                <a:cs typeface="Times New Roman" panose="02020603050405020304" pitchFamily="18" charset="0"/>
+              </a:rPr>
+              <a:t> de </a:t>
+            </a:r>
+            <a:r>
+              <a:rPr lang="en-US" sz="2400" b="1" dirty="0" err="1">
+                <a:solidFill>
+                  <a:srgbClr val="FF0000"/>
+                </a:solidFill>
+                <a:latin typeface="Times New Roman" panose="02020603050405020304" pitchFamily="18" charset="0"/>
+                <a:cs typeface="Times New Roman" panose="02020603050405020304" pitchFamily="18" charset="0"/>
+              </a:rPr>
+              <a:t>argumentos</a:t>
+            </a:r>
+            <a:endParaRPr lang="en-US" sz="2400" b="1" dirty="0">
+              <a:solidFill>
+                <a:srgbClr val="FF0000"/>
+              </a:solidFill>
+              <a:latin typeface="Times New Roman" panose="02020603050405020304" pitchFamily="18" charset="0"/>
+              <a:cs typeface="Times New Roman" panose="02020603050405020304" pitchFamily="18" charset="0"/>
+            </a:endParaRPr>
+          </a:p>
+          <a:p>
+            <a:pPr marL="619125" lvl="1" indent="0" algn="just">
+              <a:buNone/>
+            </a:pPr>
+            <a:r>
+              <a:rPr lang="en-US" sz="2400" b="1" dirty="0">
+                <a:solidFill>
+                  <a:schemeClr val="tx1"/>
+                </a:solidFill>
+                <a:latin typeface="Times New Roman" panose="02020603050405020304" pitchFamily="18" charset="0"/>
+                <a:cs typeface="Times New Roman" panose="02020603050405020304" pitchFamily="18" charset="0"/>
+              </a:rPr>
+              <a:t>  print(“</a:t>
             </a:r>
             <a:r>
               <a:rPr lang="en-US" sz="2400" dirty="0">
@@ -6779,13 +6807,155 @@
                 <a:latin typeface="Times New Roman" panose="02020603050405020304" pitchFamily="18" charset="0"/>
                 <a:cs typeface="Times New Roman" panose="02020603050405020304" pitchFamily="18" charset="0"/>
               </a:rPr>
-              <a:t>(comida):</a:t>
-            </a:r>
-          </a:p>
-          <a:p>
-            <a:pPr marL="0" indent="0" algn="just">
+              <a:t>O ultimo </a:t>
+            </a:r>
+            <a:r>
+              <a:rPr lang="en-US" sz="2400" dirty="0" err="1">
+                <a:solidFill>
+                  <a:schemeClr val="tx1"/>
+                </a:solidFill>
+                <a:latin typeface="Times New Roman" panose="02020603050405020304" pitchFamily="18" charset="0"/>
+                <a:cs typeface="Times New Roman" panose="02020603050405020304" pitchFamily="18" charset="0"/>
+              </a:rPr>
+              <a:t>nome</a:t>
+            </a:r>
+            <a:r>
+              <a:rPr lang="en-US" sz="2400" dirty="0">
+                <a:solidFill>
+                  <a:schemeClr val="tx1"/>
+                </a:solidFill>
+                <a:latin typeface="Times New Roman" panose="02020603050405020304" pitchFamily="18" charset="0"/>
+                <a:cs typeface="Times New Roman" panose="02020603050405020304" pitchFamily="18" charset="0"/>
+              </a:rPr>
+              <a:t> da </a:t>
+            </a:r>
+            <a:r>
+              <a:rPr lang="en-US" sz="2400" dirty="0" err="1">
+                <a:solidFill>
+                  <a:schemeClr val="tx1"/>
+                </a:solidFill>
+                <a:latin typeface="Times New Roman" panose="02020603050405020304" pitchFamily="18" charset="0"/>
+                <a:cs typeface="Times New Roman" panose="02020603050405020304" pitchFamily="18" charset="0"/>
+              </a:rPr>
+              <a:t>pessoa</a:t>
+            </a:r>
+            <a:r>
+              <a:rPr lang="en-US" sz="2400" dirty="0">
+                <a:solidFill>
+                  <a:schemeClr val="tx1"/>
+                </a:solidFill>
+                <a:latin typeface="Times New Roman" panose="02020603050405020304" pitchFamily="18" charset="0"/>
+                <a:cs typeface="Times New Roman" panose="02020603050405020304" pitchFamily="18" charset="0"/>
+              </a:rPr>
+              <a:t> é:</a:t>
+            </a:r>
+            <a:r>
+              <a:rPr lang="en-US" sz="2400" b="1" dirty="0">
+                <a:solidFill>
+                  <a:schemeClr val="tx1"/>
+                </a:solidFill>
+                <a:latin typeface="Times New Roman" panose="02020603050405020304" pitchFamily="18" charset="0"/>
+                <a:cs typeface="Times New Roman" panose="02020603050405020304" pitchFamily="18" charset="0"/>
+              </a:rPr>
+              <a:t> " + </a:t>
+            </a:r>
+            <a:r>
+              <a:rPr lang="en-US" sz="2400" b="1" dirty="0" err="1">
+                <a:solidFill>
+                  <a:schemeClr val="tx1"/>
+                </a:solidFill>
+                <a:latin typeface="Times New Roman" panose="02020603050405020304" pitchFamily="18" charset="0"/>
+                <a:cs typeface="Times New Roman" panose="02020603050405020304" pitchFamily="18" charset="0"/>
+              </a:rPr>
+              <a:t>adulto</a:t>
+            </a:r>
+            <a:r>
+              <a:rPr lang="en-US" sz="2400" b="1" dirty="0">
+                <a:solidFill>
+                  <a:schemeClr val="tx1"/>
+                </a:solidFill>
+                <a:latin typeface="Times New Roman" panose="02020603050405020304" pitchFamily="18" charset="0"/>
+                <a:cs typeface="Times New Roman" panose="02020603050405020304" pitchFamily="18" charset="0"/>
+              </a:rPr>
+              <a:t>["</a:t>
+            </a:r>
+            <a:r>
+              <a:rPr lang="en-US" sz="2400" b="1" dirty="0" err="1">
+                <a:solidFill>
+                  <a:schemeClr val="tx1"/>
+                </a:solidFill>
+                <a:latin typeface="Times New Roman" panose="02020603050405020304" pitchFamily="18" charset="0"/>
+                <a:cs typeface="Times New Roman" panose="02020603050405020304" pitchFamily="18" charset="0"/>
+              </a:rPr>
+              <a:t>lnome</a:t>
+            </a:r>
+            <a:r>
+              <a:rPr lang="en-US" sz="2400" b="1" dirty="0">
+                <a:solidFill>
+                  <a:schemeClr val="tx1"/>
+                </a:solidFill>
+                <a:latin typeface="Times New Roman" panose="02020603050405020304" pitchFamily="18" charset="0"/>
+                <a:cs typeface="Times New Roman" panose="02020603050405020304" pitchFamily="18" charset="0"/>
+              </a:rPr>
+              <a:t>"]);</a:t>
+            </a:r>
+          </a:p>
+          <a:p>
+            <a:pPr marL="619125" lvl="1" indent="0" algn="just">
               <a:buNone/>
             </a:pPr>
+            <a:endParaRPr lang="en-US" sz="2400" b="1" dirty="0">
+              <a:solidFill>
+                <a:schemeClr val="tx1"/>
+              </a:solidFill>
+              <a:latin typeface="Times New Roman" panose="02020603050405020304" pitchFamily="18" charset="0"/>
+              <a:cs typeface="Times New Roman" panose="02020603050405020304" pitchFamily="18" charset="0"/>
+            </a:endParaRPr>
+          </a:p>
+          <a:p>
+            <a:pPr marL="619125" lvl="1" indent="0" algn="just">
+              <a:buNone/>
+            </a:pPr>
+            <a:r>
+              <a:rPr lang="en-US" sz="2400" b="1" dirty="0" err="1">
+                <a:solidFill>
+                  <a:srgbClr val="FF0000"/>
+                </a:solidFill>
+                <a:latin typeface="Times New Roman" panose="02020603050405020304" pitchFamily="18" charset="0"/>
+                <a:cs typeface="Times New Roman" panose="02020603050405020304" pitchFamily="18" charset="0"/>
+              </a:rPr>
+              <a:t>pessoa</a:t>
+            </a:r>
+            <a:r>
+              <a:rPr lang="en-US" sz="2400" b="1" dirty="0">
+                <a:solidFill>
+                  <a:schemeClr val="tx1"/>
+                </a:solidFill>
+                <a:latin typeface="Times New Roman" panose="02020603050405020304" pitchFamily="18" charset="0"/>
+                <a:cs typeface="Times New Roman" panose="02020603050405020304" pitchFamily="18" charset="0"/>
+              </a:rPr>
+              <a:t>(</a:t>
+            </a:r>
+            <a:r>
+              <a:rPr lang="en-US" sz="2400" b="1" dirty="0" err="1">
+                <a:solidFill>
+                  <a:schemeClr val="tx1"/>
+                </a:solidFill>
+                <a:latin typeface="Times New Roman" panose="02020603050405020304" pitchFamily="18" charset="0"/>
+                <a:cs typeface="Times New Roman" panose="02020603050405020304" pitchFamily="18" charset="0"/>
+              </a:rPr>
+              <a:t>fnome</a:t>
+            </a:r>
+            <a:r>
+              <a:rPr lang="en-US" sz="2400" b="1" dirty="0">
+                <a:solidFill>
+                  <a:schemeClr val="tx1"/>
+                </a:solidFill>
+                <a:latin typeface="Times New Roman" panose="02020603050405020304" pitchFamily="18" charset="0"/>
+                <a:cs typeface="Times New Roman" panose="02020603050405020304" pitchFamily="18" charset="0"/>
+              </a:rPr>
+              <a:t> = “</a:t>
+            </a:r>
             <a:r>
               <a:rPr lang="en-US" sz="2400" dirty="0">
                 <a:solidFill>
@@ -6794,7 +6964,7 @@
                 <a:latin typeface="Times New Roman" panose="02020603050405020304" pitchFamily="18" charset="0"/>
                 <a:cs typeface="Times New Roman" panose="02020603050405020304" pitchFamily="18" charset="0"/>
               </a:rPr>
-              <a:t>  		</a:t>
+              <a:t>Julia</a:t>
             </a:r>
             <a:r>
               <a:rPr lang="en-US" sz="2400" b="1" dirty="0">
@@ -6804,7 +6974,27 @@
                 <a:latin typeface="Times New Roman" panose="02020603050405020304" pitchFamily="18" charset="0"/>
                 <a:cs typeface="Times New Roman" panose="02020603050405020304" pitchFamily="18" charset="0"/>
               </a:rPr>
-              <a:t>for</a:t>
+              <a:t>", </a:t>
+            </a:r>
+            <a:r>
+              <a:rPr lang="en-US" sz="2400" b="1" dirty="0" err="1">
+                <a:solidFill>
+                  <a:schemeClr val="tx1"/>
+                </a:solidFill>
+                <a:latin typeface="Times New Roman" panose="02020603050405020304" pitchFamily="18" charset="0"/>
+                <a:cs typeface="Times New Roman" panose="02020603050405020304" pitchFamily="18" charset="0"/>
+              </a:rPr>
+              <a:t>lnome</a:t>
+            </a:r>
+            <a:r>
+              <a:rPr lang="en-US" sz="2400" b="1" dirty="0">
+                <a:solidFill>
+                  <a:schemeClr val="tx1"/>
+                </a:solidFill>
+                <a:latin typeface="Times New Roman" panose="02020603050405020304" pitchFamily="18" charset="0"/>
+                <a:cs typeface="Times New Roman" panose="02020603050405020304" pitchFamily="18" charset="0"/>
+              </a:rPr>
+              <a:t> = “</a:t>
             </a:r>
             <a:r>
               <a:rPr lang="en-US" sz="2400" dirty="0">
@@ -6814,7 +7004,7 @@
                 <a:latin typeface="Times New Roman" panose="02020603050405020304" pitchFamily="18" charset="0"/>
                 <a:cs typeface="Times New Roman" panose="02020603050405020304" pitchFamily="18" charset="0"/>
               </a:rPr>
-              <a:t> x </a:t>
+              <a:t>Cardoso</a:t>
             </a:r>
             <a:r>
               <a:rPr lang="en-US" sz="2400" b="1" dirty="0">
@@ -6824,180 +7014,22 @@
                 <a:latin typeface="Times New Roman" panose="02020603050405020304" pitchFamily="18" charset="0"/>
                 <a:cs typeface="Times New Roman" panose="02020603050405020304" pitchFamily="18" charset="0"/>
               </a:rPr>
-              <a:t>in</a:t>
-            </a:r>
-            <a:r>
-              <a:rPr lang="en-US" sz="2400" dirty="0">
-                <a:solidFill>
-                  <a:schemeClr val="tx1"/>
-                </a:solidFill>
-                <a:latin typeface="Times New Roman" panose="02020603050405020304" pitchFamily="18" charset="0"/>
-                <a:cs typeface="Times New Roman" panose="02020603050405020304" pitchFamily="18" charset="0"/>
-              </a:rPr>
-              <a:t> comida:</a:t>
-            </a:r>
-          </a:p>
-          <a:p>
-            <a:pPr marL="0" indent="0" algn="just">
-              <a:buNone/>
-            </a:pPr>
-            <a:r>
-              <a:rPr lang="en-US" sz="2400" dirty="0">
-                <a:solidFill>
-                  <a:schemeClr val="tx1"/>
-                </a:solidFill>
-                <a:latin typeface="Times New Roman" panose="02020603050405020304" pitchFamily="18" charset="0"/>
-                <a:cs typeface="Times New Roman" panose="02020603050405020304" pitchFamily="18" charset="0"/>
-              </a:rPr>
-              <a:t>    			print(x);</a:t>
-            </a:r>
-          </a:p>
-          <a:p>
-            <a:pPr marL="0" indent="0" algn="just">
-              <a:buNone/>
-            </a:pPr>
-            <a:r>
-              <a:rPr lang="en-US" sz="2400" dirty="0">
-                <a:solidFill>
-                  <a:schemeClr val="tx1"/>
-                </a:solidFill>
-                <a:latin typeface="Times New Roman" panose="02020603050405020304" pitchFamily="18" charset="0"/>
-                <a:cs typeface="Times New Roman" panose="02020603050405020304" pitchFamily="18" charset="0"/>
-              </a:rPr>
-              <a:t>	</a:t>
-            </a:r>
-            <a:r>
-              <a:rPr lang="en-US" sz="2400" b="1" dirty="0" err="1">
-                <a:solidFill>
-                  <a:schemeClr val="tx1"/>
-                </a:solidFill>
-                <a:latin typeface="Times New Roman" panose="02020603050405020304" pitchFamily="18" charset="0"/>
-                <a:cs typeface="Times New Roman" panose="02020603050405020304" pitchFamily="18" charset="0"/>
-              </a:rPr>
-              <a:t>frutas</a:t>
-            </a:r>
-            <a:r>
-              <a:rPr lang="en-US" sz="2400" dirty="0">
-                <a:solidFill>
-                  <a:schemeClr val="tx1"/>
-                </a:solidFill>
-                <a:latin typeface="Times New Roman" panose="02020603050405020304" pitchFamily="18" charset="0"/>
-                <a:cs typeface="Times New Roman" panose="02020603050405020304" pitchFamily="18" charset="0"/>
-              </a:rPr>
-              <a:t> = [“</a:t>
-            </a:r>
-            <a:r>
-              <a:rPr lang="en-US" sz="2400" dirty="0" err="1">
-                <a:solidFill>
-                  <a:schemeClr val="tx1"/>
-                </a:solidFill>
-                <a:latin typeface="Times New Roman" panose="02020603050405020304" pitchFamily="18" charset="0"/>
-                <a:cs typeface="Times New Roman" panose="02020603050405020304" pitchFamily="18" charset="0"/>
-              </a:rPr>
-              <a:t>maça</a:t>
-            </a:r>
-            <a:r>
-              <a:rPr lang="en-US" sz="2400" dirty="0">
-                <a:solidFill>
-                  <a:schemeClr val="tx1"/>
-                </a:solidFill>
-                <a:latin typeface="Times New Roman" panose="02020603050405020304" pitchFamily="18" charset="0"/>
-                <a:cs typeface="Times New Roman" panose="02020603050405020304" pitchFamily="18" charset="0"/>
-              </a:rPr>
-              <a:t>", "banana", “</a:t>
-            </a:r>
-            <a:r>
-              <a:rPr lang="en-US" sz="2400" dirty="0" err="1">
-                <a:solidFill>
-                  <a:schemeClr val="tx1"/>
-                </a:solidFill>
-                <a:latin typeface="Times New Roman" panose="02020603050405020304" pitchFamily="18" charset="0"/>
-                <a:cs typeface="Times New Roman" panose="02020603050405020304" pitchFamily="18" charset="0"/>
-              </a:rPr>
-              <a:t>cereja</a:t>
-            </a:r>
-            <a:r>
-              <a:rPr lang="en-US" sz="2400" dirty="0">
-                <a:solidFill>
-                  <a:schemeClr val="tx1"/>
-                </a:solidFill>
-                <a:latin typeface="Times New Roman" panose="02020603050405020304" pitchFamily="18" charset="0"/>
-                <a:cs typeface="Times New Roman" panose="02020603050405020304" pitchFamily="18" charset="0"/>
-              </a:rPr>
-              <a:t>"];</a:t>
-            </a:r>
-          </a:p>
-          <a:p>
-            <a:pPr marL="0" indent="0" algn="just">
-              <a:buNone/>
-            </a:pPr>
-            <a:r>
-              <a:rPr lang="en-US" sz="2400" dirty="0">
-                <a:solidFill>
-                  <a:schemeClr val="tx1"/>
-                </a:solidFill>
-                <a:latin typeface="Times New Roman" panose="02020603050405020304" pitchFamily="18" charset="0"/>
-                <a:cs typeface="Times New Roman" panose="02020603050405020304" pitchFamily="18" charset="0"/>
-              </a:rPr>
-              <a:t>	</a:t>
-            </a:r>
-            <a:r>
-              <a:rPr lang="en-US" sz="2400" b="1" dirty="0">
-                <a:solidFill>
-                  <a:srgbClr val="FF0000"/>
-                </a:solidFill>
-                <a:latin typeface="Times New Roman" panose="02020603050405020304" pitchFamily="18" charset="0"/>
-                <a:cs typeface="Times New Roman" panose="02020603050405020304" pitchFamily="18" charset="0"/>
-              </a:rPr>
-              <a:t> </a:t>
-            </a:r>
-            <a:r>
-              <a:rPr lang="en-US" sz="2400" b="1" dirty="0" err="1">
-                <a:solidFill>
-                  <a:srgbClr val="FF0000"/>
-                </a:solidFill>
-                <a:latin typeface="Times New Roman" panose="02020603050405020304" pitchFamily="18" charset="0"/>
-                <a:cs typeface="Times New Roman" panose="02020603050405020304" pitchFamily="18" charset="0"/>
-              </a:rPr>
-              <a:t>minhas_frutas</a:t>
-            </a:r>
-            <a:r>
-              <a:rPr lang="en-US" sz="2400" dirty="0">
-                <a:solidFill>
-                  <a:schemeClr val="tx1"/>
-                </a:solidFill>
-                <a:latin typeface="Times New Roman" panose="02020603050405020304" pitchFamily="18" charset="0"/>
-                <a:cs typeface="Times New Roman" panose="02020603050405020304" pitchFamily="18" charset="0"/>
-              </a:rPr>
-              <a:t>(</a:t>
-            </a:r>
-            <a:r>
-              <a:rPr lang="en-US" sz="2400" dirty="0" err="1">
-                <a:solidFill>
-                  <a:schemeClr val="tx1"/>
-                </a:solidFill>
-                <a:latin typeface="Times New Roman" panose="02020603050405020304" pitchFamily="18" charset="0"/>
-                <a:cs typeface="Times New Roman" panose="02020603050405020304" pitchFamily="18" charset="0"/>
-              </a:rPr>
-              <a:t>frutas</a:t>
-            </a:r>
-            <a:r>
-              <a:rPr lang="en-US" sz="2400" dirty="0">
-                <a:solidFill>
-                  <a:schemeClr val="tx1"/>
-                </a:solidFill>
-                <a:latin typeface="Times New Roman" panose="02020603050405020304" pitchFamily="18" charset="0"/>
-                <a:cs typeface="Times New Roman" panose="02020603050405020304" pitchFamily="18" charset="0"/>
-              </a:rPr>
-              <a:t>);</a:t>
-            </a:r>
+              <a:t>");</a:t>
+            </a:r>
+            <a:endParaRPr lang="en-US" sz="2400" dirty="0">
+              <a:solidFill>
+                <a:schemeClr val="tx1"/>
+              </a:solidFill>
+              <a:latin typeface="Times New Roman" panose="02020603050405020304" pitchFamily="18" charset="0"/>
+              <a:cs typeface="Times New Roman" panose="02020603050405020304" pitchFamily="18" charset="0"/>
+            </a:endParaRPr>
           </a:p>
         </p:txBody>
       </p:sp>
     </p:spTree>
     <p:extLst>
       <p:ext uri="{BB962C8B-B14F-4D97-AF65-F5344CB8AC3E}">
-        <p14:creationId xmlns:p14="http://schemas.microsoft.com/office/powerpoint/2010/main" val="1714368644"/>
+        <p14:creationId xmlns:p14="http://schemas.microsoft.com/office/powerpoint/2010/main" val="966943376"/>
       </p:ext>
     </p:extLst>
   </p:cSld>
@@ -7117,27 +7149,49 @@
                 <a:latin typeface="Times New Roman" panose="02020603050405020304" pitchFamily="18" charset="0"/>
                 <a:cs typeface="Times New Roman" panose="02020603050405020304" pitchFamily="18" charset="0"/>
               </a:rPr>
-              <a:t>: Retornando valores. (</a:t>
-            </a:r>
-            <a:r>
-              <a:rPr lang="pt-BR" sz="2400" b="1" dirty="0" err="1">
+              <a:t>: Passando uma lista como um argumento.</a:t>
+            </a:r>
+          </a:p>
+          <a:p>
+            <a:pPr marL="0" indent="0" algn="just">
+              <a:buNone/>
+            </a:pPr>
+            <a:r>
+              <a:rPr lang="pt-BR" sz="2400" b="1" dirty="0">
+                <a:latin typeface="Times New Roman" panose="02020603050405020304" pitchFamily="18" charset="0"/>
+                <a:cs typeface="Times New Roman" panose="02020603050405020304" pitchFamily="18" charset="0"/>
+              </a:rPr>
+              <a:t>	</a:t>
+            </a:r>
+            <a:r>
+              <a:rPr lang="en-US" sz="2400" b="1" dirty="0">
+                <a:solidFill>
+                  <a:schemeClr val="tx1"/>
+                </a:solidFill>
+                <a:latin typeface="Times New Roman" panose="02020603050405020304" pitchFamily="18" charset="0"/>
+                <a:cs typeface="Times New Roman" panose="02020603050405020304" pitchFamily="18" charset="0"/>
+              </a:rPr>
+              <a:t>def </a:t>
+            </a:r>
+            <a:r>
+              <a:rPr lang="en-US" sz="2400" b="1" dirty="0" err="1">
                 <a:solidFill>
                   <a:srgbClr val="FF0000"/>
                 </a:solidFill>
                 <a:latin typeface="Times New Roman" panose="02020603050405020304" pitchFamily="18" charset="0"/>
                 <a:cs typeface="Times New Roman" panose="02020603050405020304" pitchFamily="18" charset="0"/>
               </a:rPr>
-              <a:t>return</a:t>
-            </a:r>
-            <a:r>
-              <a:rPr lang="pt-BR" sz="2400" dirty="0">
-                <a:solidFill>
-                  <a:schemeClr val="tx1"/>
-                </a:solidFill>
-                <a:latin typeface="Times New Roman" panose="02020603050405020304" pitchFamily="18" charset="0"/>
-                <a:cs typeface="Times New Roman" panose="02020603050405020304" pitchFamily="18" charset="0"/>
-              </a:rPr>
-              <a:t>)</a:t>
+              <a:t>minhas_frutas</a:t>
+            </a:r>
+            <a:r>
+              <a:rPr lang="en-US" sz="2400" dirty="0">
+                <a:solidFill>
+                  <a:schemeClr val="tx1"/>
+                </a:solidFill>
+                <a:latin typeface="Times New Roman" panose="02020603050405020304" pitchFamily="18" charset="0"/>
+                <a:cs typeface="Times New Roman" panose="02020603050405020304" pitchFamily="18" charset="0"/>
+              </a:rPr>
+              <a:t>(comida):</a:t>
             </a:r>
           </a:p>
           <a:p>
@@ -7145,21 +7199,169 @@
               <a:buNone/>
             </a:pPr>
             <a:r>
-              <a:rPr lang="pt-BR" sz="2400" b="1" dirty="0">
+              <a:rPr lang="en-US" sz="2400" dirty="0">
+                <a:solidFill>
+                  <a:schemeClr val="tx1"/>
+                </a:solidFill>
+                <a:latin typeface="Times New Roman" panose="02020603050405020304" pitchFamily="18" charset="0"/>
+                <a:cs typeface="Times New Roman" panose="02020603050405020304" pitchFamily="18" charset="0"/>
+              </a:rPr>
+              <a:t>  		</a:t>
+            </a:r>
+            <a:r>
+              <a:rPr lang="en-US" sz="2400" b="1" dirty="0">
+                <a:solidFill>
+                  <a:schemeClr val="tx1"/>
+                </a:solidFill>
+                <a:latin typeface="Times New Roman" panose="02020603050405020304" pitchFamily="18" charset="0"/>
+                <a:cs typeface="Times New Roman" panose="02020603050405020304" pitchFamily="18" charset="0"/>
+              </a:rPr>
+              <a:t>for</a:t>
+            </a:r>
+            <a:r>
+              <a:rPr lang="en-US" sz="2400" dirty="0">
+                <a:solidFill>
+                  <a:schemeClr val="tx1"/>
+                </a:solidFill>
+                <a:latin typeface="Times New Roman" panose="02020603050405020304" pitchFamily="18" charset="0"/>
+                <a:cs typeface="Times New Roman" panose="02020603050405020304" pitchFamily="18" charset="0"/>
+              </a:rPr>
+              <a:t> x </a:t>
+            </a:r>
+            <a:r>
+              <a:rPr lang="en-US" sz="2400" b="1" dirty="0">
+                <a:solidFill>
+                  <a:schemeClr val="tx1"/>
+                </a:solidFill>
+                <a:latin typeface="Times New Roman" panose="02020603050405020304" pitchFamily="18" charset="0"/>
+                <a:cs typeface="Times New Roman" panose="02020603050405020304" pitchFamily="18" charset="0"/>
+              </a:rPr>
+              <a:t>in</a:t>
+            </a:r>
+            <a:r>
+              <a:rPr lang="en-US" sz="2400" dirty="0">
+                <a:solidFill>
+                  <a:schemeClr val="tx1"/>
+                </a:solidFill>
+                <a:latin typeface="Times New Roman" panose="02020603050405020304" pitchFamily="18" charset="0"/>
+                <a:cs typeface="Times New Roman" panose="02020603050405020304" pitchFamily="18" charset="0"/>
+              </a:rPr>
+              <a:t> comida:</a:t>
+            </a:r>
+          </a:p>
+          <a:p>
+            <a:pPr marL="0" indent="0" algn="just">
+              <a:buNone/>
+            </a:pPr>
+            <a:r>
+              <a:rPr lang="en-US" sz="2400" dirty="0">
+                <a:solidFill>
+                  <a:schemeClr val="tx1"/>
+                </a:solidFill>
+                <a:latin typeface="Times New Roman" panose="02020603050405020304" pitchFamily="18" charset="0"/>
+                <a:cs typeface="Times New Roman" panose="02020603050405020304" pitchFamily="18" charset="0"/>
+              </a:rPr>
+              <a:t>    			print(x);</a:t>
+            </a:r>
+          </a:p>
+          <a:p>
+            <a:pPr marL="0" indent="0" algn="just">
+              <a:buNone/>
+            </a:pPr>
+            <a:r>
+              <a:rPr lang="en-US" sz="2400" dirty="0">
+                <a:solidFill>
+                  <a:schemeClr val="tx1"/>
+                </a:solidFill>
                 <a:latin typeface="Times New Roman" panose="02020603050405020304" pitchFamily="18" charset="0"/>
                 <a:cs typeface="Times New Roman" panose="02020603050405020304" pitchFamily="18" charset="0"/>
               </a:rPr>
               <a:t>	</a:t>
             </a:r>
             <a:r>
+              <a:rPr lang="en-US" sz="2400" b="1" dirty="0" err="1">
+                <a:solidFill>
+                  <a:schemeClr val="tx1"/>
+                </a:solidFill>
+                <a:latin typeface="Times New Roman" panose="02020603050405020304" pitchFamily="18" charset="0"/>
+                <a:cs typeface="Times New Roman" panose="02020603050405020304" pitchFamily="18" charset="0"/>
+              </a:rPr>
+              <a:t>frutas</a:t>
+            </a:r>
+            <a:r>
+              <a:rPr lang="en-US" sz="2400" dirty="0">
+                <a:solidFill>
+                  <a:schemeClr val="tx1"/>
+                </a:solidFill>
+                <a:latin typeface="Times New Roman" panose="02020603050405020304" pitchFamily="18" charset="0"/>
+                <a:cs typeface="Times New Roman" panose="02020603050405020304" pitchFamily="18" charset="0"/>
+              </a:rPr>
+              <a:t> = [“</a:t>
+            </a:r>
+            <a:r>
+              <a:rPr lang="en-US" sz="2400" dirty="0" err="1">
+                <a:solidFill>
+                  <a:schemeClr val="tx1"/>
+                </a:solidFill>
+                <a:latin typeface="Times New Roman" panose="02020603050405020304" pitchFamily="18" charset="0"/>
+                <a:cs typeface="Times New Roman" panose="02020603050405020304" pitchFamily="18" charset="0"/>
+              </a:rPr>
+              <a:t>maça</a:t>
+            </a:r>
+            <a:r>
+              <a:rPr lang="en-US" sz="2400" dirty="0">
+                <a:solidFill>
+                  <a:schemeClr val="tx1"/>
+                </a:solidFill>
+                <a:latin typeface="Times New Roman" panose="02020603050405020304" pitchFamily="18" charset="0"/>
+                <a:cs typeface="Times New Roman" panose="02020603050405020304" pitchFamily="18" charset="0"/>
+              </a:rPr>
+              <a:t>", "banana", “</a:t>
+            </a:r>
+            <a:r>
+              <a:rPr lang="en-US" sz="2400" dirty="0" err="1">
+                <a:solidFill>
+                  <a:schemeClr val="tx1"/>
+                </a:solidFill>
+                <a:latin typeface="Times New Roman" panose="02020603050405020304" pitchFamily="18" charset="0"/>
+                <a:cs typeface="Times New Roman" panose="02020603050405020304" pitchFamily="18" charset="0"/>
+              </a:rPr>
+              <a:t>cereja</a:t>
+            </a:r>
+            <a:r>
+              <a:rPr lang="en-US" sz="2400" dirty="0">
+                <a:solidFill>
+                  <a:schemeClr val="tx1"/>
+                </a:solidFill>
+                <a:latin typeface="Times New Roman" panose="02020603050405020304" pitchFamily="18" charset="0"/>
+                <a:cs typeface="Times New Roman" panose="02020603050405020304" pitchFamily="18" charset="0"/>
+              </a:rPr>
+              <a:t>"];</a:t>
+            </a:r>
+          </a:p>
+          <a:p>
+            <a:pPr marL="0" indent="0" algn="just">
+              <a:buNone/>
+            </a:pPr>
+            <a:r>
+              <a:rPr lang="en-US" sz="2400" dirty="0">
+                <a:solidFill>
+                  <a:schemeClr val="tx1"/>
+                </a:solidFill>
+                <a:latin typeface="Times New Roman" panose="02020603050405020304" pitchFamily="18" charset="0"/>
+                <a:cs typeface="Times New Roman" panose="02020603050405020304" pitchFamily="18" charset="0"/>
+              </a:rPr>
+              <a:t>	</a:t>
+            </a:r>
+            <a:r>
               <a:rPr lang="en-US" sz="2400" b="1" dirty="0">
                 <a:solidFill>
-                  <a:schemeClr val="tx1"/>
-                </a:solidFill>
-                <a:latin typeface="Times New Roman" panose="02020603050405020304" pitchFamily="18" charset="0"/>
-                <a:cs typeface="Times New Roman" panose="02020603050405020304" pitchFamily="18" charset="0"/>
-              </a:rPr>
-              <a:t>def </a:t>
+                  <a:srgbClr val="FF0000"/>
+                </a:solidFill>
+                <a:latin typeface="Times New Roman" panose="02020603050405020304" pitchFamily="18" charset="0"/>
+                <a:cs typeface="Times New Roman" panose="02020603050405020304" pitchFamily="18" charset="0"/>
+              </a:rPr>
+              <a:t> </a:t>
             </a:r>
             <a:r>
               <a:rPr lang="en-US" sz="2400" b="1" dirty="0" err="1">
@@ -7169,160 +7371,37 @@
                 <a:latin typeface="Times New Roman" panose="02020603050405020304" pitchFamily="18" charset="0"/>
                 <a:cs typeface="Times New Roman" panose="02020603050405020304" pitchFamily="18" charset="0"/>
               </a:rPr>
-              <a:t>multiplo_cinco</a:t>
+              <a:t>minhas_frutas</a:t>
             </a:r>
             <a:r>
               <a:rPr lang="en-US" sz="2400" dirty="0">
-                <a:latin typeface="Times New Roman" panose="02020603050405020304" pitchFamily="18" charset="0"/>
-                <a:cs typeface="Times New Roman" panose="02020603050405020304" pitchFamily="18" charset="0"/>
-              </a:rPr>
-              <a:t>(x):</a:t>
-            </a:r>
-          </a:p>
-          <a:p>
-            <a:pPr marL="0" indent="0" algn="just">
-              <a:buNone/>
-            </a:pPr>
+                <a:solidFill>
+                  <a:schemeClr val="tx1"/>
+                </a:solidFill>
+                <a:latin typeface="Times New Roman" panose="02020603050405020304" pitchFamily="18" charset="0"/>
+                <a:cs typeface="Times New Roman" panose="02020603050405020304" pitchFamily="18" charset="0"/>
+              </a:rPr>
+              <a:t>(</a:t>
+            </a:r>
+            <a:r>
+              <a:rPr lang="en-US" sz="2400" dirty="0" err="1">
+                <a:solidFill>
+                  <a:schemeClr val="tx1"/>
+                </a:solidFill>
+                <a:latin typeface="Times New Roman" panose="02020603050405020304" pitchFamily="18" charset="0"/>
+                <a:cs typeface="Times New Roman" panose="02020603050405020304" pitchFamily="18" charset="0"/>
+              </a:rPr>
+              <a:t>frutas</a:t>
+            </a:r>
             <a:r>
               <a:rPr lang="en-US" sz="2400" dirty="0">
-                <a:latin typeface="Times New Roman" panose="02020603050405020304" pitchFamily="18" charset="0"/>
-                <a:cs typeface="Times New Roman" panose="02020603050405020304" pitchFamily="18" charset="0"/>
-              </a:rPr>
-              <a:t>  		</a:t>
-            </a:r>
-            <a:r>
-              <a:rPr lang="en-US" sz="2400" b="1" dirty="0">
-                <a:solidFill>
-                  <a:srgbClr val="FF0000"/>
-                </a:solidFill>
-                <a:latin typeface="Times New Roman" panose="02020603050405020304" pitchFamily="18" charset="0"/>
-                <a:cs typeface="Times New Roman" panose="02020603050405020304" pitchFamily="18" charset="0"/>
-              </a:rPr>
-              <a:t>return</a:t>
-            </a:r>
-            <a:r>
-              <a:rPr lang="en-US" sz="2400" dirty="0">
-                <a:latin typeface="Times New Roman" panose="02020603050405020304" pitchFamily="18" charset="0"/>
-                <a:cs typeface="Times New Roman" panose="02020603050405020304" pitchFamily="18" charset="0"/>
-              </a:rPr>
-              <a:t> 5 * x;</a:t>
-            </a:r>
-          </a:p>
-          <a:p>
-            <a:pPr marL="0" indent="0" algn="just">
-              <a:buNone/>
-            </a:pPr>
-            <a:endParaRPr lang="en-US" sz="2400" dirty="0">
-              <a:latin typeface="Times New Roman" panose="02020603050405020304" pitchFamily="18" charset="0"/>
-              <a:cs typeface="Times New Roman" panose="02020603050405020304" pitchFamily="18" charset="0"/>
-            </a:endParaRPr>
-          </a:p>
-          <a:p>
-            <a:pPr marL="619125" lvl="1" indent="0" algn="just">
-              <a:buNone/>
-            </a:pPr>
-            <a:r>
-              <a:rPr lang="en-US" sz="2400" b="1" dirty="0">
-                <a:latin typeface="Times New Roman" panose="02020603050405020304" pitchFamily="18" charset="0"/>
-                <a:cs typeface="Times New Roman" panose="02020603050405020304" pitchFamily="18" charset="0"/>
-              </a:rPr>
-              <a:t>print</a:t>
-            </a:r>
-            <a:r>
-              <a:rPr lang="en-US" sz="2400" dirty="0">
-                <a:latin typeface="Times New Roman" panose="02020603050405020304" pitchFamily="18" charset="0"/>
-                <a:cs typeface="Times New Roman" panose="02020603050405020304" pitchFamily="18" charset="0"/>
-              </a:rPr>
-              <a:t>(</a:t>
-            </a:r>
-            <a:r>
-              <a:rPr lang="en-US" sz="2400" b="1" dirty="0" err="1">
-                <a:solidFill>
-                  <a:srgbClr val="FF0000"/>
-                </a:solidFill>
-                <a:latin typeface="Times New Roman" panose="02020603050405020304" pitchFamily="18" charset="0"/>
-                <a:cs typeface="Times New Roman" panose="02020603050405020304" pitchFamily="18" charset="0"/>
-              </a:rPr>
-              <a:t>multiplo_cinco</a:t>
-            </a:r>
-            <a:r>
-              <a:rPr lang="en-US" sz="2400" dirty="0">
-                <a:latin typeface="Times New Roman" panose="02020603050405020304" pitchFamily="18" charset="0"/>
-                <a:cs typeface="Times New Roman" panose="02020603050405020304" pitchFamily="18" charset="0"/>
-              </a:rPr>
-              <a:t>(3));</a:t>
-            </a:r>
-          </a:p>
-          <a:p>
-            <a:pPr marL="619125" lvl="1" indent="0" algn="just">
-              <a:buNone/>
-            </a:pPr>
-            <a:r>
-              <a:rPr lang="en-US" sz="2400" b="1" dirty="0">
-                <a:latin typeface="Times New Roman" panose="02020603050405020304" pitchFamily="18" charset="0"/>
-                <a:cs typeface="Times New Roman" panose="02020603050405020304" pitchFamily="18" charset="0"/>
-              </a:rPr>
-              <a:t>print</a:t>
-            </a:r>
-            <a:r>
-              <a:rPr lang="en-US" sz="2400" dirty="0">
-                <a:latin typeface="Times New Roman" panose="02020603050405020304" pitchFamily="18" charset="0"/>
-                <a:cs typeface="Times New Roman" panose="02020603050405020304" pitchFamily="18" charset="0"/>
-              </a:rPr>
-              <a:t>(</a:t>
-            </a:r>
-            <a:r>
-              <a:rPr lang="en-US" sz="2400" b="1" dirty="0" err="1">
-                <a:solidFill>
-                  <a:srgbClr val="FF0000"/>
-                </a:solidFill>
-                <a:latin typeface="Times New Roman" panose="02020603050405020304" pitchFamily="18" charset="0"/>
-                <a:cs typeface="Times New Roman" panose="02020603050405020304" pitchFamily="18" charset="0"/>
-              </a:rPr>
-              <a:t>multiplo_cinco</a:t>
-            </a:r>
-            <a:r>
-              <a:rPr lang="en-US" sz="2400" dirty="0">
-                <a:latin typeface="Times New Roman" panose="02020603050405020304" pitchFamily="18" charset="0"/>
-                <a:cs typeface="Times New Roman" panose="02020603050405020304" pitchFamily="18" charset="0"/>
-              </a:rPr>
-              <a:t>(5));</a:t>
-            </a:r>
-          </a:p>
-          <a:p>
-            <a:pPr marL="619125" lvl="1" indent="0" algn="just">
-              <a:buNone/>
-            </a:pPr>
-            <a:r>
-              <a:rPr lang="en-US" sz="2400" b="1" dirty="0">
-                <a:latin typeface="Times New Roman" panose="02020603050405020304" pitchFamily="18" charset="0"/>
-                <a:cs typeface="Times New Roman" panose="02020603050405020304" pitchFamily="18" charset="0"/>
-              </a:rPr>
-              <a:t>print</a:t>
-            </a:r>
-            <a:r>
-              <a:rPr lang="en-US" sz="2400" dirty="0">
-                <a:latin typeface="Times New Roman" panose="02020603050405020304" pitchFamily="18" charset="0"/>
-                <a:cs typeface="Times New Roman" panose="02020603050405020304" pitchFamily="18" charset="0"/>
-              </a:rPr>
-              <a:t>(</a:t>
-            </a:r>
-            <a:r>
-              <a:rPr lang="en-US" sz="2400" b="1" dirty="0" err="1">
-                <a:solidFill>
-                  <a:srgbClr val="FF0000"/>
-                </a:solidFill>
-                <a:latin typeface="Times New Roman" panose="02020603050405020304" pitchFamily="18" charset="0"/>
-                <a:cs typeface="Times New Roman" panose="02020603050405020304" pitchFamily="18" charset="0"/>
-              </a:rPr>
-              <a:t>multiplo_cinco</a:t>
-            </a:r>
-            <a:r>
-              <a:rPr lang="en-US" sz="2400" dirty="0">
-                <a:latin typeface="Times New Roman" panose="02020603050405020304" pitchFamily="18" charset="0"/>
-                <a:cs typeface="Times New Roman" panose="02020603050405020304" pitchFamily="18" charset="0"/>
-              </a:rPr>
-              <a:t>(9));</a:t>
+                <a:solidFill>
+                  <a:schemeClr val="tx1"/>
+                </a:solidFill>
+                <a:latin typeface="Times New Roman" panose="02020603050405020304" pitchFamily="18" charset="0"/>
+                <a:cs typeface="Times New Roman" panose="02020603050405020304" pitchFamily="18" charset="0"/>
+              </a:rPr>
+              <a:t>);</a:t>
             </a:r>
           </a:p>
         </p:txBody>
@@ -7330,7 +7409,7 @@
     </p:spTree>
     <p:extLst>
       <p:ext uri="{BB962C8B-B14F-4D97-AF65-F5344CB8AC3E}">
-        <p14:creationId xmlns:p14="http://schemas.microsoft.com/office/powerpoint/2010/main" val="2481837700"/>
+        <p14:creationId xmlns:p14="http://schemas.microsoft.com/office/powerpoint/2010/main" val="1714368644"/>
       </p:ext>
     </p:extLst>
   </p:cSld>
@@ -7450,94 +7529,195 @@
                 <a:latin typeface="Times New Roman" panose="02020603050405020304" pitchFamily="18" charset="0"/>
                 <a:cs typeface="Times New Roman" panose="02020603050405020304" pitchFamily="18" charset="0"/>
               </a:rPr>
-              <a:t>: Função sem conteúdo. (</a:t>
-            </a:r>
+              <a:t>: Retornando valores. (</a:t>
+            </a:r>
+            <a:r>
+              <a:rPr lang="pt-BR" sz="2400" b="1" dirty="0" err="1">
+                <a:solidFill>
+                  <a:srgbClr val="FF0000"/>
+                </a:solidFill>
+                <a:latin typeface="Times New Roman" panose="02020603050405020304" pitchFamily="18" charset="0"/>
+                <a:cs typeface="Times New Roman" panose="02020603050405020304" pitchFamily="18" charset="0"/>
+              </a:rPr>
+              <a:t>return</a:t>
+            </a:r>
+            <a:r>
+              <a:rPr lang="pt-BR" sz="2400" dirty="0">
+                <a:solidFill>
+                  <a:schemeClr val="tx1"/>
+                </a:solidFill>
+                <a:latin typeface="Times New Roman" panose="02020603050405020304" pitchFamily="18" charset="0"/>
+                <a:cs typeface="Times New Roman" panose="02020603050405020304" pitchFamily="18" charset="0"/>
+              </a:rPr>
+              <a:t>)</a:t>
+            </a:r>
+          </a:p>
+          <a:p>
+            <a:pPr marL="0" indent="0" algn="just">
+              <a:buNone/>
+            </a:pPr>
             <a:r>
               <a:rPr lang="pt-BR" sz="2400" b="1" dirty="0">
+                <a:latin typeface="Times New Roman" panose="02020603050405020304" pitchFamily="18" charset="0"/>
+                <a:cs typeface="Times New Roman" panose="02020603050405020304" pitchFamily="18" charset="0"/>
+              </a:rPr>
+              <a:t>	</a:t>
+            </a:r>
+            <a:r>
+              <a:rPr lang="en-US" sz="2400" b="1" dirty="0">
+                <a:solidFill>
+                  <a:schemeClr val="tx1"/>
+                </a:solidFill>
+                <a:latin typeface="Times New Roman" panose="02020603050405020304" pitchFamily="18" charset="0"/>
+                <a:cs typeface="Times New Roman" panose="02020603050405020304" pitchFamily="18" charset="0"/>
+              </a:rPr>
+              <a:t>def </a:t>
+            </a:r>
+            <a:r>
+              <a:rPr lang="en-US" sz="2400" b="1" dirty="0" err="1">
                 <a:solidFill>
                   <a:srgbClr val="FF0000"/>
                 </a:solidFill>
                 <a:latin typeface="Times New Roman" panose="02020603050405020304" pitchFamily="18" charset="0"/>
                 <a:cs typeface="Times New Roman" panose="02020603050405020304" pitchFamily="18" charset="0"/>
               </a:rPr>
-              <a:t>The </a:t>
-            </a:r>
-            <a:r>
-              <a:rPr lang="pt-BR" sz="2400" b="1" dirty="0" err="1">
+              <a:t>multiplo_cinco</a:t>
+            </a:r>
+            <a:r>
+              <a:rPr lang="en-US" sz="2400" dirty="0">
+                <a:latin typeface="Times New Roman" panose="02020603050405020304" pitchFamily="18" charset="0"/>
+                <a:cs typeface="Times New Roman" panose="02020603050405020304" pitchFamily="18" charset="0"/>
+              </a:rPr>
+              <a:t>(x):</a:t>
+            </a:r>
+          </a:p>
+          <a:p>
+            <a:pPr marL="0" indent="0" algn="just">
+              <a:buNone/>
+            </a:pPr>
+            <a:r>
+              <a:rPr lang="en-US" sz="2400" dirty="0">
+                <a:latin typeface="Times New Roman" panose="02020603050405020304" pitchFamily="18" charset="0"/>
+                <a:cs typeface="Times New Roman" panose="02020603050405020304" pitchFamily="18" charset="0"/>
+              </a:rPr>
+              <a:t>  		</a:t>
+            </a:r>
+            <a:r>
+              <a:rPr lang="en-US" sz="2400" b="1" dirty="0">
                 <a:solidFill>
                   <a:srgbClr val="FF0000"/>
                 </a:solidFill>
                 <a:latin typeface="Times New Roman" panose="02020603050405020304" pitchFamily="18" charset="0"/>
                 <a:cs typeface="Times New Roman" panose="02020603050405020304" pitchFamily="18" charset="0"/>
               </a:rPr>
-              <a:t>pass</a:t>
-            </a:r>
-            <a:r>
-              <a:rPr lang="pt-BR" sz="2400" b="1" dirty="0">
+              <a:t>return</a:t>
+            </a:r>
+            <a:r>
+              <a:rPr lang="en-US" sz="2400" dirty="0">
+                <a:latin typeface="Times New Roman" panose="02020603050405020304" pitchFamily="18" charset="0"/>
+                <a:cs typeface="Times New Roman" panose="02020603050405020304" pitchFamily="18" charset="0"/>
+              </a:rPr>
+              <a:t> 5 * x;</a:t>
+            </a:r>
+          </a:p>
+          <a:p>
+            <a:pPr marL="0" indent="0" algn="just">
+              <a:buNone/>
+            </a:pPr>
+            <a:endParaRPr lang="en-US" sz="2400" dirty="0">
+              <a:latin typeface="Times New Roman" panose="02020603050405020304" pitchFamily="18" charset="0"/>
+              <a:cs typeface="Times New Roman" panose="02020603050405020304" pitchFamily="18" charset="0"/>
+            </a:endParaRPr>
+          </a:p>
+          <a:p>
+            <a:pPr marL="619125" lvl="1" indent="0" algn="just">
+              <a:buNone/>
+            </a:pPr>
+            <a:r>
+              <a:rPr lang="en-US" sz="2400" b="1" dirty="0">
+                <a:latin typeface="Times New Roman" panose="02020603050405020304" pitchFamily="18" charset="0"/>
+                <a:cs typeface="Times New Roman" panose="02020603050405020304" pitchFamily="18" charset="0"/>
+              </a:rPr>
+              <a:t>print</a:t>
+            </a:r>
+            <a:r>
+              <a:rPr lang="en-US" sz="2400" dirty="0">
+                <a:latin typeface="Times New Roman" panose="02020603050405020304" pitchFamily="18" charset="0"/>
+                <a:cs typeface="Times New Roman" panose="02020603050405020304" pitchFamily="18" charset="0"/>
+              </a:rPr>
+              <a:t>(</a:t>
+            </a:r>
+            <a:r>
+              <a:rPr lang="en-US" sz="2400" b="1" dirty="0" err="1">
                 <a:solidFill>
                   <a:srgbClr val="FF0000"/>
                 </a:solidFill>
                 <a:latin typeface="Times New Roman" panose="02020603050405020304" pitchFamily="18" charset="0"/>
                 <a:cs typeface="Times New Roman" panose="02020603050405020304" pitchFamily="18" charset="0"/>
               </a:rPr>
-              <a:t> </a:t>
-            </a:r>
-            <a:r>
-              <a:rPr lang="pt-BR" sz="2400" b="1" dirty="0" err="1">
+              <a:t>multiplo_cinco</a:t>
+            </a:r>
+            <a:r>
+              <a:rPr lang="en-US" sz="2400" dirty="0">
+                <a:latin typeface="Times New Roman" panose="02020603050405020304" pitchFamily="18" charset="0"/>
+                <a:cs typeface="Times New Roman" panose="02020603050405020304" pitchFamily="18" charset="0"/>
+              </a:rPr>
+              <a:t>(3));</a:t>
+            </a:r>
+          </a:p>
+          <a:p>
+            <a:pPr marL="619125" lvl="1" indent="0" algn="just">
+              <a:buNone/>
+            </a:pPr>
+            <a:r>
+              <a:rPr lang="en-US" sz="2400" b="1" dirty="0">
+                <a:latin typeface="Times New Roman" panose="02020603050405020304" pitchFamily="18" charset="0"/>
+                <a:cs typeface="Times New Roman" panose="02020603050405020304" pitchFamily="18" charset="0"/>
+              </a:rPr>
+              <a:t>print</a:t>
+            </a:r>
+            <a:r>
+              <a:rPr lang="en-US" sz="2400" dirty="0">
+                <a:latin typeface="Times New Roman" panose="02020603050405020304" pitchFamily="18" charset="0"/>
+                <a:cs typeface="Times New Roman" panose="02020603050405020304" pitchFamily="18" charset="0"/>
+              </a:rPr>
+              <a:t>(</a:t>
+            </a:r>
+            <a:r>
+              <a:rPr lang="en-US" sz="2400" b="1" dirty="0" err="1">
                 <a:solidFill>
                   <a:srgbClr val="FF0000"/>
                 </a:solidFill>
                 <a:latin typeface="Times New Roman" panose="02020603050405020304" pitchFamily="18" charset="0"/>
                 <a:cs typeface="Times New Roman" panose="02020603050405020304" pitchFamily="18" charset="0"/>
               </a:rPr>
-              <a:t>Statement</a:t>
-            </a:r>
-            <a:r>
-              <a:rPr lang="pt-BR" sz="2400" dirty="0">
-                <a:solidFill>
-                  <a:schemeClr val="tx1"/>
-                </a:solidFill>
-                <a:latin typeface="Times New Roman" panose="02020603050405020304" pitchFamily="18" charset="0"/>
-                <a:cs typeface="Times New Roman" panose="02020603050405020304" pitchFamily="18" charset="0"/>
-              </a:rPr>
-              <a:t>)</a:t>
-            </a:r>
-          </a:p>
-          <a:p>
-            <a:pPr marL="0" indent="0" algn="just">
+              <a:t>multiplo_cinco</a:t>
+            </a:r>
+            <a:r>
+              <a:rPr lang="en-US" sz="2400" dirty="0">
+                <a:latin typeface="Times New Roman" panose="02020603050405020304" pitchFamily="18" charset="0"/>
+                <a:cs typeface="Times New Roman" panose="02020603050405020304" pitchFamily="18" charset="0"/>
+              </a:rPr>
+              <a:t>(5));</a:t>
+            </a:r>
+          </a:p>
+          <a:p>
+            <a:pPr marL="619125" lvl="1" indent="0" algn="just">
               <a:buNone/>
             </a:pPr>
             <a:r>
-              <a:rPr lang="pt-BR" sz="2400" b="1" dirty="0">
-                <a:latin typeface="Times New Roman" panose="02020603050405020304" pitchFamily="18" charset="0"/>
-                <a:cs typeface="Times New Roman" panose="02020603050405020304" pitchFamily="18" charset="0"/>
-              </a:rPr>
-              <a:t>	</a:t>
-            </a:r>
-          </a:p>
-          <a:p>
-            <a:pPr marL="0" indent="0" algn="just">
-              <a:buNone/>
-            </a:pPr>
-            <a:r>
-              <a:rPr lang="pt-BR" sz="2400" b="1" dirty="0">
-                <a:solidFill>
-                  <a:schemeClr val="tx1"/>
-                </a:solidFill>
-                <a:latin typeface="Times New Roman" panose="02020603050405020304" pitchFamily="18" charset="0"/>
-                <a:cs typeface="Times New Roman" panose="02020603050405020304" pitchFamily="18" charset="0"/>
-              </a:rPr>
-              <a:t>	</a:t>
-            </a:r>
-            <a:r>
               <a:rPr lang="en-US" sz="2400" b="1" dirty="0">
-                <a:solidFill>
-                  <a:schemeClr val="tx1"/>
-                </a:solidFill>
-                <a:latin typeface="Times New Roman" panose="02020603050405020304" pitchFamily="18" charset="0"/>
-                <a:cs typeface="Times New Roman" panose="02020603050405020304" pitchFamily="18" charset="0"/>
-              </a:rPr>
-              <a:t>def </a:t>
+                <a:latin typeface="Times New Roman" panose="02020603050405020304" pitchFamily="18" charset="0"/>
+                <a:cs typeface="Times New Roman" panose="02020603050405020304" pitchFamily="18" charset="0"/>
+              </a:rPr>
+              <a:t>print</a:t>
+            </a:r>
+            <a:r>
+              <a:rPr lang="en-US" sz="2400" dirty="0">
+                <a:latin typeface="Times New Roman" panose="02020603050405020304" pitchFamily="18" charset="0"/>
+                <a:cs typeface="Times New Roman" panose="02020603050405020304" pitchFamily="18" charset="0"/>
+              </a:rPr>
+              <a:t>(</a:t>
             </a:r>
             <a:r>
               <a:rPr lang="en-US" sz="2400" b="1" dirty="0" err="1">
@@ -7554,62 +7734,7 @@
                 <a:latin typeface="Times New Roman" panose="02020603050405020304" pitchFamily="18" charset="0"/>
                 <a:cs typeface="Times New Roman" panose="02020603050405020304" pitchFamily="18" charset="0"/>
               </a:rPr>
-              <a:t>(x):</a:t>
-            </a:r>
-          </a:p>
-          <a:p>
-            <a:pPr marL="0" indent="0" algn="just">
-              <a:buNone/>
-            </a:pPr>
-            <a:r>
-              <a:rPr lang="en-US" sz="2400" dirty="0">
-                <a:latin typeface="Times New Roman" panose="02020603050405020304" pitchFamily="18" charset="0"/>
-                <a:cs typeface="Times New Roman" panose="02020603050405020304" pitchFamily="18" charset="0"/>
-              </a:rPr>
-              <a:t>  		</a:t>
-            </a:r>
-            <a:r>
-              <a:rPr lang="en-US" sz="2400" b="1" dirty="0">
-                <a:solidFill>
-                  <a:srgbClr val="FF0000"/>
-                </a:solidFill>
-                <a:latin typeface="Times New Roman" panose="02020603050405020304" pitchFamily="18" charset="0"/>
-                <a:cs typeface="Times New Roman" panose="02020603050405020304" pitchFamily="18" charset="0"/>
-              </a:rPr>
-              <a:t>pass</a:t>
-            </a:r>
-            <a:r>
-              <a:rPr lang="en-US" sz="2400" dirty="0">
-                <a:latin typeface="Times New Roman" panose="02020603050405020304" pitchFamily="18" charset="0"/>
-                <a:cs typeface="Times New Roman" panose="02020603050405020304" pitchFamily="18" charset="0"/>
-              </a:rPr>
-              <a:t>;</a:t>
-            </a:r>
-          </a:p>
-          <a:p>
-            <a:pPr marL="0" indent="0" algn="just">
-              <a:buNone/>
-            </a:pPr>
-            <a:r>
-              <a:rPr lang="en-US" sz="2400" dirty="0">
-                <a:latin typeface="Times New Roman" panose="02020603050405020304" pitchFamily="18" charset="0"/>
-                <a:cs typeface="Times New Roman" panose="02020603050405020304" pitchFamily="18" charset="0"/>
-              </a:rPr>
-              <a:t>	</a:t>
-            </a:r>
-            <a:r>
-              <a:rPr lang="en-US" sz="2400" b="1" dirty="0">
-                <a:latin typeface="Times New Roman" panose="02020603050405020304" pitchFamily="18" charset="0"/>
-                <a:cs typeface="Times New Roman" panose="02020603050405020304" pitchFamily="18" charset="0"/>
-              </a:rPr>
-              <a:t>print</a:t>
-            </a:r>
-            <a:r>
-              <a:rPr lang="en-US" sz="2400" dirty="0">
-                <a:latin typeface="Times New Roman" panose="02020603050405020304" pitchFamily="18" charset="0"/>
-                <a:cs typeface="Times New Roman" panose="02020603050405020304" pitchFamily="18" charset="0"/>
-              </a:rPr>
-              <a:t>(“oi”);</a:t>
+              <a:t>(9));</a:t>
             </a:r>
           </a:p>
         </p:txBody>
@@ -7617,7 +7742,7 @@
     </p:spTree>
     <p:extLst>
       <p:ext uri="{BB962C8B-B14F-4D97-AF65-F5344CB8AC3E}">
-        <p14:creationId xmlns:p14="http://schemas.microsoft.com/office/powerpoint/2010/main" val="1408523738"/>
+        <p14:creationId xmlns:p14="http://schemas.microsoft.com/office/powerpoint/2010/main" val="2481837700"/>
       </p:ext>
     </p:extLst>
   </p:cSld>
@@ -7706,8 +7831,8 @@
         </p:nvSpPr>
         <p:spPr>
           <a:xfrm>
-            <a:off x="142865" y="1112467"/>
-            <a:ext cx="8865056" cy="3935521"/>
+            <a:off x="142865" y="1200150"/>
+            <a:ext cx="8865056" cy="3737370"/>
           </a:xfrm>
         </p:spPr>
         <p:txBody>
@@ -7720,7 +7845,7 @@
               <a:buNone/>
             </a:pPr>
             <a:r>
-              <a:rPr lang="pt-BR" sz="1800" b="1" dirty="0">
+              <a:rPr lang="pt-BR" sz="2400" b="1" dirty="0">
                 <a:solidFill>
                   <a:srgbClr val="FF0000"/>
                 </a:solidFill>
@@ -7730,47 +7855,57 @@
               <a:t>Exemplo</a:t>
             </a:r>
             <a:r>
-              <a:rPr lang="pt-BR" sz="1800" dirty="0">
-                <a:solidFill>
-                  <a:schemeClr val="tx1"/>
-                </a:solidFill>
-                <a:latin typeface="Times New Roman" panose="02020603050405020304" pitchFamily="18" charset="0"/>
-                <a:cs typeface="Times New Roman" panose="02020603050405020304" pitchFamily="18" charset="0"/>
-              </a:rPr>
-              <a:t>: </a:t>
-            </a:r>
-            <a:r>
-              <a:rPr lang="pt-BR" sz="1800" b="1" dirty="0">
-                <a:solidFill>
-                  <a:schemeClr val="tx1"/>
-                </a:solidFill>
-                <a:latin typeface="Times New Roman" panose="02020603050405020304" pitchFamily="18" charset="0"/>
-                <a:cs typeface="Times New Roman" panose="02020603050405020304" pitchFamily="18" charset="0"/>
-              </a:rPr>
-              <a:t>Função Recursão</a:t>
-            </a:r>
-            <a:r>
-              <a:rPr lang="pt-BR" sz="1800" dirty="0">
-                <a:solidFill>
-                  <a:schemeClr val="tx1"/>
-                </a:solidFill>
-                <a:latin typeface="Times New Roman" panose="02020603050405020304" pitchFamily="18" charset="0"/>
-                <a:cs typeface="Times New Roman" panose="02020603050405020304" pitchFamily="18" charset="0"/>
-              </a:rPr>
-              <a:t>. (</a:t>
-            </a:r>
-            <a:r>
-              <a:rPr lang="pt-BR" sz="1800" b="1" dirty="0">
+              <a:rPr lang="pt-BR" sz="2400" dirty="0">
+                <a:solidFill>
+                  <a:schemeClr val="tx1"/>
+                </a:solidFill>
+                <a:latin typeface="Times New Roman" panose="02020603050405020304" pitchFamily="18" charset="0"/>
+                <a:cs typeface="Times New Roman" panose="02020603050405020304" pitchFamily="18" charset="0"/>
+              </a:rPr>
+              <a:t>: Função sem conteúdo. (</a:t>
+            </a:r>
+            <a:r>
+              <a:rPr lang="pt-BR" sz="2400" b="1" dirty="0">
                 <a:solidFill>
                   <a:srgbClr val="FF0000"/>
                 </a:solidFill>
                 <a:latin typeface="Times New Roman" panose="02020603050405020304" pitchFamily="18" charset="0"/>
                 <a:cs typeface="Times New Roman" panose="02020603050405020304" pitchFamily="18" charset="0"/>
               </a:rPr>
-              <a:t>é uma função que é definida em termos de si mesma</a:t>
-            </a:r>
-            <a:r>
-              <a:rPr lang="pt-BR" sz="1800" dirty="0">
+              <a:t>The </a:t>
+            </a:r>
+            <a:r>
+              <a:rPr lang="pt-BR" sz="2400" b="1" dirty="0" err="1">
+                <a:solidFill>
+                  <a:srgbClr val="FF0000"/>
+                </a:solidFill>
+                <a:latin typeface="Times New Roman" panose="02020603050405020304" pitchFamily="18" charset="0"/>
+                <a:cs typeface="Times New Roman" panose="02020603050405020304" pitchFamily="18" charset="0"/>
+              </a:rPr>
+              <a:t>pass</a:t>
+            </a:r>
+            <a:r>
+              <a:rPr lang="pt-BR" sz="2400" b="1" dirty="0">
+                <a:solidFill>
+                  <a:srgbClr val="FF0000"/>
+                </a:solidFill>
+                <a:latin typeface="Times New Roman" panose="02020603050405020304" pitchFamily="18" charset="0"/>
+                <a:cs typeface="Times New Roman" panose="02020603050405020304" pitchFamily="18" charset="0"/>
+              </a:rPr>
+              <a:t> </a:t>
+            </a:r>
+            <a:r>
+              <a:rPr lang="pt-BR" sz="2400" b="1" dirty="0" err="1">
+                <a:solidFill>
+                  <a:srgbClr val="FF0000"/>
+                </a:solidFill>
+                <a:latin typeface="Times New Roman" panose="02020603050405020304" pitchFamily="18" charset="0"/>
+                <a:cs typeface="Times New Roman" panose="02020603050405020304" pitchFamily="18" charset="0"/>
+              </a:rPr>
+              <a:t>Statement</a:t>
+            </a:r>
+            <a:r>
+              <a:rPr lang="pt-BR" sz="2400" dirty="0">
                 <a:solidFill>
                   <a:schemeClr val="tx1"/>
                 </a:solidFill>
@@ -7785,14 +7920,29 @@
               <a:buNone/>
             </a:pPr>
             <a:r>
-              <a:rPr lang="pt-BR" sz="1800" b="1" dirty="0">
+              <a:rPr lang="pt-BR" sz="2400" b="1" dirty="0">
                 <a:latin typeface="Times New Roman" panose="02020603050405020304" pitchFamily="18" charset="0"/>
                 <a:cs typeface="Times New Roman" panose="02020603050405020304" pitchFamily="18" charset="0"/>
               </a:rPr>
               <a:t>	</a:t>
             </a:r>
-            <a:r>
-              <a:rPr lang="en-US" sz="1800" b="1" dirty="0">
+          </a:p>
+          <a:p>
+            <a:pPr marL="0" indent="0" algn="just">
+              <a:buNone/>
+            </a:pPr>
+            <a:r>
+              <a:rPr lang="pt-BR" sz="2400" b="1" dirty="0">
+                <a:solidFill>
+                  <a:schemeClr val="tx1"/>
+                </a:solidFill>
+                <a:latin typeface="Times New Roman" panose="02020603050405020304" pitchFamily="18" charset="0"/>
+                <a:cs typeface="Times New Roman" panose="02020603050405020304" pitchFamily="18" charset="0"/>
+              </a:rPr>
+              <a:t>	</a:t>
+            </a:r>
+            <a:r>
+              <a:rPr lang="en-US" sz="2400" b="1" dirty="0">
                 <a:solidFill>
                   <a:schemeClr val="tx1"/>
                 </a:solidFill>
@@ -7802,284 +7952,76 @@
               <a:t>def </a:t>
             </a:r>
             <a:r>
-              <a:rPr lang="en-US" sz="1800" b="1" dirty="0" err="1">
+              <a:rPr lang="en-US" sz="2400" b="1" dirty="0" err="1">
                 <a:solidFill>
                   <a:srgbClr val="FF0000"/>
                 </a:solidFill>
                 <a:latin typeface="Times New Roman" panose="02020603050405020304" pitchFamily="18" charset="0"/>
                 <a:cs typeface="Times New Roman" panose="02020603050405020304" pitchFamily="18" charset="0"/>
               </a:rPr>
-              <a:t>tri_recursion</a:t>
-            </a:r>
-            <a:r>
-              <a:rPr lang="en-US" sz="1800" b="1" dirty="0">
+              <a:t>multiplo_cinco</a:t>
+            </a:r>
+            <a:r>
+              <a:rPr lang="en-US" sz="2400" dirty="0">
+                <a:latin typeface="Times New Roman" panose="02020603050405020304" pitchFamily="18" charset="0"/>
+                <a:cs typeface="Times New Roman" panose="02020603050405020304" pitchFamily="18" charset="0"/>
+              </a:rPr>
+              <a:t>(x):</a:t>
+            </a:r>
+          </a:p>
+          <a:p>
+            <a:pPr marL="0" indent="0" algn="just">
+              <a:buNone/>
+            </a:pPr>
+            <a:r>
+              <a:rPr lang="en-US" sz="2400" dirty="0">
+                <a:latin typeface="Times New Roman" panose="02020603050405020304" pitchFamily="18" charset="0"/>
+                <a:cs typeface="Times New Roman" panose="02020603050405020304" pitchFamily="18" charset="0"/>
+              </a:rPr>
+              <a:t>  		</a:t>
+            </a:r>
+            <a:r>
+              <a:rPr lang="en-US" sz="2400" b="1" dirty="0">
                 <a:solidFill>
                   <a:srgbClr val="FF0000"/>
                 </a:solidFill>
                 <a:latin typeface="Times New Roman" panose="02020603050405020304" pitchFamily="18" charset="0"/>
                 <a:cs typeface="Times New Roman" panose="02020603050405020304" pitchFamily="18" charset="0"/>
               </a:rPr>
-              <a:t>(k):</a:t>
-            </a:r>
-            <a:endParaRPr lang="en-US" sz="1800" dirty="0">
-              <a:latin typeface="Times New Roman" panose="02020603050405020304" pitchFamily="18" charset="0"/>
-              <a:cs typeface="Times New Roman" panose="02020603050405020304" pitchFamily="18" charset="0"/>
-            </a:endParaRPr>
-          </a:p>
-          <a:p>
-            <a:pPr marL="1062990" lvl="2" indent="0" algn="just">
+              <a:t>pass</a:t>
+            </a:r>
+            <a:r>
+              <a:rPr lang="en-US" sz="2400" dirty="0">
+                <a:latin typeface="Times New Roman" panose="02020603050405020304" pitchFamily="18" charset="0"/>
+                <a:cs typeface="Times New Roman" panose="02020603050405020304" pitchFamily="18" charset="0"/>
+              </a:rPr>
+              <a:t>;</a:t>
+            </a:r>
+          </a:p>
+          <a:p>
+            <a:pPr marL="0" indent="0" algn="just">
               <a:buNone/>
             </a:pPr>
             <a:r>
-              <a:rPr lang="en-US" sz="1800" dirty="0">
-                <a:latin typeface="Times New Roman" panose="02020603050405020304" pitchFamily="18" charset="0"/>
-                <a:cs typeface="Times New Roman" panose="02020603050405020304" pitchFamily="18" charset="0"/>
-              </a:rPr>
-              <a:t>  </a:t>
-            </a:r>
-            <a:r>
-              <a:rPr lang="en-US" sz="1800" b="1" dirty="0">
-                <a:latin typeface="Times New Roman" panose="02020603050405020304" pitchFamily="18" charset="0"/>
-                <a:cs typeface="Times New Roman" panose="02020603050405020304" pitchFamily="18" charset="0"/>
-              </a:rPr>
-              <a:t>if</a:t>
-            </a:r>
-            <a:r>
-              <a:rPr lang="en-US" sz="1800" dirty="0">
-                <a:latin typeface="Times New Roman" panose="02020603050405020304" pitchFamily="18" charset="0"/>
-                <a:cs typeface="Times New Roman" panose="02020603050405020304" pitchFamily="18" charset="0"/>
-              </a:rPr>
-              <a:t>(k &gt; 0):</a:t>
-            </a:r>
-          </a:p>
-          <a:p>
-            <a:pPr marL="1062990" lvl="2" indent="0" algn="just">
-              <a:buNone/>
-            </a:pPr>
-            <a:r>
-              <a:rPr lang="en-US" sz="1800" dirty="0">
-                <a:latin typeface="Times New Roman" panose="02020603050405020304" pitchFamily="18" charset="0"/>
-                <a:cs typeface="Times New Roman" panose="02020603050405020304" pitchFamily="18" charset="0"/>
-              </a:rPr>
-              <a:t>    </a:t>
-            </a:r>
-            <a:r>
-              <a:rPr lang="en-US" sz="1800" b="1" dirty="0">
-                <a:latin typeface="Times New Roman" panose="02020603050405020304" pitchFamily="18" charset="0"/>
-                <a:cs typeface="Times New Roman" panose="02020603050405020304" pitchFamily="18" charset="0"/>
-              </a:rPr>
-              <a:t>result</a:t>
-            </a:r>
-            <a:r>
-              <a:rPr lang="en-US" sz="1800" dirty="0">
-                <a:latin typeface="Times New Roman" panose="02020603050405020304" pitchFamily="18" charset="0"/>
-                <a:cs typeface="Times New Roman" panose="02020603050405020304" pitchFamily="18" charset="0"/>
-              </a:rPr>
-              <a:t> = k + </a:t>
-            </a:r>
-            <a:r>
-              <a:rPr lang="en-US" sz="1800" b="1" dirty="0" err="1">
-                <a:solidFill>
-                  <a:srgbClr val="FF0000"/>
-                </a:solidFill>
-                <a:latin typeface="Times New Roman" panose="02020603050405020304" pitchFamily="18" charset="0"/>
-                <a:cs typeface="Times New Roman" panose="02020603050405020304" pitchFamily="18" charset="0"/>
-              </a:rPr>
-              <a:t>tri_recursion</a:t>
-            </a:r>
-            <a:r>
-              <a:rPr lang="en-US" sz="1800" dirty="0">
-                <a:latin typeface="Times New Roman" panose="02020603050405020304" pitchFamily="18" charset="0"/>
-                <a:cs typeface="Times New Roman" panose="02020603050405020304" pitchFamily="18" charset="0"/>
-              </a:rPr>
-              <a:t>(k - 1);</a:t>
-            </a:r>
-          </a:p>
-          <a:p>
-            <a:pPr marL="1062990" lvl="2" indent="0" algn="just">
-              <a:buNone/>
-            </a:pPr>
-            <a:r>
-              <a:rPr lang="en-US" sz="1800" dirty="0">
-                <a:latin typeface="Times New Roman" panose="02020603050405020304" pitchFamily="18" charset="0"/>
-                <a:cs typeface="Times New Roman" panose="02020603050405020304" pitchFamily="18" charset="0"/>
-              </a:rPr>
-              <a:t>    </a:t>
-            </a:r>
-            <a:r>
-              <a:rPr lang="en-US" sz="1800" b="1" dirty="0">
+              <a:rPr lang="en-US" sz="2400" dirty="0">
+                <a:latin typeface="Times New Roman" panose="02020603050405020304" pitchFamily="18" charset="0"/>
+                <a:cs typeface="Times New Roman" panose="02020603050405020304" pitchFamily="18" charset="0"/>
+              </a:rPr>
+              <a:t>	</a:t>
+            </a:r>
+            <a:r>
+              <a:rPr lang="en-US" sz="2400" b="1" dirty="0">
                 <a:latin typeface="Times New Roman" panose="02020603050405020304" pitchFamily="18" charset="0"/>
                 <a:cs typeface="Times New Roman" panose="02020603050405020304" pitchFamily="18" charset="0"/>
               </a:rPr>
               <a:t>print</a:t>
             </a:r>
             <a:r>
-              <a:rPr lang="en-US" sz="1800" dirty="0">
-                <a:latin typeface="Times New Roman" panose="02020603050405020304" pitchFamily="18" charset="0"/>
-                <a:cs typeface="Times New Roman" panose="02020603050405020304" pitchFamily="18" charset="0"/>
-              </a:rPr>
-              <a:t>(result);</a:t>
-            </a:r>
-          </a:p>
-          <a:p>
-            <a:pPr marL="1062990" lvl="2" indent="0" algn="just">
-              <a:buNone/>
-            </a:pPr>
-            <a:r>
-              <a:rPr lang="en-US" sz="1800" dirty="0">
-                <a:latin typeface="Times New Roman" panose="02020603050405020304" pitchFamily="18" charset="0"/>
-                <a:cs typeface="Times New Roman" panose="02020603050405020304" pitchFamily="18" charset="0"/>
-              </a:rPr>
-              <a:t>  </a:t>
-            </a:r>
-            <a:r>
-              <a:rPr lang="en-US" sz="1800" b="1" dirty="0">
-                <a:latin typeface="Times New Roman" panose="02020603050405020304" pitchFamily="18" charset="0"/>
-                <a:cs typeface="Times New Roman" panose="02020603050405020304" pitchFamily="18" charset="0"/>
-              </a:rPr>
-              <a:t>else</a:t>
-            </a:r>
-            <a:r>
-              <a:rPr lang="en-US" sz="1800" dirty="0">
-                <a:latin typeface="Times New Roman" panose="02020603050405020304" pitchFamily="18" charset="0"/>
-                <a:cs typeface="Times New Roman" panose="02020603050405020304" pitchFamily="18" charset="0"/>
-              </a:rPr>
-              <a:t>:</a:t>
-            </a:r>
-          </a:p>
-          <a:p>
-            <a:pPr marL="1062990" lvl="2" indent="0" algn="just">
-              <a:buNone/>
-            </a:pPr>
-            <a:r>
-              <a:rPr lang="en-US" sz="1800" dirty="0">
-                <a:latin typeface="Times New Roman" panose="02020603050405020304" pitchFamily="18" charset="0"/>
-                <a:cs typeface="Times New Roman" panose="02020603050405020304" pitchFamily="18" charset="0"/>
-              </a:rPr>
-              <a:t>  	result = 0;</a:t>
-            </a:r>
-          </a:p>
-          <a:p>
-            <a:pPr marL="1062990" lvl="2" indent="0" algn="just">
-              <a:buNone/>
-            </a:pPr>
-            <a:r>
-              <a:rPr lang="en-US" sz="1800" dirty="0">
-                <a:latin typeface="Times New Roman" panose="02020603050405020304" pitchFamily="18" charset="0"/>
-                <a:cs typeface="Times New Roman" panose="02020603050405020304" pitchFamily="18" charset="0"/>
-              </a:rPr>
-              <a:t>  </a:t>
-            </a:r>
-            <a:r>
-              <a:rPr lang="en-US" sz="1800" b="1" dirty="0">
-                <a:latin typeface="Times New Roman" panose="02020603050405020304" pitchFamily="18" charset="0"/>
-                <a:cs typeface="Times New Roman" panose="02020603050405020304" pitchFamily="18" charset="0"/>
-              </a:rPr>
-              <a:t>return</a:t>
-            </a:r>
-            <a:r>
-              <a:rPr lang="en-US" sz="1800" dirty="0">
-                <a:latin typeface="Times New Roman" panose="02020603050405020304" pitchFamily="18" charset="0"/>
-                <a:cs typeface="Times New Roman" panose="02020603050405020304" pitchFamily="18" charset="0"/>
-              </a:rPr>
-              <a:t> result;</a:t>
-            </a:r>
-          </a:p>
-          <a:p>
-            <a:pPr marL="619125" lvl="1" indent="0" algn="just">
-              <a:buNone/>
-            </a:pPr>
-            <a:r>
-              <a:rPr lang="en-US" sz="1800" b="1" dirty="0">
-                <a:latin typeface="Times New Roman" panose="02020603050405020304" pitchFamily="18" charset="0"/>
-                <a:cs typeface="Times New Roman" panose="02020603050405020304" pitchFamily="18" charset="0"/>
-              </a:rPr>
-              <a:t>print</a:t>
-            </a:r>
-            <a:r>
-              <a:rPr lang="en-US" sz="1800" dirty="0">
-                <a:latin typeface="Times New Roman" panose="02020603050405020304" pitchFamily="18" charset="0"/>
-                <a:cs typeface="Times New Roman" panose="02020603050405020304" pitchFamily="18" charset="0"/>
-              </a:rPr>
-              <a:t>("\n\</a:t>
-            </a:r>
-            <a:r>
-              <a:rPr lang="en-US" sz="1800" dirty="0" err="1">
-                <a:latin typeface="Times New Roman" panose="02020603050405020304" pitchFamily="18" charset="0"/>
-                <a:cs typeface="Times New Roman" panose="02020603050405020304" pitchFamily="18" charset="0"/>
-              </a:rPr>
-              <a:t>nRecursion</a:t>
-            </a:r>
-            <a:r>
-              <a:rPr lang="en-US" sz="1800" dirty="0">
-                <a:latin typeface="Times New Roman" panose="02020603050405020304" pitchFamily="18" charset="0"/>
-                <a:cs typeface="Times New Roman" panose="02020603050405020304" pitchFamily="18" charset="0"/>
-              </a:rPr>
-              <a:t> Example Results")</a:t>
-            </a:r>
-          </a:p>
-          <a:p>
-            <a:pPr marL="619125" lvl="1" indent="0" algn="just">
-              <a:buNone/>
-            </a:pPr>
-            <a:r>
-              <a:rPr lang="en-US" sz="1800" b="1" dirty="0" err="1">
-                <a:solidFill>
-                  <a:srgbClr val="FF0000"/>
-                </a:solidFill>
-                <a:latin typeface="Times New Roman" panose="02020603050405020304" pitchFamily="18" charset="0"/>
-                <a:cs typeface="Times New Roman" panose="02020603050405020304" pitchFamily="18" charset="0"/>
-              </a:rPr>
-              <a:t>tri_recursion</a:t>
-            </a:r>
-            <a:r>
-              <a:rPr lang="en-US" sz="1800" dirty="0">
-                <a:latin typeface="Times New Roman" panose="02020603050405020304" pitchFamily="18" charset="0"/>
-                <a:cs typeface="Times New Roman" panose="02020603050405020304" pitchFamily="18" charset="0"/>
-              </a:rPr>
-              <a:t>(</a:t>
-            </a:r>
-            <a:r>
-              <a:rPr lang="en-US" sz="1800" b="1" dirty="0">
-                <a:latin typeface="Times New Roman" panose="02020603050405020304" pitchFamily="18" charset="0"/>
-                <a:cs typeface="Times New Roman" panose="02020603050405020304" pitchFamily="18" charset="0"/>
-              </a:rPr>
-              <a:t>6</a:t>
-            </a:r>
-            <a:r>
-              <a:rPr lang="en-US" sz="1800" dirty="0">
-                <a:latin typeface="Times New Roman" panose="02020603050405020304" pitchFamily="18" charset="0"/>
-                <a:cs typeface="Times New Roman" panose="02020603050405020304" pitchFamily="18" charset="0"/>
-              </a:rPr>
-              <a:t>); // 6 </a:t>
-            </a:r>
-            <a:r>
-              <a:rPr lang="en-US" sz="1800" dirty="0" err="1">
-                <a:latin typeface="Times New Roman" panose="02020603050405020304" pitchFamily="18" charset="0"/>
-                <a:cs typeface="Times New Roman" panose="02020603050405020304" pitchFamily="18" charset="0"/>
-              </a:rPr>
-              <a:t>Termos</a:t>
-            </a:r>
-            <a:r>
-              <a:rPr lang="en-US" sz="1800" dirty="0">
-                <a:latin typeface="Times New Roman" panose="02020603050405020304" pitchFamily="18" charset="0"/>
-                <a:cs typeface="Times New Roman" panose="02020603050405020304" pitchFamily="18" charset="0"/>
-              </a:rPr>
-              <a:t> da </a:t>
-            </a:r>
-            <a:r>
-              <a:rPr lang="en-US" sz="1800" dirty="0" err="1">
-                <a:latin typeface="Times New Roman" panose="02020603050405020304" pitchFamily="18" charset="0"/>
-                <a:cs typeface="Times New Roman" panose="02020603050405020304" pitchFamily="18" charset="0"/>
-              </a:rPr>
-              <a:t>sequência</a:t>
-            </a:r>
-            <a:r>
-              <a:rPr lang="en-US" sz="1800" dirty="0">
-                <a:latin typeface="Times New Roman" panose="02020603050405020304" pitchFamily="18" charset="0"/>
-                <a:cs typeface="Times New Roman" panose="02020603050405020304" pitchFamily="18" charset="0"/>
-              </a:rPr>
-              <a:t>.</a:t>
+              <a:rPr lang="en-US" sz="2400" dirty="0">
+                <a:latin typeface="Times New Roman" panose="02020603050405020304" pitchFamily="18" charset="0"/>
+                <a:cs typeface="Times New Roman" panose="02020603050405020304" pitchFamily="18" charset="0"/>
+              </a:rPr>
+              <a:t>(“oi”);</a:t>
             </a:r>
           </a:p>
         </p:txBody>
@@ -8087,7 +8029,7 @@
     </p:spTree>
     <p:extLst>
       <p:ext uri="{BB962C8B-B14F-4D97-AF65-F5344CB8AC3E}">
-        <p14:creationId xmlns:p14="http://schemas.microsoft.com/office/powerpoint/2010/main" val="830855536"/>
+        <p14:creationId xmlns:p14="http://schemas.microsoft.com/office/powerpoint/2010/main" val="1408523738"/>
       </p:ext>
     </p:extLst>
   </p:cSld>
@@ -8190,7 +8132,7 @@
               <a:buNone/>
             </a:pPr>
             <a:r>
-              <a:rPr lang="pt-BR" sz="3600" b="1" dirty="0">
+              <a:rPr lang="pt-BR" sz="1800" b="1" dirty="0">
                 <a:solidFill>
                   <a:srgbClr val="FF0000"/>
                 </a:solidFill>
@@ -8200,7 +8142,7 @@
               <a:t>Exemplo</a:t>
             </a:r>
             <a:r>
-              <a:rPr lang="pt-BR" sz="3600" dirty="0">
+              <a:rPr lang="pt-BR" sz="1800" dirty="0">
                 <a:solidFill>
                   <a:schemeClr val="tx1"/>
                 </a:solidFill>
@@ -8210,7 +8152,7 @@
               <a:t>: </a:t>
             </a:r>
             <a:r>
-              <a:rPr lang="pt-BR" sz="3600" b="1" dirty="0">
+              <a:rPr lang="pt-BR" sz="1800" b="1" dirty="0">
                 <a:solidFill>
                   <a:schemeClr val="tx1"/>
                 </a:solidFill>
@@ -8219,55 +8161,345 @@
               </a:rPr>
               <a:t>Função Recursão</a:t>
             </a:r>
-            <a:endParaRPr lang="pt-BR" sz="3600" dirty="0">
-              <a:solidFill>
-                <a:schemeClr val="tx1"/>
-              </a:solidFill>
+            <a:r>
+              <a:rPr lang="pt-BR" sz="1800" dirty="0">
+                <a:solidFill>
+                  <a:schemeClr val="tx1"/>
+                </a:solidFill>
+                <a:latin typeface="Times New Roman" panose="02020603050405020304" pitchFamily="18" charset="0"/>
+                <a:cs typeface="Times New Roman" panose="02020603050405020304" pitchFamily="18" charset="0"/>
+              </a:rPr>
+              <a:t>. (</a:t>
+            </a:r>
+            <a:r>
+              <a:rPr lang="pt-BR" sz="1800" b="1" dirty="0">
+                <a:solidFill>
+                  <a:srgbClr val="FF0000"/>
+                </a:solidFill>
+                <a:latin typeface="Times New Roman" panose="02020603050405020304" pitchFamily="18" charset="0"/>
+                <a:cs typeface="Times New Roman" panose="02020603050405020304" pitchFamily="18" charset="0"/>
+              </a:rPr>
+              <a:t>é uma função que é definida em termos de si mesma</a:t>
+            </a:r>
+            <a:r>
+              <a:rPr lang="pt-BR" sz="1800" dirty="0">
+                <a:solidFill>
+                  <a:schemeClr val="tx1"/>
+                </a:solidFill>
+                <a:latin typeface="Times New Roman" panose="02020603050405020304" pitchFamily="18" charset="0"/>
+                <a:cs typeface="Times New Roman" panose="02020603050405020304" pitchFamily="18" charset="0"/>
+              </a:rPr>
+              <a:t>)</a:t>
+            </a:r>
+          </a:p>
+          <a:p>
+            <a:pPr marL="0" indent="0" algn="just">
+              <a:buNone/>
+            </a:pPr>
+            <a:r>
+              <a:rPr lang="pt-BR" sz="1800" b="1" dirty="0">
+                <a:latin typeface="Times New Roman" panose="02020603050405020304" pitchFamily="18" charset="0"/>
+                <a:cs typeface="Times New Roman" panose="02020603050405020304" pitchFamily="18" charset="0"/>
+              </a:rPr>
+              <a:t>	</a:t>
+            </a:r>
+            <a:r>
+              <a:rPr lang="en-US" sz="1800" b="1" dirty="0">
+                <a:solidFill>
+                  <a:schemeClr val="tx1"/>
+                </a:solidFill>
+                <a:latin typeface="Times New Roman" panose="02020603050405020304" pitchFamily="18" charset="0"/>
+                <a:cs typeface="Times New Roman" panose="02020603050405020304" pitchFamily="18" charset="0"/>
+              </a:rPr>
+              <a:t>def </a:t>
+            </a:r>
+            <a:r>
+              <a:rPr lang="en-US" sz="1800" b="1" dirty="0" err="1">
+                <a:solidFill>
+                  <a:srgbClr val="FF0000"/>
+                </a:solidFill>
+                <a:latin typeface="Times New Roman" panose="02020603050405020304" pitchFamily="18" charset="0"/>
+                <a:cs typeface="Times New Roman" panose="02020603050405020304" pitchFamily="18" charset="0"/>
+              </a:rPr>
+              <a:t>tri_recursion</a:t>
+            </a:r>
+            <a:r>
+              <a:rPr lang="en-US" sz="1800" b="1" dirty="0">
+                <a:solidFill>
+                  <a:srgbClr val="FF0000"/>
+                </a:solidFill>
+                <a:latin typeface="Times New Roman" panose="02020603050405020304" pitchFamily="18" charset="0"/>
+                <a:cs typeface="Times New Roman" panose="02020603050405020304" pitchFamily="18" charset="0"/>
+              </a:rPr>
+              <a:t>(k):</a:t>
+            </a:r>
+            <a:endParaRPr lang="en-US" sz="1800" dirty="0">
               <a:latin typeface="Times New Roman" panose="02020603050405020304" pitchFamily="18" charset="0"/>
               <a:cs typeface="Times New Roman" panose="02020603050405020304" pitchFamily="18" charset="0"/>
             </a:endParaRPr>
           </a:p>
           <a:p>
-            <a:pPr marL="0" indent="0" algn="just">
+            <a:pPr marL="1062990" lvl="2" indent="0" algn="just">
               <a:buNone/>
             </a:pPr>
-            <a:endParaRPr lang="pt-BR" sz="3600" b="1" dirty="0">
-              <a:latin typeface="Times New Roman" panose="02020603050405020304" pitchFamily="18" charset="0"/>
-              <a:cs typeface="Times New Roman" panose="02020603050405020304" pitchFamily="18" charset="0"/>
-            </a:endParaRPr>
-          </a:p>
-          <a:p>
-            <a:pPr marL="0" indent="0" algn="just">
+            <a:r>
+              <a:rPr lang="en-US" sz="1800" dirty="0">
+                <a:latin typeface="Times New Roman" panose="02020603050405020304" pitchFamily="18" charset="0"/>
+                <a:cs typeface="Times New Roman" panose="02020603050405020304" pitchFamily="18" charset="0"/>
+              </a:rPr>
+              <a:t>  </a:t>
+            </a:r>
+            <a:r>
+              <a:rPr lang="en-US" sz="1800" b="1" dirty="0">
+                <a:latin typeface="Times New Roman" panose="02020603050405020304" pitchFamily="18" charset="0"/>
+                <a:cs typeface="Times New Roman" panose="02020603050405020304" pitchFamily="18" charset="0"/>
+              </a:rPr>
+              <a:t>if</a:t>
+            </a:r>
+            <a:r>
+              <a:rPr lang="en-US" sz="1800" dirty="0">
+                <a:latin typeface="Times New Roman" panose="02020603050405020304" pitchFamily="18" charset="0"/>
+                <a:cs typeface="Times New Roman" panose="02020603050405020304" pitchFamily="18" charset="0"/>
+              </a:rPr>
+              <a:t>(k &gt; 0):</a:t>
+            </a:r>
+          </a:p>
+          <a:p>
+            <a:pPr marL="1062990" lvl="2" indent="0" algn="just">
               <a:buNone/>
             </a:pPr>
             <a:r>
-              <a:rPr lang="en-US" sz="3600" dirty="0">
-                <a:latin typeface="Times New Roman" panose="02020603050405020304" pitchFamily="18" charset="0"/>
-                <a:cs typeface="Times New Roman" panose="02020603050405020304" pitchFamily="18" charset="0"/>
-                <a:hlinkClick r:id="rId3"/>
-              </a:rPr>
-              <a:t>https://www.cs.usfca.edu/~galles/visualization/Algorithms.html</a:t>
-            </a:r>
-            <a:endParaRPr lang="en-US" sz="3600" dirty="0">
-              <a:latin typeface="Times New Roman" panose="02020603050405020304" pitchFamily="18" charset="0"/>
-              <a:cs typeface="Times New Roman" panose="02020603050405020304" pitchFamily="18" charset="0"/>
-            </a:endParaRPr>
-          </a:p>
-          <a:p>
-            <a:pPr marL="0" indent="0" algn="just">
+              <a:rPr lang="en-US" sz="1800" dirty="0">
+                <a:latin typeface="Times New Roman" panose="02020603050405020304" pitchFamily="18" charset="0"/>
+                <a:cs typeface="Times New Roman" panose="02020603050405020304" pitchFamily="18" charset="0"/>
+              </a:rPr>
+              <a:t>    </a:t>
+            </a:r>
+            <a:r>
+              <a:rPr lang="en-US" sz="1800" b="1" dirty="0">
+                <a:latin typeface="Times New Roman" panose="02020603050405020304" pitchFamily="18" charset="0"/>
+                <a:cs typeface="Times New Roman" panose="02020603050405020304" pitchFamily="18" charset="0"/>
+              </a:rPr>
+              <a:t>result</a:t>
+            </a:r>
+            <a:r>
+              <a:rPr lang="en-US" sz="1800" dirty="0">
+                <a:latin typeface="Times New Roman" panose="02020603050405020304" pitchFamily="18" charset="0"/>
+                <a:cs typeface="Times New Roman" panose="02020603050405020304" pitchFamily="18" charset="0"/>
+              </a:rPr>
+              <a:t> = k + </a:t>
+            </a:r>
+            <a:r>
+              <a:rPr lang="en-US" sz="1800" b="1" dirty="0" err="1">
+                <a:solidFill>
+                  <a:srgbClr val="FF0000"/>
+                </a:solidFill>
+                <a:latin typeface="Times New Roman" panose="02020603050405020304" pitchFamily="18" charset="0"/>
+                <a:cs typeface="Times New Roman" panose="02020603050405020304" pitchFamily="18" charset="0"/>
+              </a:rPr>
+              <a:t>tri_recursion</a:t>
+            </a:r>
+            <a:r>
+              <a:rPr lang="en-US" sz="1800" dirty="0">
+                <a:latin typeface="Times New Roman" panose="02020603050405020304" pitchFamily="18" charset="0"/>
+                <a:cs typeface="Times New Roman" panose="02020603050405020304" pitchFamily="18" charset="0"/>
+              </a:rPr>
+              <a:t>(k - 1);</a:t>
+            </a:r>
+          </a:p>
+          <a:p>
+            <a:pPr marL="1062990" lvl="2" indent="0" algn="just">
               <a:buNone/>
             </a:pPr>
-            <a:endParaRPr lang="en-US" sz="3600" dirty="0">
-              <a:latin typeface="Times New Roman" panose="02020603050405020304" pitchFamily="18" charset="0"/>
-              <a:cs typeface="Times New Roman" panose="02020603050405020304" pitchFamily="18" charset="0"/>
-            </a:endParaRPr>
+            <a:r>
+              <a:rPr lang="en-US" sz="1800" dirty="0">
+                <a:latin typeface="Times New Roman" panose="02020603050405020304" pitchFamily="18" charset="0"/>
+                <a:cs typeface="Times New Roman" panose="02020603050405020304" pitchFamily="18" charset="0"/>
+              </a:rPr>
+              <a:t>    </a:t>
+            </a:r>
+            <a:r>
+              <a:rPr lang="en-US" sz="1800" b="1" dirty="0">
+                <a:latin typeface="Times New Roman" panose="02020603050405020304" pitchFamily="18" charset="0"/>
+                <a:cs typeface="Times New Roman" panose="02020603050405020304" pitchFamily="18" charset="0"/>
+              </a:rPr>
+              <a:t>print</a:t>
+            </a:r>
+            <a:r>
+              <a:rPr lang="en-US" sz="1800" dirty="0">
+                <a:latin typeface="Times New Roman" panose="02020603050405020304" pitchFamily="18" charset="0"/>
+                <a:cs typeface="Times New Roman" panose="02020603050405020304" pitchFamily="18" charset="0"/>
+              </a:rPr>
+              <a:t>(result);</a:t>
+            </a:r>
+          </a:p>
+          <a:p>
+            <a:pPr marL="1062990" lvl="2" indent="0" algn="just">
+              <a:buNone/>
+            </a:pPr>
+            <a:r>
+              <a:rPr lang="en-US" sz="1800" dirty="0">
+                <a:latin typeface="Times New Roman" panose="02020603050405020304" pitchFamily="18" charset="0"/>
+                <a:cs typeface="Times New Roman" panose="02020603050405020304" pitchFamily="18" charset="0"/>
+              </a:rPr>
+              <a:t>  </a:t>
+            </a:r>
+            <a:r>
+              <a:rPr lang="en-US" sz="1800" b="1" dirty="0">
+                <a:latin typeface="Times New Roman" panose="02020603050405020304" pitchFamily="18" charset="0"/>
+                <a:cs typeface="Times New Roman" panose="02020603050405020304" pitchFamily="18" charset="0"/>
+              </a:rPr>
+              <a:t>else</a:t>
+            </a:r>
+            <a:r>
+              <a:rPr lang="en-US" sz="1800" dirty="0">
+                <a:latin typeface="Times New Roman" panose="02020603050405020304" pitchFamily="18" charset="0"/>
+                <a:cs typeface="Times New Roman" panose="02020603050405020304" pitchFamily="18" charset="0"/>
+              </a:rPr>
+              <a:t>:</a:t>
+            </a:r>
+          </a:p>
+          <a:p>
+            <a:pPr marL="1062990" lvl="2" indent="0" algn="just">
+              <a:buNone/>
+            </a:pPr>
+            <a:r>
+              <a:rPr lang="en-US" sz="1800" dirty="0">
+                <a:latin typeface="Times New Roman" panose="02020603050405020304" pitchFamily="18" charset="0"/>
+                <a:cs typeface="Times New Roman" panose="02020603050405020304" pitchFamily="18" charset="0"/>
+              </a:rPr>
+              <a:t>  	result = 0;</a:t>
+            </a:r>
+          </a:p>
+          <a:p>
+            <a:pPr marL="1062990" lvl="2" indent="0" algn="just">
+              <a:buNone/>
+            </a:pPr>
+            <a:r>
+              <a:rPr lang="en-US" sz="1800" dirty="0">
+                <a:latin typeface="Times New Roman" panose="02020603050405020304" pitchFamily="18" charset="0"/>
+                <a:cs typeface="Times New Roman" panose="02020603050405020304" pitchFamily="18" charset="0"/>
+              </a:rPr>
+              <a:t>  </a:t>
+            </a:r>
+            <a:r>
+              <a:rPr lang="en-US" sz="1800" b="1" dirty="0">
+                <a:latin typeface="Times New Roman" panose="02020603050405020304" pitchFamily="18" charset="0"/>
+                <a:cs typeface="Times New Roman" panose="02020603050405020304" pitchFamily="18" charset="0"/>
+              </a:rPr>
+              <a:t>return</a:t>
+            </a:r>
+            <a:r>
+              <a:rPr lang="en-US" sz="1800" dirty="0">
+                <a:latin typeface="Times New Roman" panose="02020603050405020304" pitchFamily="18" charset="0"/>
+                <a:cs typeface="Times New Roman" panose="02020603050405020304" pitchFamily="18" charset="0"/>
+              </a:rPr>
+              <a:t> result;</a:t>
+            </a:r>
+          </a:p>
+          <a:p>
+            <a:pPr marL="619125" lvl="1" indent="0" algn="just">
+              <a:buNone/>
+            </a:pPr>
+            <a:r>
+              <a:rPr lang="en-US" sz="1800" b="1" dirty="0">
+                <a:latin typeface="Times New Roman" panose="02020603050405020304" pitchFamily="18" charset="0"/>
+                <a:cs typeface="Times New Roman" panose="02020603050405020304" pitchFamily="18" charset="0"/>
+              </a:rPr>
+              <a:t>print</a:t>
+            </a:r>
+            <a:r>
+              <a:rPr lang="en-US" sz="1800" dirty="0">
+                <a:latin typeface="Times New Roman" panose="02020603050405020304" pitchFamily="18" charset="0"/>
+                <a:cs typeface="Times New Roman" panose="02020603050405020304" pitchFamily="18" charset="0"/>
+              </a:rPr>
+              <a:t>("\n\</a:t>
+            </a:r>
+            <a:r>
+              <a:rPr lang="en-US" sz="1800" dirty="0" err="1">
+                <a:latin typeface="Times New Roman" panose="02020603050405020304" pitchFamily="18" charset="0"/>
+                <a:cs typeface="Times New Roman" panose="02020603050405020304" pitchFamily="18" charset="0"/>
+              </a:rPr>
+              <a:t>nRecursion</a:t>
+            </a:r>
+            <a:r>
+              <a:rPr lang="en-US" sz="1800" dirty="0">
+                <a:latin typeface="Times New Roman" panose="02020603050405020304" pitchFamily="18" charset="0"/>
+                <a:cs typeface="Times New Roman" panose="02020603050405020304" pitchFamily="18" charset="0"/>
+              </a:rPr>
+              <a:t> Example Results")</a:t>
+            </a:r>
+          </a:p>
+          <a:p>
+            <a:pPr marL="619125" lvl="1" indent="0" algn="just">
+              <a:buNone/>
+            </a:pPr>
+            <a:r>
+              <a:rPr lang="en-US" sz="1800" b="1" dirty="0" err="1">
+                <a:solidFill>
+                  <a:srgbClr val="FF0000"/>
+                </a:solidFill>
+                <a:latin typeface="Times New Roman" panose="02020603050405020304" pitchFamily="18" charset="0"/>
+                <a:cs typeface="Times New Roman" panose="02020603050405020304" pitchFamily="18" charset="0"/>
+              </a:rPr>
+              <a:t>tri_recursion</a:t>
+            </a:r>
+            <a:r>
+              <a:rPr lang="en-US" sz="1800" dirty="0">
+                <a:latin typeface="Times New Roman" panose="02020603050405020304" pitchFamily="18" charset="0"/>
+                <a:cs typeface="Times New Roman" panose="02020603050405020304" pitchFamily="18" charset="0"/>
+              </a:rPr>
+              <a:t>(</a:t>
+            </a:r>
+            <a:r>
+              <a:rPr lang="en-US" sz="1800" b="1" dirty="0">
+                <a:latin typeface="Times New Roman" panose="02020603050405020304" pitchFamily="18" charset="0"/>
+                <a:cs typeface="Times New Roman" panose="02020603050405020304" pitchFamily="18" charset="0"/>
+              </a:rPr>
+              <a:t>6</a:t>
+            </a:r>
+            <a:r>
+              <a:rPr lang="en-US" sz="1800" dirty="0">
+                <a:latin typeface="Times New Roman" panose="02020603050405020304" pitchFamily="18" charset="0"/>
+                <a:cs typeface="Times New Roman" panose="02020603050405020304" pitchFamily="18" charset="0"/>
+              </a:rPr>
+              <a:t>); // 6 </a:t>
+            </a:r>
+            <a:r>
+              <a:rPr lang="en-US" sz="1800" dirty="0" err="1">
+                <a:latin typeface="Times New Roman" panose="02020603050405020304" pitchFamily="18" charset="0"/>
+                <a:cs typeface="Times New Roman" panose="02020603050405020304" pitchFamily="18" charset="0"/>
+              </a:rPr>
+              <a:t>Termos</a:t>
+            </a:r>
+            <a:r>
+              <a:rPr lang="en-US" sz="1800" dirty="0">
+                <a:latin typeface="Times New Roman" panose="02020603050405020304" pitchFamily="18" charset="0"/>
+                <a:cs typeface="Times New Roman" panose="02020603050405020304" pitchFamily="18" charset="0"/>
+              </a:rPr>
+              <a:t> da </a:t>
+            </a:r>
+            <a:r>
+              <a:rPr lang="en-US" sz="1800" dirty="0" err="1">
+                <a:latin typeface="Times New Roman" panose="02020603050405020304" pitchFamily="18" charset="0"/>
+                <a:cs typeface="Times New Roman" panose="02020603050405020304" pitchFamily="18" charset="0"/>
+              </a:rPr>
+              <a:t>sequência</a:t>
+            </a:r>
+            <a:r>
+              <a:rPr lang="en-US" sz="1800" dirty="0">
+                <a:latin typeface="Times New Roman" panose="02020603050405020304" pitchFamily="18" charset="0"/>
+                <a:cs typeface="Times New Roman" panose="02020603050405020304" pitchFamily="18" charset="0"/>
+              </a:rPr>
+              <a:t>.</a:t>
+            </a:r>
           </a:p>
         </p:txBody>
       </p:sp>
     </p:spTree>
     <p:extLst>
       <p:ext uri="{BB962C8B-B14F-4D97-AF65-F5344CB8AC3E}">
-        <p14:creationId xmlns:p14="http://schemas.microsoft.com/office/powerpoint/2010/main" val="3136172884"/>
+        <p14:creationId xmlns:p14="http://schemas.microsoft.com/office/powerpoint/2010/main" val="830855536"/>
       </p:ext>
     </p:extLst>
   </p:cSld>
@@ -8313,28 +8545,28 @@
           <a:lstStyle/>
           <a:p>
             <a:r>
+              <a:rPr lang="en-US" b="1" dirty="0">
+                <a:solidFill>
+                  <a:srgbClr val="0070C0"/>
+                </a:solidFill>
+              </a:rPr>
+              <a:t>Python – MODULARIZAÇÃO (</a:t>
+            </a:r>
+            <a:r>
               <a:rPr lang="en-US" b="1" dirty="0" err="1">
                 <a:solidFill>
                   <a:srgbClr val="0070C0"/>
                 </a:solidFill>
               </a:rPr>
-              <a:t>Leitura</a:t>
-            </a:r>
-            <a:r>
-              <a:rPr lang="en-US" b="1" dirty="0">
+              <a:t>Funções</a:t>
+            </a:r>
+            <a:r>
+              <a:rPr lang="en-US" b="1">
                 <a:solidFill>
                   <a:srgbClr val="0070C0"/>
                 </a:solidFill>
               </a:rPr>
-              <a:t> </a:t>
-            </a:r>
-            <a:r>
-              <a:rPr lang="en-US" b="1" dirty="0" err="1">
-                <a:solidFill>
-                  <a:srgbClr val="0070C0"/>
-                </a:solidFill>
-              </a:rPr>
-              <a:t>Específica</a:t>
+              <a:t>)</a:t>
             </a:r>
             <a:endParaRPr lang="en-US" b="1" dirty="0">
               <a:solidFill>
@@ -8356,8 +8588,8 @@
         </p:nvSpPr>
         <p:spPr>
           <a:xfrm>
-            <a:off x="142865" y="1200151"/>
-            <a:ext cx="8865056" cy="3394472"/>
+            <a:off x="142865" y="1112467"/>
+            <a:ext cx="8865056" cy="3935521"/>
           </a:xfrm>
         </p:spPr>
         <p:txBody>
@@ -8369,7 +8601,40 @@
             <a:pPr marL="0" indent="0" algn="just">
               <a:buNone/>
             </a:pPr>
-            <a:endParaRPr lang="pt-BR" dirty="0">
+            <a:r>
+              <a:rPr lang="pt-BR" sz="3600" b="1" dirty="0">
+                <a:solidFill>
+                  <a:srgbClr val="FF0000"/>
+                </a:solidFill>
+                <a:latin typeface="Times New Roman" panose="02020603050405020304" pitchFamily="18" charset="0"/>
+                <a:cs typeface="Times New Roman" panose="02020603050405020304" pitchFamily="18" charset="0"/>
+              </a:rPr>
+              <a:t>Exemplo</a:t>
+            </a:r>
+            <a:r>
+              <a:rPr lang="pt-BR" sz="3600" dirty="0">
+                <a:solidFill>
+                  <a:schemeClr val="tx1"/>
+                </a:solidFill>
+                <a:latin typeface="Times New Roman" panose="02020603050405020304" pitchFamily="18" charset="0"/>
+                <a:cs typeface="Times New Roman" panose="02020603050405020304" pitchFamily="18" charset="0"/>
+              </a:rPr>
+              <a:t>: </a:t>
+            </a:r>
+            <a:r>
+              <a:rPr lang="pt-BR" sz="3600" b="1" dirty="0">
+                <a:solidFill>
+                  <a:schemeClr val="tx1"/>
+                </a:solidFill>
+                <a:latin typeface="Times New Roman" panose="02020603050405020304" pitchFamily="18" charset="0"/>
+                <a:cs typeface="Times New Roman" panose="02020603050405020304" pitchFamily="18" charset="0"/>
+              </a:rPr>
+              <a:t>Função Recursão</a:t>
+            </a:r>
+            <a:endParaRPr lang="pt-BR" sz="3600" dirty="0">
+              <a:solidFill>
+                <a:schemeClr val="tx1"/>
+              </a:solidFill>
               <a:latin typeface="Times New Roman" panose="02020603050405020304" pitchFamily="18" charset="0"/>
               <a:cs typeface="Times New Roman" panose="02020603050405020304" pitchFamily="18" charset="0"/>
             </a:endParaRPr>
@@ -8378,34 +8643,7 @@
             <a:pPr marL="0" indent="0" algn="just">
               <a:buNone/>
             </a:pPr>
-            <a:r>
-              <a:rPr lang="pt-BR" dirty="0">
-                <a:latin typeface="Times New Roman" panose="02020603050405020304" pitchFamily="18" charset="0"/>
-                <a:cs typeface="Times New Roman" panose="02020603050405020304" pitchFamily="18" charset="0"/>
-              </a:rPr>
-              <a:t>[1] Site:</a:t>
-            </a:r>
-          </a:p>
-          <a:p>
-            <a:pPr marL="0" indent="0" algn="just">
-              <a:buNone/>
-            </a:pPr>
-            <a:r>
-              <a:rPr lang="pt-BR" dirty="0">
-                <a:latin typeface="Times New Roman" panose="02020603050405020304" pitchFamily="18" charset="0"/>
-                <a:cs typeface="Times New Roman" panose="02020603050405020304" pitchFamily="18" charset="0"/>
-              </a:rPr>
-              <a:t> </a:t>
-            </a:r>
-            <a:r>
-              <a:rPr lang="pt-BR" dirty="0">
-                <a:latin typeface="Times New Roman" panose="02020603050405020304" pitchFamily="18" charset="0"/>
-                <a:cs typeface="Times New Roman" panose="02020603050405020304" pitchFamily="18" charset="0"/>
-                <a:hlinkClick r:id="rId3"/>
-              </a:rPr>
-              <a:t>https://www.w3schools.com/python/python_functions.asp</a:t>
-            </a:r>
-            <a:endParaRPr lang="pt-BR" dirty="0">
+            <a:endParaRPr lang="pt-BR" sz="3600" b="1" dirty="0">
               <a:latin typeface="Times New Roman" panose="02020603050405020304" pitchFamily="18" charset="0"/>
               <a:cs typeface="Times New Roman" panose="02020603050405020304" pitchFamily="18" charset="0"/>
             </a:endParaRPr>
@@ -8414,7 +8652,15 @@
             <a:pPr marL="0" indent="0" algn="just">
               <a:buNone/>
             </a:pPr>
-            <a:endParaRPr lang="pt-BR" dirty="0">
+            <a:r>
+              <a:rPr lang="en-US" sz="3600" dirty="0">
+                <a:latin typeface="Times New Roman" panose="02020603050405020304" pitchFamily="18" charset="0"/>
+                <a:cs typeface="Times New Roman" panose="02020603050405020304" pitchFamily="18" charset="0"/>
+                <a:hlinkClick r:id="rId3"/>
+              </a:rPr>
+              <a:t>https://www.cs.usfca.edu/~galles/visualization/Algorithms.html</a:t>
+            </a:r>
+            <a:endParaRPr lang="en-US" sz="3600" dirty="0">
               <a:latin typeface="Times New Roman" panose="02020603050405020304" pitchFamily="18" charset="0"/>
               <a:cs typeface="Times New Roman" panose="02020603050405020304" pitchFamily="18" charset="0"/>
             </a:endParaRPr>
@@ -8423,43 +8669,17 @@
             <a:pPr marL="0" indent="0" algn="just">
               <a:buNone/>
             </a:pPr>
-            <a:endParaRPr lang="pt-BR" dirty="0">
+            <a:endParaRPr lang="en-US" sz="3600" dirty="0">
               <a:latin typeface="Times New Roman" panose="02020603050405020304" pitchFamily="18" charset="0"/>
               <a:cs typeface="Times New Roman" panose="02020603050405020304" pitchFamily="18" charset="0"/>
             </a:endParaRPr>
           </a:p>
-          <a:p>
-            <a:pPr marL="0" indent="0" algn="just">
-              <a:buNone/>
-            </a:pPr>
-            <a:endParaRPr lang="pt-BR" dirty="0">
-              <a:latin typeface="Times New Roman" panose="02020603050405020304" pitchFamily="18" charset="0"/>
-              <a:cs typeface="Times New Roman" panose="02020603050405020304" pitchFamily="18" charset="0"/>
-            </a:endParaRPr>
-          </a:p>
-          <a:p>
-            <a:pPr marL="0" indent="0" algn="just">
-              <a:buNone/>
-            </a:pPr>
-            <a:endParaRPr lang="pt-BR" dirty="0">
-              <a:latin typeface="Times New Roman" panose="02020603050405020304" pitchFamily="18" charset="0"/>
-              <a:cs typeface="Times New Roman" panose="02020603050405020304" pitchFamily="18" charset="0"/>
-            </a:endParaRPr>
-          </a:p>
-          <a:p>
-            <a:pPr marL="0" indent="0" algn="just">
-              <a:buNone/>
-            </a:pPr>
-            <a:endParaRPr lang="pt-BR" dirty="0">
-              <a:latin typeface="Calibri" panose="020F0502020204030204" pitchFamily="34" charset="0"/>
-            </a:endParaRPr>
-          </a:p>
         </p:txBody>
       </p:sp>
     </p:spTree>
     <p:extLst>
       <p:ext uri="{BB962C8B-B14F-4D97-AF65-F5344CB8AC3E}">
-        <p14:creationId xmlns:p14="http://schemas.microsoft.com/office/powerpoint/2010/main" val="2747596967"/>
+        <p14:creationId xmlns:p14="http://schemas.microsoft.com/office/powerpoint/2010/main" val="3136172884"/>
       </p:ext>
     </p:extLst>
   </p:cSld>
@@ -8510,7 +8730,7 @@
                   <a:srgbClr val="0070C0"/>
                 </a:solidFill>
               </a:rPr>
-              <a:t>Aprenda</a:t>
+              <a:t>Leitura</a:t>
             </a:r>
             <a:r>
               <a:rPr lang="en-US" b="1" dirty="0">
@@ -8518,8 +8738,21 @@
                   <a:srgbClr val="0070C0"/>
                 </a:solidFill>
               </a:rPr>
-              <a:t>+</a:t>
-            </a:r>
+              <a:t> </a:t>
+            </a:r>
+            <a:r>
+              <a:rPr lang="en-US" b="1" dirty="0" err="1">
+                <a:solidFill>
+                  <a:srgbClr val="0070C0"/>
+                </a:solidFill>
+              </a:rPr>
+              <a:t>Específica</a:t>
+            </a:r>
+            <a:endParaRPr lang="en-US" b="1" dirty="0">
+              <a:solidFill>
+                <a:srgbClr val="0070C0"/>
+              </a:solidFill>
+            </a:endParaRPr>
           </a:p>
         </p:txBody>
       </p:sp>
@@ -8562,15 +8795,27 @@
                 <a:latin typeface="Times New Roman" panose="02020603050405020304" pitchFamily="18" charset="0"/>
                 <a:cs typeface="Times New Roman" panose="02020603050405020304" pitchFamily="18" charset="0"/>
               </a:rPr>
-              <a:t>[1] </a:t>
-            </a:r>
+              <a:t>[1] Site:</a:t>
+            </a:r>
+          </a:p>
+          <a:p>
+            <a:pPr marL="0" indent="0" algn="just">
+              <a:buNone/>
+            </a:pPr>
             <a:r>
               <a:rPr lang="pt-BR" dirty="0">
                 <a:latin typeface="Times New Roman" panose="02020603050405020304" pitchFamily="18" charset="0"/>
                 <a:cs typeface="Times New Roman" panose="02020603050405020304" pitchFamily="18" charset="0"/>
+              </a:rPr>
+              <a:t> </a:t>
+            </a:r>
+            <a:r>
+              <a:rPr lang="pt-BR" dirty="0">
+                <a:latin typeface="Times New Roman" panose="02020603050405020304" pitchFamily="18" charset="0"/>
+                <a:cs typeface="Times New Roman" panose="02020603050405020304" pitchFamily="18" charset="0"/>
                 <a:hlinkClick r:id="rId3"/>
               </a:rPr>
-              <a:t>https://www.youtube.com/watch?v=u-OmVr_fT4s</a:t>
+              <a:t>https://www.w3schools.com/python/python_functions.asp</a:t>
             </a:r>
             <a:endParaRPr lang="pt-BR" dirty="0">
               <a:latin typeface="Times New Roman" panose="02020603050405020304" pitchFamily="18" charset="0"/>
@@ -8600,6 +8845,24 @@
               <a:buNone/>
             </a:pPr>
             <a:endParaRPr lang="pt-BR" dirty="0">
+              <a:latin typeface="Times New Roman" panose="02020603050405020304" pitchFamily="18" charset="0"/>
+              <a:cs typeface="Times New Roman" panose="02020603050405020304" pitchFamily="18" charset="0"/>
+            </a:endParaRPr>
+          </a:p>
+          <a:p>
+            <a:pPr marL="0" indent="0" algn="just">
+              <a:buNone/>
+            </a:pPr>
+            <a:endParaRPr lang="pt-BR" dirty="0">
+              <a:latin typeface="Times New Roman" panose="02020603050405020304" pitchFamily="18" charset="0"/>
+              <a:cs typeface="Times New Roman" panose="02020603050405020304" pitchFamily="18" charset="0"/>
+            </a:endParaRPr>
+          </a:p>
+          <a:p>
+            <a:pPr marL="0" indent="0" algn="just">
+              <a:buNone/>
+            </a:pPr>
+            <a:endParaRPr lang="pt-BR" dirty="0">
               <a:latin typeface="Calibri" panose="020F0502020204030204" pitchFamily="34" charset="0"/>
             </a:endParaRPr>
           </a:p>
@@ -8608,7 +8871,7 @@
     </p:spTree>
     <p:extLst>
       <p:ext uri="{BB962C8B-B14F-4D97-AF65-F5344CB8AC3E}">
-        <p14:creationId xmlns:p14="http://schemas.microsoft.com/office/powerpoint/2010/main" val="3680270425"/>
+        <p14:creationId xmlns:p14="http://schemas.microsoft.com/office/powerpoint/2010/main" val="2747596967"/>
       </p:ext>
     </p:extLst>
   </p:cSld>
@@ -8659,7 +8922,7 @@
                   <a:srgbClr val="0070C0"/>
                 </a:solidFill>
               </a:rPr>
-              <a:t>Dinâmica</a:t>
+              <a:t>Aprenda</a:t>
             </a:r>
             <a:r>
               <a:rPr lang="en-US" b="1" dirty="0">
@@ -8667,21 +8930,8 @@
                   <a:srgbClr val="0070C0"/>
                 </a:solidFill>
               </a:rPr>
-              <a:t>/</a:t>
-            </a:r>
-            <a:r>
-              <a:rPr lang="en-US" b="1" dirty="0" err="1">
-                <a:solidFill>
-                  <a:srgbClr val="0070C0"/>
-                </a:solidFill>
-              </a:rPr>
-              <a:t>Atividades</a:t>
-            </a:r>
-            <a:endParaRPr lang="en-US" b="1" dirty="0">
-              <a:solidFill>
-                <a:srgbClr val="0070C0"/>
-              </a:solidFill>
-            </a:endParaRPr>
+              <a:t>+</a:t>
+            </a:r>
           </a:p>
         </p:txBody>
       </p:sp>
@@ -8697,8 +8947,8 @@
         </p:nvSpPr>
         <p:spPr>
           <a:xfrm>
-            <a:off x="139472" y="1063230"/>
-            <a:ext cx="8865056" cy="3606305"/>
+            <a:off x="142865" y="1200151"/>
+            <a:ext cx="8865056" cy="3394472"/>
           </a:xfrm>
         </p:spPr>
         <p:txBody>
@@ -8707,36 +8957,70 @@
           </a:bodyPr>
           <a:lstStyle/>
           <a:p>
-            <a:pPr algn="just">
-              <a:buFontTx/>
-              <a:buChar char="-"/>
+            <a:pPr marL="0" indent="0" algn="just">
+              <a:buNone/>
             </a:pPr>
+            <a:endParaRPr lang="pt-BR" dirty="0">
+              <a:latin typeface="Times New Roman" panose="02020603050405020304" pitchFamily="18" charset="0"/>
+              <a:cs typeface="Times New Roman" panose="02020603050405020304" pitchFamily="18" charset="0"/>
+            </a:endParaRPr>
+          </a:p>
+          <a:p>
+            <a:pPr marL="0" indent="0" algn="just">
+              <a:buNone/>
+            </a:pPr>
             <a:r>
               <a:rPr lang="pt-BR" dirty="0">
                 <a:latin typeface="Times New Roman" panose="02020603050405020304" pitchFamily="18" charset="0"/>
                 <a:cs typeface="Times New Roman" panose="02020603050405020304" pitchFamily="18" charset="0"/>
               </a:rPr>
-              <a:t>Exercícios de Fixação</a:t>
-            </a:r>
+              <a:t>[1] </a:t>
+            </a:r>
+            <a:r>
+              <a:rPr lang="pt-BR" dirty="0">
+                <a:latin typeface="Times New Roman" panose="02020603050405020304" pitchFamily="18" charset="0"/>
+                <a:cs typeface="Times New Roman" panose="02020603050405020304" pitchFamily="18" charset="0"/>
+                <a:hlinkClick r:id="rId3"/>
+              </a:rPr>
+              <a:t>https://www.youtube.com/watch?v=u-OmVr_fT4s</a:t>
+            </a:r>
+            <a:endParaRPr lang="pt-BR" dirty="0">
+              <a:latin typeface="Times New Roman" panose="02020603050405020304" pitchFamily="18" charset="0"/>
+              <a:cs typeface="Times New Roman" panose="02020603050405020304" pitchFamily="18" charset="0"/>
+            </a:endParaRPr>
           </a:p>
           <a:p>
             <a:pPr marL="0" indent="0" algn="just">
               <a:buNone/>
             </a:pPr>
-            <a:r>
-              <a:rPr lang="pt-BR" dirty="0">
-                <a:latin typeface="Times New Roman" panose="02020603050405020304" pitchFamily="18" charset="0"/>
-                <a:cs typeface="Times New Roman" panose="02020603050405020304" pitchFamily="18" charset="0"/>
-              </a:rPr>
-              <a:t>	Desafios em Sala de Aula.</a:t>
-            </a:r>
+            <a:endParaRPr lang="pt-BR" dirty="0">
+              <a:latin typeface="Times New Roman" panose="02020603050405020304" pitchFamily="18" charset="0"/>
+              <a:cs typeface="Times New Roman" panose="02020603050405020304" pitchFamily="18" charset="0"/>
+            </a:endParaRPr>
+          </a:p>
+          <a:p>
+            <a:pPr marL="0" indent="0" algn="just">
+              <a:buNone/>
+            </a:pPr>
+            <a:endParaRPr lang="pt-BR" dirty="0">
+              <a:latin typeface="Times New Roman" panose="02020603050405020304" pitchFamily="18" charset="0"/>
+              <a:cs typeface="Times New Roman" panose="02020603050405020304" pitchFamily="18" charset="0"/>
+            </a:endParaRPr>
+          </a:p>
+          <a:p>
+            <a:pPr marL="0" indent="0" algn="just">
+              <a:buNone/>
+            </a:pPr>
+            <a:endParaRPr lang="pt-BR" dirty="0">
+              <a:latin typeface="Calibri" panose="020F0502020204030204" pitchFamily="34" charset="0"/>
+            </a:endParaRPr>
           </a:p>
         </p:txBody>
       </p:sp>
     </p:spTree>
     <p:extLst>
       <p:ext uri="{BB962C8B-B14F-4D97-AF65-F5344CB8AC3E}">
-        <p14:creationId xmlns:p14="http://schemas.microsoft.com/office/powerpoint/2010/main" val="2470652989"/>
+        <p14:creationId xmlns:p14="http://schemas.microsoft.com/office/powerpoint/2010/main" val="3680270425"/>
       </p:ext>
     </p:extLst>
   </p:cSld>
@@ -8748,479 +9032,6 @@
 </file>
 
 <file path=ppt/slides/slide2.xml><?xml version="1.0" encoding="utf-8"?>
-<p:sld xmlns:a="http://schemas.openxmlformats.org/drawingml/2006/main" xmlns:r="http://schemas.openxmlformats.org/officeDocument/2006/relationships" xmlns:p="http://schemas.openxmlformats.org/presentationml/2006/main">
-  <p:cSld>
-    <p:spTree>
-      <p:nvGrpSpPr>
-        <p:cNvPr id="1" name=""/>
-        <p:cNvGrpSpPr/>
-        <p:nvPr/>
-      </p:nvGrpSpPr>
-      <p:grpSpPr>
-        <a:xfrm>
-          <a:off x="0" y="0"/>
-          <a:ext cx="0" cy="0"/>
-          <a:chOff x="0" y="0"/>
-          <a:chExt cx="0" cy="0"/>
-        </a:xfrm>
-      </p:grpSpPr>
-      <p:sp>
-        <p:nvSpPr>
-          <p:cNvPr id="6" name="Title 1"/>
-          <p:cNvSpPr>
-            <a:spLocks noGrp="1"/>
-          </p:cNvSpPr>
-          <p:nvPr>
-            <p:ph type="title"/>
-          </p:nvPr>
-        </p:nvSpPr>
-        <p:spPr/>
-        <p:txBody>
-          <a:bodyPr>
-            <a:normAutofit/>
-          </a:bodyPr>
-          <a:lstStyle/>
-          <a:p>
-            <a:r>
-              <a:rPr lang="en-US" b="1" dirty="0">
-                <a:solidFill>
-                  <a:srgbClr val="0070C0"/>
-                </a:solidFill>
-              </a:rPr>
-              <a:t>Python – MODULARIZAÇÃO (</a:t>
-            </a:r>
-            <a:r>
-              <a:rPr lang="en-US" b="1" dirty="0" err="1">
-                <a:solidFill>
-                  <a:srgbClr val="0070C0"/>
-                </a:solidFill>
-              </a:rPr>
-              <a:t>Funções</a:t>
-            </a:r>
-            <a:r>
-              <a:rPr lang="en-US" b="1">
-                <a:solidFill>
-                  <a:srgbClr val="0070C0"/>
-                </a:solidFill>
-              </a:rPr>
-              <a:t>)</a:t>
-            </a:r>
-            <a:endParaRPr lang="en-US" b="1" dirty="0">
-              <a:solidFill>
-                <a:srgbClr val="0070C0"/>
-              </a:solidFill>
-            </a:endParaRPr>
-          </a:p>
-        </p:txBody>
-      </p:sp>
-      <p:sp>
-        <p:nvSpPr>
-          <p:cNvPr id="8" name="Text Placeholder 2"/>
-          <p:cNvSpPr>
-            <a:spLocks noGrp="1"/>
-          </p:cNvSpPr>
-          <p:nvPr>
-            <p:ph type="body" sz="half" idx="1"/>
-          </p:nvPr>
-        </p:nvSpPr>
-        <p:spPr>
-          <a:xfrm>
-            <a:off x="142865" y="1200150"/>
-            <a:ext cx="8865056" cy="3737370"/>
-          </a:xfrm>
-        </p:spPr>
-        <p:txBody>
-          <a:bodyPr>
-            <a:noAutofit/>
-          </a:bodyPr>
-          <a:lstStyle/>
-          <a:p>
-            <a:pPr marL="0" indent="0" algn="just">
-              <a:buNone/>
-            </a:pPr>
-            <a:r>
-              <a:rPr lang="pt-BR" sz="2400" dirty="0">
-                <a:solidFill>
-                  <a:schemeClr val="tx1"/>
-                </a:solidFill>
-                <a:latin typeface="Times New Roman" panose="02020603050405020304" pitchFamily="18" charset="0"/>
-                <a:cs typeface="Times New Roman" panose="02020603050405020304" pitchFamily="18" charset="0"/>
-              </a:rPr>
-              <a:t>Uma função é um </a:t>
-            </a:r>
-            <a:r>
-              <a:rPr lang="pt-BR" sz="2400" b="1" dirty="0">
-                <a:solidFill>
-                  <a:srgbClr val="FF0000"/>
-                </a:solidFill>
-                <a:latin typeface="Times New Roman" panose="02020603050405020304" pitchFamily="18" charset="0"/>
-                <a:cs typeface="Times New Roman" panose="02020603050405020304" pitchFamily="18" charset="0"/>
-              </a:rPr>
-              <a:t>bloco de código </a:t>
-            </a:r>
-            <a:r>
-              <a:rPr lang="pt-BR" sz="2400" dirty="0">
-                <a:solidFill>
-                  <a:schemeClr val="tx1"/>
-                </a:solidFill>
-                <a:latin typeface="Times New Roman" panose="02020603050405020304" pitchFamily="18" charset="0"/>
-                <a:cs typeface="Times New Roman" panose="02020603050405020304" pitchFamily="18" charset="0"/>
-              </a:rPr>
-              <a:t>que só é executado quando é chamado.</a:t>
-            </a:r>
-          </a:p>
-          <a:p>
-            <a:pPr marL="0" indent="0" algn="just">
-              <a:buNone/>
-            </a:pPr>
-            <a:endParaRPr lang="pt-BR" sz="2400" dirty="0">
-              <a:solidFill>
-                <a:schemeClr val="tx1"/>
-              </a:solidFill>
-              <a:latin typeface="Times New Roman" panose="02020603050405020304" pitchFamily="18" charset="0"/>
-              <a:cs typeface="Times New Roman" panose="02020603050405020304" pitchFamily="18" charset="0"/>
-            </a:endParaRPr>
-          </a:p>
-          <a:p>
-            <a:pPr marL="0" indent="0" algn="just">
-              <a:buNone/>
-            </a:pPr>
-            <a:r>
-              <a:rPr lang="pt-BR" sz="2400" dirty="0">
-                <a:solidFill>
-                  <a:schemeClr val="tx1"/>
-                </a:solidFill>
-                <a:latin typeface="Times New Roman" panose="02020603050405020304" pitchFamily="18" charset="0"/>
-                <a:cs typeface="Times New Roman" panose="02020603050405020304" pitchFamily="18" charset="0"/>
-              </a:rPr>
-              <a:t>Você pode </a:t>
-            </a:r>
-            <a:r>
-              <a:rPr lang="pt-BR" sz="2400" b="1" dirty="0">
-                <a:solidFill>
-                  <a:srgbClr val="FF0000"/>
-                </a:solidFill>
-                <a:latin typeface="Times New Roman" panose="02020603050405020304" pitchFamily="18" charset="0"/>
-                <a:cs typeface="Times New Roman" panose="02020603050405020304" pitchFamily="18" charset="0"/>
-              </a:rPr>
-              <a:t>passar</a:t>
-            </a:r>
-            <a:r>
-              <a:rPr lang="pt-BR" sz="2400" dirty="0">
-                <a:solidFill>
-                  <a:schemeClr val="tx1"/>
-                </a:solidFill>
-                <a:latin typeface="Times New Roman" panose="02020603050405020304" pitchFamily="18" charset="0"/>
-                <a:cs typeface="Times New Roman" panose="02020603050405020304" pitchFamily="18" charset="0"/>
-              </a:rPr>
-              <a:t> dados, conhecidos como </a:t>
-            </a:r>
-            <a:r>
-              <a:rPr lang="pt-BR" sz="2400" b="1" dirty="0">
-                <a:solidFill>
-                  <a:srgbClr val="FF0000"/>
-                </a:solidFill>
-                <a:latin typeface="Times New Roman" panose="02020603050405020304" pitchFamily="18" charset="0"/>
-                <a:cs typeface="Times New Roman" panose="02020603050405020304" pitchFamily="18" charset="0"/>
-              </a:rPr>
-              <a:t>parâmetros</a:t>
-            </a:r>
-            <a:r>
-              <a:rPr lang="pt-BR" sz="2400" dirty="0">
-                <a:solidFill>
-                  <a:schemeClr val="tx1"/>
-                </a:solidFill>
-                <a:latin typeface="Times New Roman" panose="02020603050405020304" pitchFamily="18" charset="0"/>
-                <a:cs typeface="Times New Roman" panose="02020603050405020304" pitchFamily="18" charset="0"/>
-              </a:rPr>
-              <a:t>, para uma função.</a:t>
-            </a:r>
-          </a:p>
-          <a:p>
-            <a:pPr marL="0" indent="0" algn="just">
-              <a:buNone/>
-            </a:pPr>
-            <a:endParaRPr lang="pt-BR" sz="2400" dirty="0">
-              <a:solidFill>
-                <a:schemeClr val="tx1"/>
-              </a:solidFill>
-              <a:latin typeface="Times New Roman" panose="02020603050405020304" pitchFamily="18" charset="0"/>
-              <a:cs typeface="Times New Roman" panose="02020603050405020304" pitchFamily="18" charset="0"/>
-            </a:endParaRPr>
-          </a:p>
-          <a:p>
-            <a:pPr marL="0" indent="0" algn="just">
-              <a:buNone/>
-            </a:pPr>
-            <a:r>
-              <a:rPr lang="pt-BR" sz="2400" dirty="0">
-                <a:solidFill>
-                  <a:schemeClr val="tx1"/>
-                </a:solidFill>
-                <a:latin typeface="Times New Roman" panose="02020603050405020304" pitchFamily="18" charset="0"/>
-                <a:cs typeface="Times New Roman" panose="02020603050405020304" pitchFamily="18" charset="0"/>
-              </a:rPr>
-              <a:t>Uma função pode </a:t>
-            </a:r>
-            <a:r>
-              <a:rPr lang="pt-BR" sz="2400" b="1" dirty="0">
-                <a:solidFill>
-                  <a:srgbClr val="FF0000"/>
-                </a:solidFill>
-                <a:latin typeface="Times New Roman" panose="02020603050405020304" pitchFamily="18" charset="0"/>
-                <a:cs typeface="Times New Roman" panose="02020603050405020304" pitchFamily="18" charset="0"/>
-              </a:rPr>
-              <a:t>retornar</a:t>
-            </a:r>
-            <a:r>
-              <a:rPr lang="pt-BR" sz="2400" dirty="0">
-                <a:solidFill>
-                  <a:schemeClr val="tx1"/>
-                </a:solidFill>
-                <a:latin typeface="Times New Roman" panose="02020603050405020304" pitchFamily="18" charset="0"/>
-                <a:cs typeface="Times New Roman" panose="02020603050405020304" pitchFamily="18" charset="0"/>
-              </a:rPr>
-              <a:t> </a:t>
-            </a:r>
-            <a:r>
-              <a:rPr lang="pt-BR" sz="2400" b="1" dirty="0">
-                <a:solidFill>
-                  <a:srgbClr val="FF0000"/>
-                </a:solidFill>
-                <a:latin typeface="Times New Roman" panose="02020603050405020304" pitchFamily="18" charset="0"/>
-                <a:cs typeface="Times New Roman" panose="02020603050405020304" pitchFamily="18" charset="0"/>
-              </a:rPr>
-              <a:t>dados</a:t>
-            </a:r>
-            <a:r>
-              <a:rPr lang="pt-BR" sz="2400" dirty="0">
-                <a:solidFill>
-                  <a:schemeClr val="tx1"/>
-                </a:solidFill>
-                <a:latin typeface="Times New Roman" panose="02020603050405020304" pitchFamily="18" charset="0"/>
-                <a:cs typeface="Times New Roman" panose="02020603050405020304" pitchFamily="18" charset="0"/>
-              </a:rPr>
-              <a:t> como resultado.</a:t>
-            </a:r>
-          </a:p>
-        </p:txBody>
-      </p:sp>
-    </p:spTree>
-    <p:extLst>
-      <p:ext uri="{BB962C8B-B14F-4D97-AF65-F5344CB8AC3E}">
-        <p14:creationId xmlns:p14="http://schemas.microsoft.com/office/powerpoint/2010/main" val="1362980025"/>
-      </p:ext>
-    </p:extLst>
-  </p:cSld>
-  <p:clrMapOvr>
-    <a:masterClrMapping/>
-  </p:clrMapOvr>
-  <p:transition spd="med"/>
-</p:sld>
-</file>
-
-<file path=ppt/slides/slide20.xml><?xml version="1.0" encoding="utf-8"?>
-<p:sld xmlns:a="http://schemas.openxmlformats.org/drawingml/2006/main" xmlns:r="http://schemas.openxmlformats.org/officeDocument/2006/relationships" xmlns:p="http://schemas.openxmlformats.org/presentationml/2006/main">
-  <p:cSld>
-    <p:spTree>
-      <p:nvGrpSpPr>
-        <p:cNvPr id="1" name=""/>
-        <p:cNvGrpSpPr/>
-        <p:nvPr/>
-      </p:nvGrpSpPr>
-      <p:grpSpPr>
-        <a:xfrm>
-          <a:off x="0" y="0"/>
-          <a:ext cx="0" cy="0"/>
-          <a:chOff x="0" y="0"/>
-          <a:chExt cx="0" cy="0"/>
-        </a:xfrm>
-      </p:grpSpPr>
-      <p:sp>
-        <p:nvSpPr>
-          <p:cNvPr id="6" name="Title 1"/>
-          <p:cNvSpPr>
-            <a:spLocks noGrp="1"/>
-          </p:cNvSpPr>
-          <p:nvPr>
-            <p:ph type="title"/>
-          </p:nvPr>
-        </p:nvSpPr>
-        <p:spPr/>
-        <p:txBody>
-          <a:bodyPr>
-            <a:normAutofit/>
-          </a:bodyPr>
-          <a:lstStyle/>
-          <a:p>
-            <a:r>
-              <a:rPr lang="en-US" b="1" dirty="0" err="1">
-                <a:solidFill>
-                  <a:srgbClr val="0070C0"/>
-                </a:solidFill>
-              </a:rPr>
-              <a:t>Referências</a:t>
-            </a:r>
-            <a:r>
-              <a:rPr lang="en-US" b="1" dirty="0">
-                <a:solidFill>
-                  <a:srgbClr val="0070C0"/>
-                </a:solidFill>
-              </a:rPr>
-              <a:t> </a:t>
-            </a:r>
-            <a:r>
-              <a:rPr lang="en-US" b="1" dirty="0" err="1">
-                <a:solidFill>
-                  <a:srgbClr val="0070C0"/>
-                </a:solidFill>
-              </a:rPr>
-              <a:t>Bibliográficas</a:t>
-            </a:r>
-            <a:endParaRPr lang="en-US" b="1" dirty="0">
-              <a:solidFill>
-                <a:srgbClr val="0070C0"/>
-              </a:solidFill>
-            </a:endParaRPr>
-          </a:p>
-        </p:txBody>
-      </p:sp>
-      <p:sp>
-        <p:nvSpPr>
-          <p:cNvPr id="8" name="Text Placeholder 2"/>
-          <p:cNvSpPr>
-            <a:spLocks noGrp="1"/>
-          </p:cNvSpPr>
-          <p:nvPr>
-            <p:ph type="body" sz="half" idx="1"/>
-          </p:nvPr>
-        </p:nvSpPr>
-        <p:spPr>
-          <a:xfrm>
-            <a:off x="142865" y="1200151"/>
-            <a:ext cx="8865056" cy="3394472"/>
-          </a:xfrm>
-        </p:spPr>
-        <p:txBody>
-          <a:bodyPr>
-            <a:noAutofit/>
-          </a:bodyPr>
-          <a:lstStyle/>
-          <a:p>
-            <a:pPr marL="0" indent="0" algn="just">
-              <a:buNone/>
-            </a:pPr>
-            <a:endParaRPr lang="pt-BR" sz="1800" dirty="0">
-              <a:latin typeface="Times New Roman" panose="02020603050405020304" pitchFamily="18" charset="0"/>
-              <a:cs typeface="Times New Roman" panose="02020603050405020304" pitchFamily="18" charset="0"/>
-            </a:endParaRPr>
-          </a:p>
-          <a:p>
-            <a:pPr marL="0" indent="0" algn="just">
-              <a:buNone/>
-            </a:pPr>
-            <a:r>
-              <a:rPr lang="pt-BR" sz="1800" dirty="0">
-                <a:latin typeface="Times New Roman" panose="02020603050405020304" pitchFamily="18" charset="0"/>
-                <a:cs typeface="Times New Roman" panose="02020603050405020304" pitchFamily="18" charset="0"/>
-              </a:rPr>
-              <a:t>[1] SEBESTA, Robert W. Conceitos de Linguagens de Programação. 11. edição. Porto Alegre: Bookman, 2018., Capítulo 1 (Preliminares).</a:t>
-            </a:r>
-          </a:p>
-          <a:p>
-            <a:pPr marL="0" indent="0" algn="just">
-              <a:buNone/>
-            </a:pPr>
-            <a:endParaRPr lang="pt-BR" sz="1800" dirty="0">
-              <a:latin typeface="Times New Roman" panose="02020603050405020304" pitchFamily="18" charset="0"/>
-              <a:cs typeface="Times New Roman" panose="02020603050405020304" pitchFamily="18" charset="0"/>
-            </a:endParaRPr>
-          </a:p>
-          <a:p>
-            <a:pPr marL="0" indent="0" algn="just">
-              <a:buNone/>
-            </a:pPr>
-            <a:r>
-              <a:rPr lang="pt-BR" sz="1800" dirty="0">
-                <a:latin typeface="Times New Roman" panose="02020603050405020304" pitchFamily="18" charset="0"/>
-                <a:cs typeface="Times New Roman" panose="02020603050405020304" pitchFamily="18" charset="0"/>
-              </a:rPr>
-              <a:t>[2] BORGES, Luiz Eduardo. Python para desenvolvedores: aborda Python 3.3. </a:t>
-            </a:r>
-            <a:r>
-              <a:rPr lang="pt-BR" sz="1800" dirty="0" err="1">
-                <a:latin typeface="Times New Roman" panose="02020603050405020304" pitchFamily="18" charset="0"/>
-                <a:cs typeface="Times New Roman" panose="02020603050405020304" pitchFamily="18" charset="0"/>
-              </a:rPr>
-              <a:t>Novatec</a:t>
-            </a:r>
-            <a:r>
-              <a:rPr lang="pt-BR" sz="1800" dirty="0">
-                <a:latin typeface="Times New Roman" panose="02020603050405020304" pitchFamily="18" charset="0"/>
-                <a:cs typeface="Times New Roman" panose="02020603050405020304" pitchFamily="18" charset="0"/>
-              </a:rPr>
-              <a:t> Editora, 2014.</a:t>
-            </a:r>
-          </a:p>
-          <a:p>
-            <a:pPr marL="0" indent="0" algn="just">
-              <a:buNone/>
-            </a:pPr>
-            <a:endParaRPr lang="pt-BR" sz="1800" dirty="0">
-              <a:latin typeface="Times New Roman" panose="02020603050405020304" pitchFamily="18" charset="0"/>
-              <a:cs typeface="Times New Roman" panose="02020603050405020304" pitchFamily="18" charset="0"/>
-            </a:endParaRPr>
-          </a:p>
-          <a:p>
-            <a:pPr marL="0" indent="0" algn="just">
-              <a:buNone/>
-            </a:pPr>
-            <a:r>
-              <a:rPr lang="pt-BR" sz="1800" dirty="0">
-                <a:latin typeface="Times New Roman" panose="02020603050405020304" pitchFamily="18" charset="0"/>
-                <a:cs typeface="Times New Roman" panose="02020603050405020304" pitchFamily="18" charset="0"/>
-              </a:rPr>
-              <a:t>[3] </a:t>
-            </a:r>
-            <a:r>
-              <a:rPr lang="pt-BR" sz="1800" dirty="0">
-                <a:latin typeface="Times New Roman" panose="02020603050405020304" pitchFamily="18" charset="0"/>
-                <a:cs typeface="Times New Roman" panose="02020603050405020304" pitchFamily="18" charset="0"/>
-                <a:hlinkClick r:id="rId3" action="ppaction://hlinkfile"/>
-              </a:rPr>
-              <a:t>file:///F:/YduqsArea1/14%20WydenArea1Python/ARA0066_aula07%20Tuplas.pdf</a:t>
-            </a:r>
-            <a:endParaRPr lang="pt-BR" sz="1800" dirty="0">
-              <a:latin typeface="Times New Roman" panose="02020603050405020304" pitchFamily="18" charset="0"/>
-              <a:cs typeface="Times New Roman" panose="02020603050405020304" pitchFamily="18" charset="0"/>
-            </a:endParaRPr>
-          </a:p>
-          <a:p>
-            <a:pPr marL="0" indent="0" algn="just">
-              <a:buNone/>
-            </a:pPr>
-            <a:endParaRPr lang="pt-BR" sz="1800" dirty="0">
-              <a:latin typeface="Times New Roman" panose="02020603050405020304" pitchFamily="18" charset="0"/>
-              <a:cs typeface="Times New Roman" panose="02020603050405020304" pitchFamily="18" charset="0"/>
-            </a:endParaRPr>
-          </a:p>
-        </p:txBody>
-      </p:sp>
-    </p:spTree>
-    <p:extLst>
-      <p:ext uri="{BB962C8B-B14F-4D97-AF65-F5344CB8AC3E}">
-        <p14:creationId xmlns:p14="http://schemas.microsoft.com/office/powerpoint/2010/main" val="1115311843"/>
-      </p:ext>
-    </p:extLst>
-  </p:cSld>
-  <p:clrMapOvr>
-    <a:masterClrMapping/>
-  </p:clrMapOvr>
-  <p:transition spd="med"/>
-</p:sld>
-</file>
-
-<file path=ppt/slides/slide21.xml><?xml version="1.0" encoding="utf-8"?>
 <p:sld xmlns:a="http://schemas.openxmlformats.org/drawingml/2006/main" xmlns:r="http://schemas.openxmlformats.org/officeDocument/2006/relationships" xmlns:p="http://schemas.openxmlformats.org/presentationml/2006/main">
   <p:cSld>
     <p:spTree>
@@ -9346,14 +9157,29 @@
           </a:bodyPr>
           <a:lstStyle/>
           <a:p>
-            <a:pPr algn="ctr"/>
+            <a:pPr algn="l"/>
             <a:r>
               <a:rPr lang="pt-BR" sz="3200" b="1" dirty="0">
                 <a:solidFill>
                   <a:schemeClr val="bg1"/>
                 </a:solidFill>
               </a:rPr>
-              <a:t>Desenvolvimento Rápido de Aplicações em Python</a:t>
+              <a:t>Aula 08</a:t>
+            </a:r>
+            <a:br>
+              <a:rPr lang="pt-BR" sz="3200" b="1" dirty="0">
+                <a:solidFill>
+                  <a:schemeClr val="bg1"/>
+                </a:solidFill>
+              </a:rPr>
+            </a:br>
+            <a:r>
+              <a:rPr lang="pt-BR" sz="3200" b="1" dirty="0">
+                <a:solidFill>
+                  <a:schemeClr val="bg1"/>
+                </a:solidFill>
+              </a:rPr>
+              <a:t>	MODULARIZAÇÃO (Funções)</a:t>
             </a:r>
           </a:p>
         </p:txBody>
@@ -9664,6 +9490,786 @@
         </p:txBody>
       </p:sp>
     </p:spTree>
+  </p:cSld>
+  <p:clrMapOvr>
+    <a:masterClrMapping/>
+  </p:clrMapOvr>
+</p:sld>
+</file>
+
+<file path=ppt/slides/slide20.xml><?xml version="1.0" encoding="utf-8"?>
+<p:sld xmlns:a="http://schemas.openxmlformats.org/drawingml/2006/main" xmlns:r="http://schemas.openxmlformats.org/officeDocument/2006/relationships" xmlns:p="http://schemas.openxmlformats.org/presentationml/2006/main">
+  <p:cSld>
+    <p:spTree>
+      <p:nvGrpSpPr>
+        <p:cNvPr id="1" name=""/>
+        <p:cNvGrpSpPr/>
+        <p:nvPr/>
+      </p:nvGrpSpPr>
+      <p:grpSpPr>
+        <a:xfrm>
+          <a:off x="0" y="0"/>
+          <a:ext cx="0" cy="0"/>
+          <a:chOff x="0" y="0"/>
+          <a:chExt cx="0" cy="0"/>
+        </a:xfrm>
+      </p:grpSpPr>
+      <p:sp>
+        <p:nvSpPr>
+          <p:cNvPr id="6" name="Title 1"/>
+          <p:cNvSpPr>
+            <a:spLocks noGrp="1"/>
+          </p:cNvSpPr>
+          <p:nvPr>
+            <p:ph type="title"/>
+          </p:nvPr>
+        </p:nvSpPr>
+        <p:spPr/>
+        <p:txBody>
+          <a:bodyPr>
+            <a:normAutofit/>
+          </a:bodyPr>
+          <a:lstStyle/>
+          <a:p>
+            <a:r>
+              <a:rPr lang="en-US" b="1" dirty="0" err="1">
+                <a:solidFill>
+                  <a:srgbClr val="0070C0"/>
+                </a:solidFill>
+              </a:rPr>
+              <a:t>Dinâmica</a:t>
+            </a:r>
+            <a:r>
+              <a:rPr lang="en-US" b="1" dirty="0">
+                <a:solidFill>
+                  <a:srgbClr val="0070C0"/>
+                </a:solidFill>
+              </a:rPr>
+              <a:t>/</a:t>
+            </a:r>
+            <a:r>
+              <a:rPr lang="en-US" b="1" dirty="0" err="1">
+                <a:solidFill>
+                  <a:srgbClr val="0070C0"/>
+                </a:solidFill>
+              </a:rPr>
+              <a:t>Atividades</a:t>
+            </a:r>
+            <a:endParaRPr lang="en-US" b="1" dirty="0">
+              <a:solidFill>
+                <a:srgbClr val="0070C0"/>
+              </a:solidFill>
+            </a:endParaRPr>
+          </a:p>
+        </p:txBody>
+      </p:sp>
+      <p:sp>
+        <p:nvSpPr>
+          <p:cNvPr id="8" name="Text Placeholder 2"/>
+          <p:cNvSpPr>
+            <a:spLocks noGrp="1"/>
+          </p:cNvSpPr>
+          <p:nvPr>
+            <p:ph type="body" sz="half" idx="1"/>
+          </p:nvPr>
+        </p:nvSpPr>
+        <p:spPr>
+          <a:xfrm>
+            <a:off x="139472" y="1063230"/>
+            <a:ext cx="8865056" cy="3606305"/>
+          </a:xfrm>
+        </p:spPr>
+        <p:txBody>
+          <a:bodyPr>
+            <a:noAutofit/>
+          </a:bodyPr>
+          <a:lstStyle/>
+          <a:p>
+            <a:pPr algn="just">
+              <a:buFontTx/>
+              <a:buChar char="-"/>
+            </a:pPr>
+            <a:r>
+              <a:rPr lang="pt-BR" dirty="0">
+                <a:latin typeface="Times New Roman" panose="02020603050405020304" pitchFamily="18" charset="0"/>
+                <a:cs typeface="Times New Roman" panose="02020603050405020304" pitchFamily="18" charset="0"/>
+              </a:rPr>
+              <a:t>Exercícios de Fixação</a:t>
+            </a:r>
+          </a:p>
+          <a:p>
+            <a:pPr marL="0" indent="0" algn="just">
+              <a:buNone/>
+            </a:pPr>
+            <a:r>
+              <a:rPr lang="pt-BR" dirty="0">
+                <a:latin typeface="Times New Roman" panose="02020603050405020304" pitchFamily="18" charset="0"/>
+                <a:cs typeface="Times New Roman" panose="02020603050405020304" pitchFamily="18" charset="0"/>
+              </a:rPr>
+              <a:t>	Desafios em Sala de Aula.</a:t>
+            </a:r>
+          </a:p>
+        </p:txBody>
+      </p:sp>
+    </p:spTree>
+    <p:extLst>
+      <p:ext uri="{BB962C8B-B14F-4D97-AF65-F5344CB8AC3E}">
+        <p14:creationId xmlns:p14="http://schemas.microsoft.com/office/powerpoint/2010/main" val="2470652989"/>
+      </p:ext>
+    </p:extLst>
+  </p:cSld>
+  <p:clrMapOvr>
+    <a:masterClrMapping/>
+  </p:clrMapOvr>
+  <p:transition spd="med"/>
+</p:sld>
+</file>
+
+<file path=ppt/slides/slide21.xml><?xml version="1.0" encoding="utf-8"?>
+<p:sld xmlns:a="http://schemas.openxmlformats.org/drawingml/2006/main" xmlns:r="http://schemas.openxmlformats.org/officeDocument/2006/relationships" xmlns:p="http://schemas.openxmlformats.org/presentationml/2006/main">
+  <p:cSld>
+    <p:spTree>
+      <p:nvGrpSpPr>
+        <p:cNvPr id="1" name=""/>
+        <p:cNvGrpSpPr/>
+        <p:nvPr/>
+      </p:nvGrpSpPr>
+      <p:grpSpPr>
+        <a:xfrm>
+          <a:off x="0" y="0"/>
+          <a:ext cx="0" cy="0"/>
+          <a:chOff x="0" y="0"/>
+          <a:chExt cx="0" cy="0"/>
+        </a:xfrm>
+      </p:grpSpPr>
+      <p:sp>
+        <p:nvSpPr>
+          <p:cNvPr id="6" name="Title 1"/>
+          <p:cNvSpPr>
+            <a:spLocks noGrp="1"/>
+          </p:cNvSpPr>
+          <p:nvPr>
+            <p:ph type="title"/>
+          </p:nvPr>
+        </p:nvSpPr>
+        <p:spPr/>
+        <p:txBody>
+          <a:bodyPr>
+            <a:normAutofit/>
+          </a:bodyPr>
+          <a:lstStyle/>
+          <a:p>
+            <a:r>
+              <a:rPr lang="en-US" b="1" dirty="0" err="1">
+                <a:solidFill>
+                  <a:srgbClr val="0070C0"/>
+                </a:solidFill>
+              </a:rPr>
+              <a:t>Referências</a:t>
+            </a:r>
+            <a:r>
+              <a:rPr lang="en-US" b="1" dirty="0">
+                <a:solidFill>
+                  <a:srgbClr val="0070C0"/>
+                </a:solidFill>
+              </a:rPr>
+              <a:t> </a:t>
+            </a:r>
+            <a:r>
+              <a:rPr lang="en-US" b="1" dirty="0" err="1">
+                <a:solidFill>
+                  <a:srgbClr val="0070C0"/>
+                </a:solidFill>
+              </a:rPr>
+              <a:t>Bibliográficas</a:t>
+            </a:r>
+            <a:endParaRPr lang="en-US" b="1" dirty="0">
+              <a:solidFill>
+                <a:srgbClr val="0070C0"/>
+              </a:solidFill>
+            </a:endParaRPr>
+          </a:p>
+        </p:txBody>
+      </p:sp>
+      <p:sp>
+        <p:nvSpPr>
+          <p:cNvPr id="8" name="Text Placeholder 2"/>
+          <p:cNvSpPr>
+            <a:spLocks noGrp="1"/>
+          </p:cNvSpPr>
+          <p:nvPr>
+            <p:ph type="body" sz="half" idx="1"/>
+          </p:nvPr>
+        </p:nvSpPr>
+        <p:spPr>
+          <a:xfrm>
+            <a:off x="142865" y="1200151"/>
+            <a:ext cx="8865056" cy="3394472"/>
+          </a:xfrm>
+        </p:spPr>
+        <p:txBody>
+          <a:bodyPr>
+            <a:noAutofit/>
+          </a:bodyPr>
+          <a:lstStyle/>
+          <a:p>
+            <a:pPr marL="0" indent="0" algn="just">
+              <a:buNone/>
+            </a:pPr>
+            <a:endParaRPr lang="pt-BR" sz="1800" dirty="0">
+              <a:latin typeface="Times New Roman" panose="02020603050405020304" pitchFamily="18" charset="0"/>
+              <a:cs typeface="Times New Roman" panose="02020603050405020304" pitchFamily="18" charset="0"/>
+            </a:endParaRPr>
+          </a:p>
+          <a:p>
+            <a:pPr marL="0" indent="0" algn="just">
+              <a:buNone/>
+            </a:pPr>
+            <a:r>
+              <a:rPr lang="pt-BR" sz="1800" dirty="0">
+                <a:latin typeface="Times New Roman" panose="02020603050405020304" pitchFamily="18" charset="0"/>
+                <a:cs typeface="Times New Roman" panose="02020603050405020304" pitchFamily="18" charset="0"/>
+              </a:rPr>
+              <a:t>[1] SEBESTA, Robert W. Conceitos de Linguagens de Programação. 11. edição. Porto Alegre: Bookman, 2018., Capítulo 1 (Preliminares).</a:t>
+            </a:r>
+          </a:p>
+          <a:p>
+            <a:pPr marL="0" indent="0" algn="just">
+              <a:buNone/>
+            </a:pPr>
+            <a:endParaRPr lang="pt-BR" sz="1800" dirty="0">
+              <a:latin typeface="Times New Roman" panose="02020603050405020304" pitchFamily="18" charset="0"/>
+              <a:cs typeface="Times New Roman" panose="02020603050405020304" pitchFamily="18" charset="0"/>
+            </a:endParaRPr>
+          </a:p>
+          <a:p>
+            <a:pPr marL="0" indent="0" algn="just">
+              <a:buNone/>
+            </a:pPr>
+            <a:r>
+              <a:rPr lang="pt-BR" sz="1800" dirty="0">
+                <a:latin typeface="Times New Roman" panose="02020603050405020304" pitchFamily="18" charset="0"/>
+                <a:cs typeface="Times New Roman" panose="02020603050405020304" pitchFamily="18" charset="0"/>
+              </a:rPr>
+              <a:t>[2] BORGES, Luiz Eduardo. Python para desenvolvedores: aborda Python 3.3. </a:t>
+            </a:r>
+            <a:r>
+              <a:rPr lang="pt-BR" sz="1800" dirty="0" err="1">
+                <a:latin typeface="Times New Roman" panose="02020603050405020304" pitchFamily="18" charset="0"/>
+                <a:cs typeface="Times New Roman" panose="02020603050405020304" pitchFamily="18" charset="0"/>
+              </a:rPr>
+              <a:t>Novatec</a:t>
+            </a:r>
+            <a:r>
+              <a:rPr lang="pt-BR" sz="1800" dirty="0">
+                <a:latin typeface="Times New Roman" panose="02020603050405020304" pitchFamily="18" charset="0"/>
+                <a:cs typeface="Times New Roman" panose="02020603050405020304" pitchFamily="18" charset="0"/>
+              </a:rPr>
+              <a:t> Editora, 2014.</a:t>
+            </a:r>
+          </a:p>
+          <a:p>
+            <a:pPr marL="0" indent="0" algn="just">
+              <a:buNone/>
+            </a:pPr>
+            <a:endParaRPr lang="pt-BR" sz="1800" dirty="0">
+              <a:latin typeface="Times New Roman" panose="02020603050405020304" pitchFamily="18" charset="0"/>
+              <a:cs typeface="Times New Roman" panose="02020603050405020304" pitchFamily="18" charset="0"/>
+            </a:endParaRPr>
+          </a:p>
+          <a:p>
+            <a:pPr marL="0" indent="0" algn="just">
+              <a:buNone/>
+            </a:pPr>
+            <a:r>
+              <a:rPr lang="pt-BR" sz="1800" dirty="0">
+                <a:latin typeface="Times New Roman" panose="02020603050405020304" pitchFamily="18" charset="0"/>
+                <a:cs typeface="Times New Roman" panose="02020603050405020304" pitchFamily="18" charset="0"/>
+              </a:rPr>
+              <a:t>[3] </a:t>
+            </a:r>
+            <a:r>
+              <a:rPr lang="pt-BR" sz="1800" dirty="0">
+                <a:latin typeface="Times New Roman" panose="02020603050405020304" pitchFamily="18" charset="0"/>
+                <a:cs typeface="Times New Roman" panose="02020603050405020304" pitchFamily="18" charset="0"/>
+                <a:hlinkClick r:id="rId3" action="ppaction://hlinkfile"/>
+              </a:rPr>
+              <a:t>file:///F:/YduqsArea1/14%20WydenArea1Python/ARA0066_aula07%20Tuplas.pdf</a:t>
+            </a:r>
+            <a:endParaRPr lang="pt-BR" sz="1800" dirty="0">
+              <a:latin typeface="Times New Roman" panose="02020603050405020304" pitchFamily="18" charset="0"/>
+              <a:cs typeface="Times New Roman" panose="02020603050405020304" pitchFamily="18" charset="0"/>
+            </a:endParaRPr>
+          </a:p>
+          <a:p>
+            <a:pPr marL="0" indent="0" algn="just">
+              <a:buNone/>
+            </a:pPr>
+            <a:endParaRPr lang="pt-BR" sz="1800" dirty="0">
+              <a:latin typeface="Times New Roman" panose="02020603050405020304" pitchFamily="18" charset="0"/>
+              <a:cs typeface="Times New Roman" panose="02020603050405020304" pitchFamily="18" charset="0"/>
+            </a:endParaRPr>
+          </a:p>
+        </p:txBody>
+      </p:sp>
+    </p:spTree>
+    <p:extLst>
+      <p:ext uri="{BB962C8B-B14F-4D97-AF65-F5344CB8AC3E}">
+        <p14:creationId xmlns:p14="http://schemas.microsoft.com/office/powerpoint/2010/main" val="1115311843"/>
+      </p:ext>
+    </p:extLst>
+  </p:cSld>
+  <p:clrMapOvr>
+    <a:masterClrMapping/>
+  </p:clrMapOvr>
+  <p:transition spd="med"/>
+</p:sld>
+</file>
+
+<file path=ppt/slides/slide22.xml><?xml version="1.0" encoding="utf-8"?>
+<p:sld xmlns:a="http://schemas.openxmlformats.org/drawingml/2006/main" xmlns:r="http://schemas.openxmlformats.org/officeDocument/2006/relationships" xmlns:p="http://schemas.openxmlformats.org/presentationml/2006/main">
+  <p:cSld>
+    <p:spTree>
+      <p:nvGrpSpPr>
+        <p:cNvPr id="1" name=""/>
+        <p:cNvGrpSpPr/>
+        <p:nvPr/>
+      </p:nvGrpSpPr>
+      <p:grpSpPr>
+        <a:xfrm>
+          <a:off x="0" y="0"/>
+          <a:ext cx="0" cy="0"/>
+          <a:chOff x="0" y="0"/>
+          <a:chExt cx="0" cy="0"/>
+        </a:xfrm>
+      </p:grpSpPr>
+      <p:pic>
+        <p:nvPicPr>
+          <p:cNvPr id="112" name="Picture 6" descr="Picture 6"/>
+          <p:cNvPicPr>
+            <a:picLocks noChangeAspect="1"/>
+          </p:cNvPicPr>
+          <p:nvPr/>
+        </p:nvPicPr>
+        <p:blipFill>
+          <a:blip r:embed="rId2"/>
+          <a:stretch>
+            <a:fillRect/>
+          </a:stretch>
+        </p:blipFill>
+        <p:spPr>
+          <a:xfrm>
+            <a:off x="0" y="0"/>
+            <a:ext cx="9144000" cy="5143500"/>
+          </a:xfrm>
+          <a:prstGeom prst="rect">
+            <a:avLst/>
+          </a:prstGeom>
+          <a:ln w="12700">
+            <a:miter lim="400000"/>
+            <a:headEnd/>
+            <a:tailEnd/>
+          </a:ln>
+        </p:spPr>
+      </p:pic>
+      <p:pic>
+        <p:nvPicPr>
+          <p:cNvPr id="114" name="Picture 5" descr="Picture 5"/>
+          <p:cNvPicPr>
+            <a:picLocks noChangeAspect="1"/>
+          </p:cNvPicPr>
+          <p:nvPr/>
+        </p:nvPicPr>
+        <p:blipFill>
+          <a:blip r:embed="rId3"/>
+          <a:stretch>
+            <a:fillRect/>
+          </a:stretch>
+        </p:blipFill>
+        <p:spPr>
+          <a:xfrm>
+            <a:off x="469900" y="0"/>
+            <a:ext cx="4391984" cy="171450"/>
+          </a:xfrm>
+          <a:prstGeom prst="rect">
+            <a:avLst/>
+          </a:prstGeom>
+          <a:ln w="12700">
+            <a:miter lim="400000"/>
+            <a:headEnd/>
+            <a:tailEnd/>
+          </a:ln>
+        </p:spPr>
+      </p:pic>
+      <p:pic>
+        <p:nvPicPr>
+          <p:cNvPr id="115" name="Imagem" descr="Imagem"/>
+          <p:cNvPicPr>
+            <a:picLocks noChangeAspect="1"/>
+          </p:cNvPicPr>
+          <p:nvPr/>
+        </p:nvPicPr>
+        <p:blipFill>
+          <a:blip r:embed="rId4"/>
+          <a:stretch>
+            <a:fillRect/>
+          </a:stretch>
+        </p:blipFill>
+        <p:spPr>
+          <a:xfrm>
+            <a:off x="823046" y="300823"/>
+            <a:ext cx="3685692" cy="1189055"/>
+          </a:xfrm>
+          <a:prstGeom prst="rect">
+            <a:avLst/>
+          </a:prstGeom>
+          <a:ln w="12700">
+            <a:miter lim="400000"/>
+            <a:headEnd/>
+            <a:tailEnd/>
+          </a:ln>
+        </p:spPr>
+      </p:pic>
+      <p:sp>
+        <p:nvSpPr>
+          <p:cNvPr id="3" name="Título 2"/>
+          <p:cNvSpPr>
+            <a:spLocks noGrp="1"/>
+          </p:cNvSpPr>
+          <p:nvPr>
+            <p:ph type="ctrTitle"/>
+          </p:nvPr>
+        </p:nvSpPr>
+        <p:spPr>
+          <a:xfrm>
+            <a:off x="348258" y="2277667"/>
+            <a:ext cx="8681444" cy="1102519"/>
+          </a:xfrm>
+        </p:spPr>
+        <p:txBody>
+          <a:bodyPr>
+            <a:noAutofit/>
+          </a:bodyPr>
+          <a:lstStyle/>
+          <a:p>
+            <a:pPr algn="ctr"/>
+            <a:r>
+              <a:rPr lang="pt-BR" sz="3200" b="1" dirty="0">
+                <a:solidFill>
+                  <a:schemeClr val="bg1"/>
+                </a:solidFill>
+              </a:rPr>
+              <a:t>Desenvolvimento Rápido de Aplicações em Python</a:t>
+            </a:r>
+          </a:p>
+        </p:txBody>
+      </p:sp>
+      <p:sp>
+        <p:nvSpPr>
+          <p:cNvPr id="6" name="Título 2"/>
+          <p:cNvSpPr txBox="1"/>
+          <p:nvPr/>
+        </p:nvSpPr>
+        <p:spPr>
+          <a:xfrm>
+            <a:off x="975683" y="3866663"/>
+            <a:ext cx="7772400" cy="1102519"/>
+          </a:xfrm>
+          <a:prstGeom prst="rect">
+            <a:avLst/>
+          </a:prstGeom>
+          <a:ln w="12700">
+            <a:miter lim="400000"/>
+          </a:ln>
+        </p:spPr>
+        <p:txBody>
+          <a:bodyPr lIns="45718" tIns="45718" rIns="45718" bIns="45718" anchor="ctr">
+            <a:noAutofit/>
+          </a:bodyPr>
+          <a:lstStyle>
+            <a:lvl1pPr marL="0" marR="0" indent="0" algn="ctr" defTabSz="457200" rtl="0" latinLnBrk="0">
+              <a:lnSpc>
+                <a:spcPct val="100000"/>
+              </a:lnSpc>
+              <a:spcBef>
+                <a:spcPts val="0"/>
+              </a:spcBef>
+              <a:spcAft>
+                <a:spcPts val="0"/>
+              </a:spcAft>
+              <a:buClrTx/>
+              <a:buSzTx/>
+              <a:buFontTx/>
+              <a:buNone/>
+              <a:defRPr sz="4400" b="0" i="0" u="none" strike="noStrike" cap="none" spc="0" baseline="0">
+                <a:ln>
+                  <a:noFill/>
+                </a:ln>
+                <a:solidFill>
+                  <a:srgbClr val="000000"/>
+                </a:solidFill>
+                <a:uFillTx/>
+                <a:latin typeface="+mj-lt"/>
+                <a:ea typeface="+mj-ea"/>
+                <a:cs typeface="+mj-cs"/>
+                <a:sym typeface="Calibri"/>
+              </a:defRPr>
+            </a:lvl1pPr>
+            <a:lvl2pPr marL="0" marR="0" indent="0" algn="ctr" defTabSz="457200" rtl="0" latinLnBrk="0">
+              <a:lnSpc>
+                <a:spcPct val="100000"/>
+              </a:lnSpc>
+              <a:spcBef>
+                <a:spcPts val="0"/>
+              </a:spcBef>
+              <a:spcAft>
+                <a:spcPts val="0"/>
+              </a:spcAft>
+              <a:buClrTx/>
+              <a:buSzTx/>
+              <a:buFontTx/>
+              <a:buNone/>
+              <a:defRPr sz="4400" b="0" i="0" u="none" strike="noStrike" cap="none" spc="0" baseline="0">
+                <a:ln>
+                  <a:noFill/>
+                </a:ln>
+                <a:solidFill>
+                  <a:srgbClr val="000000"/>
+                </a:solidFill>
+                <a:uFillTx/>
+                <a:latin typeface="+mj-lt"/>
+                <a:ea typeface="+mj-ea"/>
+                <a:cs typeface="+mj-cs"/>
+                <a:sym typeface="Calibri"/>
+              </a:defRPr>
+            </a:lvl2pPr>
+            <a:lvl3pPr marL="0" marR="0" indent="0" algn="ctr" defTabSz="457200" rtl="0" latinLnBrk="0">
+              <a:lnSpc>
+                <a:spcPct val="100000"/>
+              </a:lnSpc>
+              <a:spcBef>
+                <a:spcPts val="0"/>
+              </a:spcBef>
+              <a:spcAft>
+                <a:spcPts val="0"/>
+              </a:spcAft>
+              <a:buClrTx/>
+              <a:buSzTx/>
+              <a:buFontTx/>
+              <a:buNone/>
+              <a:defRPr sz="4400" b="0" i="0" u="none" strike="noStrike" cap="none" spc="0" baseline="0">
+                <a:ln>
+                  <a:noFill/>
+                </a:ln>
+                <a:solidFill>
+                  <a:srgbClr val="000000"/>
+                </a:solidFill>
+                <a:uFillTx/>
+                <a:latin typeface="+mj-lt"/>
+                <a:ea typeface="+mj-ea"/>
+                <a:cs typeface="+mj-cs"/>
+                <a:sym typeface="Calibri"/>
+              </a:defRPr>
+            </a:lvl3pPr>
+            <a:lvl4pPr marL="0" marR="0" indent="0" algn="ctr" defTabSz="457200" rtl="0" latinLnBrk="0">
+              <a:lnSpc>
+                <a:spcPct val="100000"/>
+              </a:lnSpc>
+              <a:spcBef>
+                <a:spcPts val="0"/>
+              </a:spcBef>
+              <a:spcAft>
+                <a:spcPts val="0"/>
+              </a:spcAft>
+              <a:buClrTx/>
+              <a:buSzTx/>
+              <a:buFontTx/>
+              <a:buNone/>
+              <a:defRPr sz="4400" b="0" i="0" u="none" strike="noStrike" cap="none" spc="0" baseline="0">
+                <a:ln>
+                  <a:noFill/>
+                </a:ln>
+                <a:solidFill>
+                  <a:srgbClr val="000000"/>
+                </a:solidFill>
+                <a:uFillTx/>
+                <a:latin typeface="+mj-lt"/>
+                <a:ea typeface="+mj-ea"/>
+                <a:cs typeface="+mj-cs"/>
+                <a:sym typeface="Calibri"/>
+              </a:defRPr>
+            </a:lvl4pPr>
+            <a:lvl5pPr marL="0" marR="0" indent="0" algn="ctr" defTabSz="457200" rtl="0" latinLnBrk="0">
+              <a:lnSpc>
+                <a:spcPct val="100000"/>
+              </a:lnSpc>
+              <a:spcBef>
+                <a:spcPts val="0"/>
+              </a:spcBef>
+              <a:spcAft>
+                <a:spcPts val="0"/>
+              </a:spcAft>
+              <a:buClrTx/>
+              <a:buSzTx/>
+              <a:buFontTx/>
+              <a:buNone/>
+              <a:defRPr sz="4400" b="0" i="0" u="none" strike="noStrike" cap="none" spc="0" baseline="0">
+                <a:ln>
+                  <a:noFill/>
+                </a:ln>
+                <a:solidFill>
+                  <a:srgbClr val="000000"/>
+                </a:solidFill>
+                <a:uFillTx/>
+                <a:latin typeface="+mj-lt"/>
+                <a:ea typeface="+mj-ea"/>
+                <a:cs typeface="+mj-cs"/>
+                <a:sym typeface="Calibri"/>
+              </a:defRPr>
+            </a:lvl5pPr>
+            <a:lvl6pPr marL="0" marR="0" indent="0" algn="ctr" defTabSz="457200" rtl="0" latinLnBrk="0">
+              <a:lnSpc>
+                <a:spcPct val="100000"/>
+              </a:lnSpc>
+              <a:spcBef>
+                <a:spcPts val="0"/>
+              </a:spcBef>
+              <a:spcAft>
+                <a:spcPts val="0"/>
+              </a:spcAft>
+              <a:buClrTx/>
+              <a:buSzTx/>
+              <a:buFontTx/>
+              <a:buNone/>
+              <a:defRPr sz="4400" b="0" i="0" u="none" strike="noStrike" cap="none" spc="0" baseline="0">
+                <a:ln>
+                  <a:noFill/>
+                </a:ln>
+                <a:solidFill>
+                  <a:srgbClr val="000000"/>
+                </a:solidFill>
+                <a:uFillTx/>
+                <a:latin typeface="+mj-lt"/>
+                <a:ea typeface="+mj-ea"/>
+                <a:cs typeface="+mj-cs"/>
+                <a:sym typeface="Calibri"/>
+              </a:defRPr>
+            </a:lvl6pPr>
+            <a:lvl7pPr marL="0" marR="0" indent="0" algn="ctr" defTabSz="457200" rtl="0" latinLnBrk="0">
+              <a:lnSpc>
+                <a:spcPct val="100000"/>
+              </a:lnSpc>
+              <a:spcBef>
+                <a:spcPts val="0"/>
+              </a:spcBef>
+              <a:spcAft>
+                <a:spcPts val="0"/>
+              </a:spcAft>
+              <a:buClrTx/>
+              <a:buSzTx/>
+              <a:buFontTx/>
+              <a:buNone/>
+              <a:defRPr sz="4400" b="0" i="0" u="none" strike="noStrike" cap="none" spc="0" baseline="0">
+                <a:ln>
+                  <a:noFill/>
+                </a:ln>
+                <a:solidFill>
+                  <a:srgbClr val="000000"/>
+                </a:solidFill>
+                <a:uFillTx/>
+                <a:latin typeface="+mj-lt"/>
+                <a:ea typeface="+mj-ea"/>
+                <a:cs typeface="+mj-cs"/>
+                <a:sym typeface="Calibri"/>
+              </a:defRPr>
+            </a:lvl7pPr>
+            <a:lvl8pPr marL="0" marR="0" indent="0" algn="ctr" defTabSz="457200" rtl="0" latinLnBrk="0">
+              <a:lnSpc>
+                <a:spcPct val="100000"/>
+              </a:lnSpc>
+              <a:spcBef>
+                <a:spcPts val="0"/>
+              </a:spcBef>
+              <a:spcAft>
+                <a:spcPts val="0"/>
+              </a:spcAft>
+              <a:buClrTx/>
+              <a:buSzTx/>
+              <a:buFontTx/>
+              <a:buNone/>
+              <a:defRPr sz="4400" b="0" i="0" u="none" strike="noStrike" cap="none" spc="0" baseline="0">
+                <a:ln>
+                  <a:noFill/>
+                </a:ln>
+                <a:solidFill>
+                  <a:srgbClr val="000000"/>
+                </a:solidFill>
+                <a:uFillTx/>
+                <a:latin typeface="+mj-lt"/>
+                <a:ea typeface="+mj-ea"/>
+                <a:cs typeface="+mj-cs"/>
+                <a:sym typeface="Calibri"/>
+              </a:defRPr>
+            </a:lvl8pPr>
+            <a:lvl9pPr marL="0" marR="0" indent="0" algn="ctr" defTabSz="457200" rtl="0" latinLnBrk="0">
+              <a:lnSpc>
+                <a:spcPct val="100000"/>
+              </a:lnSpc>
+              <a:spcBef>
+                <a:spcPts val="0"/>
+              </a:spcBef>
+              <a:spcAft>
+                <a:spcPts val="0"/>
+              </a:spcAft>
+              <a:buClrTx/>
+              <a:buSzTx/>
+              <a:buFontTx/>
+              <a:buNone/>
+              <a:defRPr sz="4400" b="0" i="0" u="none" strike="noStrike" cap="none" spc="0" baseline="0">
+                <a:ln>
+                  <a:noFill/>
+                </a:ln>
+                <a:solidFill>
+                  <a:srgbClr val="000000"/>
+                </a:solidFill>
+                <a:uFillTx/>
+                <a:latin typeface="+mj-lt"/>
+                <a:ea typeface="+mj-ea"/>
+                <a:cs typeface="+mj-cs"/>
+                <a:sym typeface="Calibri"/>
+              </a:defRPr>
+            </a:lvl9pPr>
+          </a:lstStyle>
+          <a:p>
+            <a:pPr algn="r" hangingPunct="1"/>
+            <a:r>
+              <a:rPr lang="pt-BR" sz="2000" b="1" dirty="0">
+                <a:solidFill>
+                  <a:schemeClr val="bg1"/>
+                </a:solidFill>
+              </a:rPr>
+              <a:t>Professor </a:t>
+            </a:r>
+            <a:r>
+              <a:rPr lang="pt-BR" sz="2000" b="1" dirty="0" err="1">
+                <a:solidFill>
+                  <a:schemeClr val="bg1"/>
+                </a:solidFill>
+              </a:rPr>
+              <a:t>MSc</a:t>
+            </a:r>
+            <a:r>
+              <a:rPr lang="pt-BR" sz="2000" b="1" dirty="0">
+                <a:solidFill>
+                  <a:schemeClr val="bg1"/>
+                </a:solidFill>
+              </a:rPr>
+              <a:t>. Heleno Cardoso</a:t>
+            </a:r>
+          </a:p>
+        </p:txBody>
+      </p:sp>
+    </p:spTree>
     <p:extLst>
       <p:ext uri="{BB962C8B-B14F-4D97-AF65-F5344CB8AC3E}">
         <p14:creationId xmlns:p14="http://schemas.microsoft.com/office/powerpoint/2010/main" val="40125891"/>
@@ -9764,78 +10370,28 @@
           </a:bodyPr>
           <a:lstStyle/>
           <a:p>
-            <a:pPr marL="619125" lvl="1" indent="0" algn="just">
+            <a:pPr marL="0" indent="0" algn="just">
               <a:buNone/>
             </a:pPr>
             <a:r>
-              <a:rPr lang="en-US" sz="2400" b="1" dirty="0" err="1">
-                <a:solidFill>
-                  <a:schemeClr val="tx1"/>
-                </a:solidFill>
-                <a:latin typeface="Times New Roman" panose="02020603050405020304" pitchFamily="18" charset="0"/>
-                <a:cs typeface="Times New Roman" panose="02020603050405020304" pitchFamily="18" charset="0"/>
-              </a:rPr>
-              <a:t>Parâmetros</a:t>
-            </a:r>
-            <a:r>
-              <a:rPr lang="en-US" sz="2400" b="1" dirty="0">
-                <a:solidFill>
-                  <a:schemeClr val="tx1"/>
-                </a:solidFill>
-                <a:latin typeface="Times New Roman" panose="02020603050405020304" pitchFamily="18" charset="0"/>
-                <a:cs typeface="Times New Roman" panose="02020603050405020304" pitchFamily="18" charset="0"/>
-              </a:rPr>
-              <a:t> </a:t>
-            </a:r>
-            <a:r>
-              <a:rPr lang="en-US" sz="2400" b="1" dirty="0" err="1">
-                <a:solidFill>
-                  <a:schemeClr val="tx1"/>
-                </a:solidFill>
-                <a:latin typeface="Times New Roman" panose="02020603050405020304" pitchFamily="18" charset="0"/>
-                <a:cs typeface="Times New Roman" panose="02020603050405020304" pitchFamily="18" charset="0"/>
-              </a:rPr>
-              <a:t>ou</a:t>
-            </a:r>
-            <a:r>
-              <a:rPr lang="en-US" sz="2400" b="1" dirty="0">
-                <a:solidFill>
-                  <a:schemeClr val="tx1"/>
-                </a:solidFill>
-                <a:latin typeface="Times New Roman" panose="02020603050405020304" pitchFamily="18" charset="0"/>
-                <a:cs typeface="Times New Roman" panose="02020603050405020304" pitchFamily="18" charset="0"/>
-              </a:rPr>
-              <a:t> </a:t>
-            </a:r>
-            <a:r>
-              <a:rPr lang="en-US" sz="2400" b="1" dirty="0" err="1">
-                <a:solidFill>
-                  <a:schemeClr val="tx1"/>
-                </a:solidFill>
-                <a:latin typeface="Times New Roman" panose="02020603050405020304" pitchFamily="18" charset="0"/>
-                <a:cs typeface="Times New Roman" panose="02020603050405020304" pitchFamily="18" charset="0"/>
-              </a:rPr>
-              <a:t>argumentos</a:t>
-            </a:r>
-            <a:r>
-              <a:rPr lang="en-US" sz="2400" b="1" dirty="0">
-                <a:solidFill>
-                  <a:schemeClr val="tx1"/>
-                </a:solidFill>
-                <a:latin typeface="Times New Roman" panose="02020603050405020304" pitchFamily="18" charset="0"/>
-                <a:cs typeface="Times New Roman" panose="02020603050405020304" pitchFamily="18" charset="0"/>
-              </a:rPr>
-              <a:t> </a:t>
+              <a:rPr lang="pt-BR" sz="2400" dirty="0">
+                <a:solidFill>
+                  <a:schemeClr val="tx1"/>
+                </a:solidFill>
+                <a:latin typeface="Times New Roman" panose="02020603050405020304" pitchFamily="18" charset="0"/>
+                <a:cs typeface="Times New Roman" panose="02020603050405020304" pitchFamily="18" charset="0"/>
+              </a:rPr>
+              <a:t>Uma função é um </a:t>
             </a:r>
             <a:r>
               <a:rPr lang="pt-BR" sz="2400" b="1" dirty="0">
                 <a:solidFill>
-                  <a:schemeClr val="tx1"/>
-                </a:solidFill>
-                <a:latin typeface="Times New Roman" panose="02020603050405020304" pitchFamily="18" charset="0"/>
-                <a:cs typeface="Times New Roman" panose="02020603050405020304" pitchFamily="18" charset="0"/>
-              </a:rPr>
-              <a:t>=&gt; </a:t>
+                  <a:srgbClr val="FF0000"/>
+                </a:solidFill>
+                <a:latin typeface="Times New Roman" panose="02020603050405020304" pitchFamily="18" charset="0"/>
+                <a:cs typeface="Times New Roman" panose="02020603050405020304" pitchFamily="18" charset="0"/>
+              </a:rPr>
+              <a:t>bloco de código </a:t>
             </a:r>
             <a:r>
               <a:rPr lang="pt-BR" sz="2400" dirty="0">
@@ -9845,9 +10401,14 @@
                 <a:latin typeface="Times New Roman" panose="02020603050405020304" pitchFamily="18" charset="0"/>
                 <a:cs typeface="Times New Roman" panose="02020603050405020304" pitchFamily="18" charset="0"/>
               </a:rPr>
-              <a:t>informações que são passadas para uma função.</a:t>
-            </a:r>
-            <a:endParaRPr lang="en-US" sz="2400" dirty="0">
+              <a:t>que só é executado quando é chamado.</a:t>
+            </a:r>
+          </a:p>
+          <a:p>
+            <a:pPr marL="0" indent="0" algn="just">
+              <a:buNone/>
+            </a:pPr>
+            <a:endParaRPr lang="pt-BR" sz="2400" dirty="0">
               <a:solidFill>
                 <a:schemeClr val="tx1"/>
               </a:solidFill>
@@ -9856,185 +10417,65 @@
             </a:endParaRPr>
           </a:p>
           <a:p>
-            <a:pPr marL="619125" lvl="1" indent="0" algn="just">
+            <a:pPr marL="0" indent="0" algn="just">
               <a:buNone/>
             </a:pPr>
             <a:r>
-              <a:rPr lang="en-US" sz="2400" b="1" dirty="0" err="1">
-                <a:solidFill>
-                  <a:schemeClr val="tx1"/>
-                </a:solidFill>
-                <a:latin typeface="Times New Roman" panose="02020603050405020304" pitchFamily="18" charset="0"/>
-                <a:cs typeface="Times New Roman" panose="02020603050405020304" pitchFamily="18" charset="0"/>
-              </a:rPr>
-              <a:t>Sintaxe</a:t>
-            </a:r>
-            <a:r>
-              <a:rPr lang="en-US" sz="2400" b="1" dirty="0">
-                <a:solidFill>
-                  <a:schemeClr val="tx1"/>
-                </a:solidFill>
-                <a:latin typeface="Times New Roman" panose="02020603050405020304" pitchFamily="18" charset="0"/>
-                <a:cs typeface="Times New Roman" panose="02020603050405020304" pitchFamily="18" charset="0"/>
-              </a:rPr>
-              <a:t>:</a:t>
-            </a:r>
-          </a:p>
-          <a:p>
-            <a:pPr marL="619125" lvl="1" indent="0" algn="just">
+              <a:rPr lang="pt-BR" sz="2400" dirty="0">
+                <a:solidFill>
+                  <a:schemeClr val="tx1"/>
+                </a:solidFill>
+                <a:latin typeface="Times New Roman" panose="02020603050405020304" pitchFamily="18" charset="0"/>
+                <a:cs typeface="Times New Roman" panose="02020603050405020304" pitchFamily="18" charset="0"/>
+              </a:rPr>
+              <a:t>Você pode </a:t>
+            </a:r>
+            <a:r>
+              <a:rPr lang="pt-BR" sz="2400" b="1" dirty="0">
+                <a:solidFill>
+                  <a:srgbClr val="FF0000"/>
+                </a:solidFill>
+                <a:latin typeface="Times New Roman" panose="02020603050405020304" pitchFamily="18" charset="0"/>
+                <a:cs typeface="Times New Roman" panose="02020603050405020304" pitchFamily="18" charset="0"/>
+              </a:rPr>
+              <a:t>passar</a:t>
+            </a:r>
+            <a:r>
+              <a:rPr lang="pt-BR" sz="2400" dirty="0">
+                <a:solidFill>
+                  <a:schemeClr val="tx1"/>
+                </a:solidFill>
+                <a:latin typeface="Times New Roman" panose="02020603050405020304" pitchFamily="18" charset="0"/>
+                <a:cs typeface="Times New Roman" panose="02020603050405020304" pitchFamily="18" charset="0"/>
+              </a:rPr>
+              <a:t> dados, conhecidos como </a:t>
+            </a:r>
+            <a:r>
+              <a:rPr lang="pt-BR" sz="2400" b="1" dirty="0">
+                <a:solidFill>
+                  <a:srgbClr val="FF0000"/>
+                </a:solidFill>
+                <a:latin typeface="Times New Roman" panose="02020603050405020304" pitchFamily="18" charset="0"/>
+                <a:cs typeface="Times New Roman" panose="02020603050405020304" pitchFamily="18" charset="0"/>
+              </a:rPr>
+              <a:t>parâmetros</a:t>
+            </a:r>
+            <a:r>
+              <a:rPr lang="pt-BR" sz="2400" dirty="0">
+                <a:solidFill>
+                  <a:schemeClr val="tx1"/>
+                </a:solidFill>
+                <a:latin typeface="Times New Roman" panose="02020603050405020304" pitchFamily="18" charset="0"/>
+                <a:cs typeface="Times New Roman" panose="02020603050405020304" pitchFamily="18" charset="0"/>
+              </a:rPr>
+              <a:t>, para uma função.</a:t>
+            </a:r>
+          </a:p>
+          <a:p>
+            <a:pPr marL="0" indent="0" algn="just">
               <a:buNone/>
             </a:pPr>
-            <a:r>
-              <a:rPr lang="en-US" sz="2400" b="1" dirty="0">
-                <a:solidFill>
-                  <a:schemeClr val="tx1"/>
-                </a:solidFill>
-                <a:latin typeface="Times New Roman" panose="02020603050405020304" pitchFamily="18" charset="0"/>
-                <a:cs typeface="Times New Roman" panose="02020603050405020304" pitchFamily="18" charset="0"/>
-              </a:rPr>
-              <a:t>def</a:t>
-            </a:r>
-            <a:r>
-              <a:rPr lang="en-US" sz="2400" dirty="0">
-                <a:solidFill>
-                  <a:schemeClr val="tx1"/>
-                </a:solidFill>
-                <a:latin typeface="Times New Roman" panose="02020603050405020304" pitchFamily="18" charset="0"/>
-                <a:cs typeface="Times New Roman" panose="02020603050405020304" pitchFamily="18" charset="0"/>
-              </a:rPr>
-              <a:t> </a:t>
-            </a:r>
-            <a:r>
-              <a:rPr lang="en-US" sz="2400" b="1" dirty="0" err="1">
-                <a:solidFill>
-                  <a:srgbClr val="FF0000"/>
-                </a:solidFill>
-                <a:latin typeface="Times New Roman" panose="02020603050405020304" pitchFamily="18" charset="0"/>
-                <a:cs typeface="Times New Roman" panose="02020603050405020304" pitchFamily="18" charset="0"/>
-              </a:rPr>
-              <a:t>nome_funcao</a:t>
-            </a:r>
-            <a:r>
-              <a:rPr lang="en-US" sz="2400" dirty="0">
-                <a:solidFill>
-                  <a:schemeClr val="tx1"/>
-                </a:solidFill>
-                <a:latin typeface="Times New Roman" panose="02020603050405020304" pitchFamily="18" charset="0"/>
-                <a:cs typeface="Times New Roman" panose="02020603050405020304" pitchFamily="18" charset="0"/>
-              </a:rPr>
-              <a:t>(</a:t>
-            </a:r>
-            <a:r>
-              <a:rPr lang="en-US" sz="2400" b="1" dirty="0" err="1">
-                <a:solidFill>
-                  <a:srgbClr val="00B050"/>
-                </a:solidFill>
-                <a:latin typeface="Times New Roman" panose="02020603050405020304" pitchFamily="18" charset="0"/>
-                <a:cs typeface="Times New Roman" panose="02020603050405020304" pitchFamily="18" charset="0"/>
-              </a:rPr>
-              <a:t>argumentos</a:t>
-            </a:r>
-            <a:r>
-              <a:rPr lang="en-US" sz="2400" dirty="0">
-                <a:solidFill>
-                  <a:schemeClr val="tx1"/>
-                </a:solidFill>
-                <a:latin typeface="Times New Roman" panose="02020603050405020304" pitchFamily="18" charset="0"/>
-                <a:cs typeface="Times New Roman" panose="02020603050405020304" pitchFamily="18" charset="0"/>
-              </a:rPr>
-              <a:t>):</a:t>
-            </a:r>
-          </a:p>
-          <a:p>
-            <a:pPr marL="619125" lvl="1" indent="0" algn="just">
-              <a:buNone/>
-            </a:pPr>
-            <a:r>
-              <a:rPr lang="en-US" sz="2400" dirty="0">
-                <a:solidFill>
-                  <a:schemeClr val="tx1"/>
-                </a:solidFill>
-                <a:latin typeface="Times New Roman" panose="02020603050405020304" pitchFamily="18" charset="0"/>
-                <a:cs typeface="Times New Roman" panose="02020603050405020304" pitchFamily="18" charset="0"/>
-              </a:rPr>
-              <a:t>      </a:t>
-            </a:r>
-            <a:r>
-              <a:rPr lang="en-US" sz="2400" b="1" dirty="0" err="1">
-                <a:solidFill>
-                  <a:srgbClr val="0070C0"/>
-                </a:solidFill>
-                <a:latin typeface="Times New Roman" panose="02020603050405020304" pitchFamily="18" charset="0"/>
-                <a:cs typeface="Times New Roman" panose="02020603050405020304" pitchFamily="18" charset="0"/>
-              </a:rPr>
-              <a:t>corpo</a:t>
-            </a:r>
-            <a:r>
-              <a:rPr lang="en-US" sz="2400" b="1" dirty="0">
-                <a:solidFill>
-                  <a:srgbClr val="0070C0"/>
-                </a:solidFill>
-                <a:latin typeface="Times New Roman" panose="02020603050405020304" pitchFamily="18" charset="0"/>
-                <a:cs typeface="Times New Roman" panose="02020603050405020304" pitchFamily="18" charset="0"/>
-              </a:rPr>
-              <a:t> da </a:t>
-            </a:r>
-            <a:r>
-              <a:rPr lang="en-US" sz="2400" b="1" dirty="0" err="1">
-                <a:solidFill>
-                  <a:srgbClr val="0070C0"/>
-                </a:solidFill>
-                <a:latin typeface="Times New Roman" panose="02020603050405020304" pitchFamily="18" charset="0"/>
-                <a:cs typeface="Times New Roman" panose="02020603050405020304" pitchFamily="18" charset="0"/>
-              </a:rPr>
-              <a:t>função</a:t>
-            </a:r>
-            <a:r>
-              <a:rPr lang="en-US" sz="2400" b="1" dirty="0">
-                <a:solidFill>
-                  <a:schemeClr val="tx1"/>
-                </a:solidFill>
-                <a:latin typeface="Times New Roman" panose="02020603050405020304" pitchFamily="18" charset="0"/>
-                <a:cs typeface="Times New Roman" panose="02020603050405020304" pitchFamily="18" charset="0"/>
-              </a:rPr>
-              <a:t> (</a:t>
-            </a:r>
-            <a:r>
-              <a:rPr lang="en-US" sz="2400" b="1" dirty="0" err="1">
-                <a:solidFill>
-                  <a:schemeClr val="tx1"/>
-                </a:solidFill>
-                <a:latin typeface="Times New Roman" panose="02020603050405020304" pitchFamily="18" charset="0"/>
-                <a:cs typeface="Times New Roman" panose="02020603050405020304" pitchFamily="18" charset="0"/>
-              </a:rPr>
-              <a:t>instruções</a:t>
-            </a:r>
-            <a:r>
-              <a:rPr lang="en-US" sz="2400" b="1" dirty="0">
-                <a:solidFill>
-                  <a:schemeClr val="tx1"/>
-                </a:solidFill>
-                <a:latin typeface="Times New Roman" panose="02020603050405020304" pitchFamily="18" charset="0"/>
-                <a:cs typeface="Times New Roman" panose="02020603050405020304" pitchFamily="18" charset="0"/>
-              </a:rPr>
-              <a:t>)</a:t>
-            </a:r>
-            <a:r>
-              <a:rPr lang="en-US" sz="2400" dirty="0">
-                <a:solidFill>
-                  <a:schemeClr val="tx1"/>
-                </a:solidFill>
-                <a:latin typeface="Times New Roman" panose="02020603050405020304" pitchFamily="18" charset="0"/>
-                <a:cs typeface="Times New Roman" panose="02020603050405020304" pitchFamily="18" charset="0"/>
-              </a:rPr>
-              <a:t>;</a:t>
-            </a:r>
-          </a:p>
-          <a:p>
-            <a:pPr marL="619125" lvl="1" indent="0" algn="just">
-              <a:buNone/>
-            </a:pPr>
-            <a:endParaRPr lang="en-US" sz="2400" dirty="0">
+            <a:endParaRPr lang="pt-BR" sz="2400" dirty="0">
               <a:solidFill>
                 <a:schemeClr val="tx1"/>
               </a:solidFill>
@@ -10043,61 +10484,66 @@
             </a:endParaRPr>
           </a:p>
           <a:p>
-            <a:pPr marL="619125" lvl="1" indent="0" algn="just">
+            <a:pPr marL="0" indent="0" algn="just">
               <a:buNone/>
             </a:pPr>
             <a:r>
-              <a:rPr lang="en-US" sz="2400" b="1" dirty="0" err="1">
+              <a:rPr lang="pt-BR" sz="2400" dirty="0">
+                <a:solidFill>
+                  <a:schemeClr val="tx1"/>
+                </a:solidFill>
+                <a:latin typeface="Times New Roman" panose="02020603050405020304" pitchFamily="18" charset="0"/>
+                <a:cs typeface="Times New Roman" panose="02020603050405020304" pitchFamily="18" charset="0"/>
+              </a:rPr>
+              <a:t>Uma função pode </a:t>
+            </a:r>
+            <a:r>
+              <a:rPr lang="pt-BR" sz="2400" b="1" dirty="0">
                 <a:solidFill>
                   <a:srgbClr val="FF0000"/>
                 </a:solidFill>
                 <a:latin typeface="Times New Roman" panose="02020603050405020304" pitchFamily="18" charset="0"/>
                 <a:cs typeface="Times New Roman" panose="02020603050405020304" pitchFamily="18" charset="0"/>
               </a:rPr>
-              <a:t>nome_funcao</a:t>
-            </a:r>
-            <a:r>
-              <a:rPr lang="en-US" sz="2400" b="1" dirty="0">
+              <a:t>retornar</a:t>
+            </a:r>
+            <a:r>
+              <a:rPr lang="pt-BR" sz="2400" dirty="0">
+                <a:solidFill>
+                  <a:schemeClr val="tx1"/>
+                </a:solidFill>
+                <a:latin typeface="Times New Roman" panose="02020603050405020304" pitchFamily="18" charset="0"/>
+                <a:cs typeface="Times New Roman" panose="02020603050405020304" pitchFamily="18" charset="0"/>
+              </a:rPr>
+              <a:t> </a:t>
+            </a:r>
+            <a:r>
+              <a:rPr lang="pt-BR" sz="2400" b="1" dirty="0">
                 <a:solidFill>
                   <a:srgbClr val="FF0000"/>
                 </a:solidFill>
                 <a:latin typeface="Times New Roman" panose="02020603050405020304" pitchFamily="18" charset="0"/>
                 <a:cs typeface="Times New Roman" panose="02020603050405020304" pitchFamily="18" charset="0"/>
               </a:rPr>
-              <a:t>(); // </a:t>
-            </a:r>
-            <a:r>
-              <a:rPr lang="en-US" sz="2400" b="1" dirty="0" err="1">
-                <a:latin typeface="Times New Roman" panose="02020603050405020304" pitchFamily="18" charset="0"/>
-                <a:cs typeface="Times New Roman" panose="02020603050405020304" pitchFamily="18" charset="0"/>
-              </a:rPr>
-              <a:t>Chamada</a:t>
-            </a:r>
-            <a:r>
-              <a:rPr lang="en-US" sz="2400" b="1" dirty="0">
-                <a:latin typeface="Times New Roman" panose="02020603050405020304" pitchFamily="18" charset="0"/>
-                <a:cs typeface="Times New Roman" panose="02020603050405020304" pitchFamily="18" charset="0"/>
-              </a:rPr>
-              <a:t> da </a:t>
-            </a:r>
-            <a:r>
-              <a:rPr lang="en-US" sz="2400" b="1" dirty="0" err="1">
-                <a:latin typeface="Times New Roman" panose="02020603050405020304" pitchFamily="18" charset="0"/>
-                <a:cs typeface="Times New Roman" panose="02020603050405020304" pitchFamily="18" charset="0"/>
-              </a:rPr>
-              <a:t>função</a:t>
-            </a:r>
-            <a:endParaRPr lang="pt-BR" sz="2400" b="1" dirty="0">
-              <a:latin typeface="Times New Roman" panose="02020603050405020304" pitchFamily="18" charset="0"/>
-              <a:cs typeface="Times New Roman" panose="02020603050405020304" pitchFamily="18" charset="0"/>
-            </a:endParaRPr>
+              <a:t>dados</a:t>
+            </a:r>
+            <a:r>
+              <a:rPr lang="pt-BR" sz="2400" dirty="0">
+                <a:solidFill>
+                  <a:schemeClr val="tx1"/>
+                </a:solidFill>
+                <a:latin typeface="Times New Roman" panose="02020603050405020304" pitchFamily="18" charset="0"/>
+                <a:cs typeface="Times New Roman" panose="02020603050405020304" pitchFamily="18" charset="0"/>
+              </a:rPr>
+              <a:t> como resultado.</a:t>
+            </a:r>
           </a:p>
         </p:txBody>
       </p:sp>
     </p:spTree>
     <p:extLst>
       <p:ext uri="{BB962C8B-B14F-4D97-AF65-F5344CB8AC3E}">
-        <p14:creationId xmlns:p14="http://schemas.microsoft.com/office/powerpoint/2010/main" val="2819465998"/>
+        <p14:creationId xmlns:p14="http://schemas.microsoft.com/office/powerpoint/2010/main" val="1362980025"/>
       </p:ext>
     </p:extLst>
   </p:cSld>
@@ -10196,18 +10642,78 @@
           </a:bodyPr>
           <a:lstStyle/>
           <a:p>
-            <a:pPr marL="0" indent="0" algn="just">
+            <a:pPr marL="619125" lvl="1" indent="0" algn="just">
               <a:buNone/>
             </a:pPr>
             <a:r>
+              <a:rPr lang="en-US" sz="2400" b="1" dirty="0" err="1">
+                <a:solidFill>
+                  <a:schemeClr val="tx1"/>
+                </a:solidFill>
+                <a:latin typeface="Times New Roman" panose="02020603050405020304" pitchFamily="18" charset="0"/>
+                <a:cs typeface="Times New Roman" panose="02020603050405020304" pitchFamily="18" charset="0"/>
+              </a:rPr>
+              <a:t>Parâmetros</a:t>
+            </a:r>
+            <a:r>
+              <a:rPr lang="en-US" sz="2400" b="1" dirty="0">
+                <a:solidFill>
+                  <a:schemeClr val="tx1"/>
+                </a:solidFill>
+                <a:latin typeface="Times New Roman" panose="02020603050405020304" pitchFamily="18" charset="0"/>
+                <a:cs typeface="Times New Roman" panose="02020603050405020304" pitchFamily="18" charset="0"/>
+              </a:rPr>
+              <a:t> </a:t>
+            </a:r>
+            <a:r>
+              <a:rPr lang="en-US" sz="2400" b="1" dirty="0" err="1">
+                <a:solidFill>
+                  <a:schemeClr val="tx1"/>
+                </a:solidFill>
+                <a:latin typeface="Times New Roman" panose="02020603050405020304" pitchFamily="18" charset="0"/>
+                <a:cs typeface="Times New Roman" panose="02020603050405020304" pitchFamily="18" charset="0"/>
+              </a:rPr>
+              <a:t>ou</a:t>
+            </a:r>
+            <a:r>
+              <a:rPr lang="en-US" sz="2400" b="1" dirty="0">
+                <a:solidFill>
+                  <a:schemeClr val="tx1"/>
+                </a:solidFill>
+                <a:latin typeface="Times New Roman" panose="02020603050405020304" pitchFamily="18" charset="0"/>
+                <a:cs typeface="Times New Roman" panose="02020603050405020304" pitchFamily="18" charset="0"/>
+              </a:rPr>
+              <a:t> </a:t>
+            </a:r>
+            <a:r>
+              <a:rPr lang="en-US" sz="2400" b="1" dirty="0" err="1">
+                <a:solidFill>
+                  <a:schemeClr val="tx1"/>
+                </a:solidFill>
+                <a:latin typeface="Times New Roman" panose="02020603050405020304" pitchFamily="18" charset="0"/>
+                <a:cs typeface="Times New Roman" panose="02020603050405020304" pitchFamily="18" charset="0"/>
+              </a:rPr>
+              <a:t>argumentos</a:t>
+            </a:r>
+            <a:r>
+              <a:rPr lang="en-US" sz="2400" b="1" dirty="0">
+                <a:solidFill>
+                  <a:schemeClr val="tx1"/>
+                </a:solidFill>
+                <a:latin typeface="Times New Roman" panose="02020603050405020304" pitchFamily="18" charset="0"/>
+                <a:cs typeface="Times New Roman" panose="02020603050405020304" pitchFamily="18" charset="0"/>
+              </a:rPr>
+              <a:t> </a:t>
+            </a:r>
+            <a:r>
               <a:rPr lang="pt-BR" sz="2400" b="1" dirty="0">
                 <a:solidFill>
-                  <a:srgbClr val="FF0000"/>
-                </a:solidFill>
-                <a:latin typeface="Times New Roman" panose="02020603050405020304" pitchFamily="18" charset="0"/>
-                <a:cs typeface="Times New Roman" panose="02020603050405020304" pitchFamily="18" charset="0"/>
-              </a:rPr>
-              <a:t>Exemplo</a:t>
+                  <a:schemeClr val="tx1"/>
+                </a:solidFill>
+                <a:latin typeface="Times New Roman" panose="02020603050405020304" pitchFamily="18" charset="0"/>
+                <a:cs typeface="Times New Roman" panose="02020603050405020304" pitchFamily="18" charset="0"/>
+              </a:rPr>
+              <a:t>=&gt; </a:t>
             </a:r>
             <a:r>
               <a:rPr lang="pt-BR" sz="2400" dirty="0">
@@ -10217,14 +10723,9 @@
                 <a:latin typeface="Times New Roman" panose="02020603050405020304" pitchFamily="18" charset="0"/>
                 <a:cs typeface="Times New Roman" panose="02020603050405020304" pitchFamily="18" charset="0"/>
               </a:rPr>
-              <a:t>:</a:t>
-            </a:r>
-          </a:p>
-          <a:p>
-            <a:pPr marL="0" indent="0" algn="just">
-              <a:buNone/>
-            </a:pPr>
-            <a:endParaRPr lang="pt-BR" sz="2400" dirty="0">
+              <a:t>informações que são passadas para uma função.</a:t>
+            </a:r>
+            <a:endParaRPr lang="en-US" sz="2400" dirty="0">
               <a:solidFill>
                 <a:schemeClr val="tx1"/>
               </a:solidFill>
@@ -10237,6 +10738,16 @@
               <a:buNone/>
             </a:pPr>
             <a:r>
+              <a:rPr lang="en-US" sz="2400" b="1" dirty="0" err="1">
+                <a:solidFill>
+                  <a:schemeClr val="tx1"/>
+                </a:solidFill>
+                <a:latin typeface="Times New Roman" panose="02020603050405020304" pitchFamily="18" charset="0"/>
+                <a:cs typeface="Times New Roman" panose="02020603050405020304" pitchFamily="18" charset="0"/>
+              </a:rPr>
+              <a:t>Sintaxe</a:t>
+            </a:r>
+            <a:r>
               <a:rPr lang="en-US" sz="2400" b="1" dirty="0">
                 <a:solidFill>
                   <a:schemeClr val="tx1"/>
@@ -10244,6 +10755,21 @@
                 <a:latin typeface="Times New Roman" panose="02020603050405020304" pitchFamily="18" charset="0"/>
                 <a:cs typeface="Times New Roman" panose="02020603050405020304" pitchFamily="18" charset="0"/>
               </a:rPr>
+              <a:t>:</a:t>
+            </a:r>
+          </a:p>
+          <a:p>
+            <a:pPr marL="619125" lvl="1" indent="0" algn="just">
+              <a:buNone/>
+            </a:pPr>
+            <a:r>
+              <a:rPr lang="en-US" sz="2400" b="1" dirty="0">
+                <a:solidFill>
+                  <a:schemeClr val="tx1"/>
+                </a:solidFill>
+                <a:latin typeface="Times New Roman" panose="02020603050405020304" pitchFamily="18" charset="0"/>
+                <a:cs typeface="Times New Roman" panose="02020603050405020304" pitchFamily="18" charset="0"/>
+              </a:rPr>
               <a:t>def</a:t>
             </a:r>
             <a:r>
@@ -10264,7 +10790,7 @@
                 <a:latin typeface="Times New Roman" panose="02020603050405020304" pitchFamily="18" charset="0"/>
                 <a:cs typeface="Times New Roman" panose="02020603050405020304" pitchFamily="18" charset="0"/>
               </a:rPr>
-              <a:t>hello_world</a:t>
+              <a:t>nome_funcao</a:t>
             </a:r>
             <a:r>
               <a:rPr lang="en-US" sz="2400" dirty="0">
@@ -10274,7 +10800,27 @@
                 <a:latin typeface="Times New Roman" panose="02020603050405020304" pitchFamily="18" charset="0"/>
                 <a:cs typeface="Times New Roman" panose="02020603050405020304" pitchFamily="18" charset="0"/>
               </a:rPr>
-              <a:t>():</a:t>
+              <a:t>(</a:t>
+            </a:r>
+            <a:r>
+              <a:rPr lang="en-US" sz="2400" b="1" dirty="0" err="1">
+                <a:solidFill>
+                  <a:srgbClr val="00B050"/>
+                </a:solidFill>
+                <a:latin typeface="Times New Roman" panose="02020603050405020304" pitchFamily="18" charset="0"/>
+                <a:cs typeface="Times New Roman" panose="02020603050405020304" pitchFamily="18" charset="0"/>
+              </a:rPr>
+              <a:t>argumentos</a:t>
+            </a:r>
+            <a:r>
+              <a:rPr lang="en-US" sz="2400" dirty="0">
+                <a:solidFill>
+                  <a:schemeClr val="tx1"/>
+                </a:solidFill>
+                <a:latin typeface="Times New Roman" panose="02020603050405020304" pitchFamily="18" charset="0"/>
+                <a:cs typeface="Times New Roman" panose="02020603050405020304" pitchFamily="18" charset="0"/>
+              </a:rPr>
+              <a:t>):</a:t>
             </a:r>
           </a:p>
           <a:p>
@@ -10289,17 +10835,67 @@
                 <a:latin typeface="Times New Roman" panose="02020603050405020304" pitchFamily="18" charset="0"/>
                 <a:cs typeface="Times New Roman" panose="02020603050405020304" pitchFamily="18" charset="0"/>
               </a:rPr>
-              <a:t>  </a:t>
+              <a:t>      </a:t>
+            </a:r>
+            <a:r>
+              <a:rPr lang="en-US" sz="2400" b="1" dirty="0" err="1">
+                <a:solidFill>
+                  <a:srgbClr val="0070C0"/>
+                </a:solidFill>
+                <a:latin typeface="Times New Roman" panose="02020603050405020304" pitchFamily="18" charset="0"/>
+                <a:cs typeface="Times New Roman" panose="02020603050405020304" pitchFamily="18" charset="0"/>
+              </a:rPr>
+              <a:t>corpo</a:t>
             </a:r>
             <a:r>
               <a:rPr lang="en-US" sz="2400" b="1" dirty="0">
                 <a:solidFill>
-                  <a:schemeClr val="tx1"/>
-                </a:solidFill>
-                <a:latin typeface="Times New Roman" panose="02020603050405020304" pitchFamily="18" charset="0"/>
-                <a:cs typeface="Times New Roman" panose="02020603050405020304" pitchFamily="18" charset="0"/>
-              </a:rPr>
-              <a:t>print</a:t>
+                  <a:srgbClr val="0070C0"/>
+                </a:solidFill>
+                <a:latin typeface="Times New Roman" panose="02020603050405020304" pitchFamily="18" charset="0"/>
+                <a:cs typeface="Times New Roman" panose="02020603050405020304" pitchFamily="18" charset="0"/>
+              </a:rPr>
+              <a:t> da </a:t>
+            </a:r>
+            <a:r>
+              <a:rPr lang="en-US" sz="2400" b="1" dirty="0" err="1">
+                <a:solidFill>
+                  <a:srgbClr val="0070C0"/>
+                </a:solidFill>
+                <a:latin typeface="Times New Roman" panose="02020603050405020304" pitchFamily="18" charset="0"/>
+                <a:cs typeface="Times New Roman" panose="02020603050405020304" pitchFamily="18" charset="0"/>
+              </a:rPr>
+              <a:t>função</a:t>
+            </a:r>
+            <a:r>
+              <a:rPr lang="en-US" sz="2400" b="1" dirty="0">
+                <a:solidFill>
+                  <a:schemeClr val="tx1"/>
+                </a:solidFill>
+                <a:latin typeface="Times New Roman" panose="02020603050405020304" pitchFamily="18" charset="0"/>
+                <a:cs typeface="Times New Roman" panose="02020603050405020304" pitchFamily="18" charset="0"/>
+              </a:rPr>
+              <a:t> (</a:t>
+            </a:r>
+            <a:r>
+              <a:rPr lang="en-US" sz="2400" b="1" dirty="0" err="1">
+                <a:solidFill>
+                  <a:schemeClr val="tx1"/>
+                </a:solidFill>
+                <a:latin typeface="Times New Roman" panose="02020603050405020304" pitchFamily="18" charset="0"/>
+                <a:cs typeface="Times New Roman" panose="02020603050405020304" pitchFamily="18" charset="0"/>
+              </a:rPr>
+              <a:t>instruções</a:t>
+            </a:r>
+            <a:r>
+              <a:rPr lang="en-US" sz="2400" b="1" dirty="0">
+                <a:solidFill>
+                  <a:schemeClr val="tx1"/>
+                </a:solidFill>
+                <a:latin typeface="Times New Roman" panose="02020603050405020304" pitchFamily="18" charset="0"/>
+                <a:cs typeface="Times New Roman" panose="02020603050405020304" pitchFamily="18" charset="0"/>
+              </a:rPr>
+              <a:t>)</a:t>
             </a:r>
             <a:r>
               <a:rPr lang="en-US" sz="2400" dirty="0">
@@ -10309,47 +10905,77 @@
                 <a:latin typeface="Times New Roman" panose="02020603050405020304" pitchFamily="18" charset="0"/>
                 <a:cs typeface="Times New Roman" panose="02020603050405020304" pitchFamily="18" charset="0"/>
               </a:rPr>
-              <a:t>("Hello World!!!");</a:t>
+              <a:t>;</a:t>
             </a:r>
           </a:p>
           <a:p>
             <a:pPr marL="619125" lvl="1" indent="0" algn="just">
               <a:buNone/>
             </a:pPr>
-            <a:r>
-              <a:rPr lang="en-US" sz="2400" b="1" dirty="0" err="1">
-                <a:solidFill>
-                  <a:srgbClr val="FF0000"/>
-                </a:solidFill>
-                <a:latin typeface="Times New Roman" panose="02020603050405020304" pitchFamily="18" charset="0"/>
-                <a:cs typeface="Times New Roman" panose="02020603050405020304" pitchFamily="18" charset="0"/>
-              </a:rPr>
-              <a:t>hello_world</a:t>
-            </a:r>
-            <a:r>
-              <a:rPr lang="en-US" sz="2400" b="1" dirty="0">
-                <a:solidFill>
-                  <a:srgbClr val="FF0000"/>
-                </a:solidFill>
-                <a:latin typeface="Times New Roman" panose="02020603050405020304" pitchFamily="18" charset="0"/>
-                <a:cs typeface="Times New Roman" panose="02020603050405020304" pitchFamily="18" charset="0"/>
-              </a:rPr>
-              <a:t>();</a:t>
-            </a:r>
-            <a:endParaRPr lang="pt-BR" sz="2400" b="1" dirty="0">
+            <a:endParaRPr lang="en-US" sz="2400" dirty="0">
               <a:solidFill>
-                <a:srgbClr val="FF0000"/>
+                <a:schemeClr val="tx1"/>
               </a:solidFill>
               <a:latin typeface="Times New Roman" panose="02020603050405020304" pitchFamily="18" charset="0"/>
               <a:cs typeface="Times New Roman" panose="02020603050405020304" pitchFamily="18" charset="0"/>
             </a:endParaRPr>
           </a:p>
+          <a:p>
+            <a:pPr marL="619125" lvl="1" indent="0" algn="just">
+              <a:buNone/>
+            </a:pPr>
+            <a:r>
+              <a:rPr lang="en-US" sz="2400" b="1" dirty="0" err="1">
+                <a:solidFill>
+                  <a:srgbClr val="FF0000"/>
+                </a:solidFill>
+                <a:latin typeface="Times New Roman" panose="02020603050405020304" pitchFamily="18" charset="0"/>
+                <a:cs typeface="Times New Roman" panose="02020603050405020304" pitchFamily="18" charset="0"/>
+              </a:rPr>
+              <a:t>nome_funcao</a:t>
+            </a:r>
+            <a:r>
+              <a:rPr lang="en-US" sz="2400" b="1" dirty="0">
+                <a:solidFill>
+                  <a:srgbClr val="FF0000"/>
+                </a:solidFill>
+                <a:latin typeface="Times New Roman" panose="02020603050405020304" pitchFamily="18" charset="0"/>
+                <a:cs typeface="Times New Roman" panose="02020603050405020304" pitchFamily="18" charset="0"/>
+              </a:rPr>
+              <a:t>(); // </a:t>
+            </a:r>
+            <a:r>
+              <a:rPr lang="en-US" sz="2400" b="1" dirty="0" err="1">
+                <a:latin typeface="Times New Roman" panose="02020603050405020304" pitchFamily="18" charset="0"/>
+                <a:cs typeface="Times New Roman" panose="02020603050405020304" pitchFamily="18" charset="0"/>
+              </a:rPr>
+              <a:t>Chamada</a:t>
+            </a:r>
+            <a:r>
+              <a:rPr lang="en-US" sz="2400" b="1" dirty="0">
+                <a:latin typeface="Times New Roman" panose="02020603050405020304" pitchFamily="18" charset="0"/>
+                <a:cs typeface="Times New Roman" panose="02020603050405020304" pitchFamily="18" charset="0"/>
+              </a:rPr>
+              <a:t> da </a:t>
+            </a:r>
+            <a:r>
+              <a:rPr lang="en-US" sz="2400" b="1" dirty="0" err="1">
+                <a:latin typeface="Times New Roman" panose="02020603050405020304" pitchFamily="18" charset="0"/>
+                <a:cs typeface="Times New Roman" panose="02020603050405020304" pitchFamily="18" charset="0"/>
+              </a:rPr>
+              <a:t>função</a:t>
+            </a:r>
+            <a:endParaRPr lang="pt-BR" sz="2400" b="1" dirty="0">
+              <a:latin typeface="Times New Roman" panose="02020603050405020304" pitchFamily="18" charset="0"/>
+              <a:cs typeface="Times New Roman" panose="02020603050405020304" pitchFamily="18" charset="0"/>
+            </a:endParaRPr>
+          </a:p>
         </p:txBody>
       </p:sp>
     </p:spTree>
     <p:extLst>
       <p:ext uri="{BB962C8B-B14F-4D97-AF65-F5344CB8AC3E}">
-        <p14:creationId xmlns:p14="http://schemas.microsoft.com/office/powerpoint/2010/main" val="979329261"/>
+        <p14:creationId xmlns:p14="http://schemas.microsoft.com/office/powerpoint/2010/main" val="2819465998"/>
       </p:ext>
     </p:extLst>
   </p:cSld>
@@ -10473,120 +11099,10 @@
             </a:r>
           </a:p>
           <a:p>
-            <a:pPr marL="619125" lvl="1" indent="0" algn="just">
+            <a:pPr marL="0" indent="0" algn="just">
               <a:buNone/>
             </a:pPr>
-            <a:r>
-              <a:rPr lang="en-US" sz="2400" b="1" dirty="0">
-                <a:solidFill>
-                  <a:schemeClr val="tx1"/>
-                </a:solidFill>
-                <a:latin typeface="Times New Roman" panose="02020603050405020304" pitchFamily="18" charset="0"/>
-                <a:cs typeface="Times New Roman" panose="02020603050405020304" pitchFamily="18" charset="0"/>
-              </a:rPr>
-              <a:t>def </a:t>
-            </a:r>
-            <a:r>
-              <a:rPr lang="en-US" sz="2400" b="1" dirty="0" err="1">
-                <a:solidFill>
-                  <a:srgbClr val="FF0000"/>
-                </a:solidFill>
-                <a:latin typeface="Times New Roman" panose="02020603050405020304" pitchFamily="18" charset="0"/>
-                <a:cs typeface="Times New Roman" panose="02020603050405020304" pitchFamily="18" charset="0"/>
-              </a:rPr>
-              <a:t>imprimeNome</a:t>
-            </a:r>
-            <a:r>
-              <a:rPr lang="en-US" sz="2400" dirty="0">
-                <a:solidFill>
-                  <a:schemeClr val="tx1"/>
-                </a:solidFill>
-                <a:latin typeface="Times New Roman" panose="02020603050405020304" pitchFamily="18" charset="0"/>
-                <a:cs typeface="Times New Roman" panose="02020603050405020304" pitchFamily="18" charset="0"/>
-              </a:rPr>
-              <a:t>(</a:t>
-            </a:r>
-            <a:r>
-              <a:rPr lang="en-US" sz="2400" dirty="0" err="1">
-                <a:solidFill>
-                  <a:schemeClr val="tx1"/>
-                </a:solidFill>
-                <a:latin typeface="Times New Roman" panose="02020603050405020304" pitchFamily="18" charset="0"/>
-                <a:cs typeface="Times New Roman" panose="02020603050405020304" pitchFamily="18" charset="0"/>
-              </a:rPr>
-              <a:t>fnome</a:t>
-            </a:r>
-            <a:r>
-              <a:rPr lang="en-US" sz="2400" dirty="0">
-                <a:solidFill>
-                  <a:schemeClr val="tx1"/>
-                </a:solidFill>
-                <a:latin typeface="Times New Roman" panose="02020603050405020304" pitchFamily="18" charset="0"/>
-                <a:cs typeface="Times New Roman" panose="02020603050405020304" pitchFamily="18" charset="0"/>
-              </a:rPr>
-              <a:t>):</a:t>
-            </a:r>
-          </a:p>
-          <a:p>
-            <a:pPr marL="619125" lvl="1" indent="0" algn="just">
-              <a:buNone/>
-            </a:pPr>
-            <a:r>
-              <a:rPr lang="en-US" sz="2400" dirty="0">
-                <a:solidFill>
-                  <a:schemeClr val="tx1"/>
-                </a:solidFill>
-                <a:latin typeface="Times New Roman" panose="02020603050405020304" pitchFamily="18" charset="0"/>
-                <a:cs typeface="Times New Roman" panose="02020603050405020304" pitchFamily="18" charset="0"/>
-              </a:rPr>
-              <a:t>  </a:t>
-            </a:r>
-            <a:r>
-              <a:rPr lang="en-US" sz="2400" b="1" dirty="0">
-                <a:solidFill>
-                  <a:schemeClr val="tx1"/>
-                </a:solidFill>
-                <a:latin typeface="Times New Roman" panose="02020603050405020304" pitchFamily="18" charset="0"/>
-                <a:cs typeface="Times New Roman" panose="02020603050405020304" pitchFamily="18" charset="0"/>
-              </a:rPr>
-              <a:t>print</a:t>
-            </a:r>
-            <a:r>
-              <a:rPr lang="en-US" sz="2400" dirty="0">
-                <a:solidFill>
-                  <a:schemeClr val="tx1"/>
-                </a:solidFill>
-                <a:latin typeface="Times New Roman" panose="02020603050405020304" pitchFamily="18" charset="0"/>
-                <a:cs typeface="Times New Roman" panose="02020603050405020304" pitchFamily="18" charset="0"/>
-              </a:rPr>
-              <a:t>(</a:t>
-            </a:r>
-            <a:r>
-              <a:rPr lang="en-US" sz="2400" dirty="0" err="1">
-                <a:solidFill>
-                  <a:schemeClr val="tx1"/>
-                </a:solidFill>
-                <a:latin typeface="Times New Roman" panose="02020603050405020304" pitchFamily="18" charset="0"/>
-                <a:cs typeface="Times New Roman" panose="02020603050405020304" pitchFamily="18" charset="0"/>
-              </a:rPr>
-              <a:t>fnome</a:t>
-            </a:r>
-            <a:r>
-              <a:rPr lang="en-US" sz="2400" dirty="0">
-                <a:solidFill>
-                  <a:schemeClr val="tx1"/>
-                </a:solidFill>
-                <a:latin typeface="Times New Roman" panose="02020603050405020304" pitchFamily="18" charset="0"/>
-                <a:cs typeface="Times New Roman" panose="02020603050405020304" pitchFamily="18" charset="0"/>
-              </a:rPr>
-              <a:t> + " Cardoso");</a:t>
-            </a:r>
-          </a:p>
-          <a:p>
-            <a:pPr marL="619125" lvl="1" indent="0" algn="just">
-              <a:buNone/>
-            </a:pPr>
-            <a:endParaRPr lang="en-US" sz="2400" dirty="0">
+            <a:endParaRPr lang="pt-BR" sz="2400" dirty="0">
               <a:solidFill>
                 <a:schemeClr val="tx1"/>
               </a:solidFill>
@@ -10599,6 +11115,26 @@
               <a:buNone/>
             </a:pPr>
             <a:r>
+              <a:rPr lang="en-US" sz="2400" b="1" dirty="0">
+                <a:solidFill>
+                  <a:schemeClr val="tx1"/>
+                </a:solidFill>
+                <a:latin typeface="Times New Roman" panose="02020603050405020304" pitchFamily="18" charset="0"/>
+                <a:cs typeface="Times New Roman" panose="02020603050405020304" pitchFamily="18" charset="0"/>
+              </a:rPr>
+              <a:t>def</a:t>
+            </a:r>
+            <a:r>
+              <a:rPr lang="en-US" sz="2400" dirty="0">
+                <a:solidFill>
+                  <a:schemeClr val="tx1"/>
+                </a:solidFill>
+                <a:latin typeface="Times New Roman" panose="02020603050405020304" pitchFamily="18" charset="0"/>
+                <a:cs typeface="Times New Roman" panose="02020603050405020304" pitchFamily="18" charset="0"/>
+              </a:rPr>
+              <a:t> </a:t>
+            </a:r>
+            <a:r>
               <a:rPr lang="en-US" sz="2400" b="1" dirty="0" err="1">
                 <a:solidFill>
                   <a:srgbClr val="FF0000"/>
@@ -10606,7 +11142,7 @@
                 <a:latin typeface="Times New Roman" panose="02020603050405020304" pitchFamily="18" charset="0"/>
                 <a:cs typeface="Times New Roman" panose="02020603050405020304" pitchFamily="18" charset="0"/>
               </a:rPr>
-              <a:t>imprimeNome</a:t>
+              <a:t>hello_world</a:t>
             </a:r>
             <a:r>
               <a:rPr lang="en-US" sz="2400" dirty="0">
@@ -10616,7 +11152,7 @@
                 <a:latin typeface="Times New Roman" panose="02020603050405020304" pitchFamily="18" charset="0"/>
                 <a:cs typeface="Times New Roman" panose="02020603050405020304" pitchFamily="18" charset="0"/>
               </a:rPr>
-              <a:t>(“Julia");</a:t>
+              <a:t>():</a:t>
             </a:r>
           </a:p>
           <a:p>
@@ -10624,6 +11160,41 @@
               <a:buNone/>
             </a:pPr>
             <a:r>
+              <a:rPr lang="en-US" sz="2400" dirty="0">
+                <a:solidFill>
+                  <a:schemeClr val="tx1"/>
+                </a:solidFill>
+                <a:latin typeface="Times New Roman" panose="02020603050405020304" pitchFamily="18" charset="0"/>
+                <a:cs typeface="Times New Roman" panose="02020603050405020304" pitchFamily="18" charset="0"/>
+              </a:rPr>
+              <a:t>  </a:t>
+            </a:r>
+            <a:r>
+              <a:rPr lang="en-US" sz="2400" b="1" dirty="0">
+                <a:solidFill>
+                  <a:schemeClr val="tx1"/>
+                </a:solidFill>
+                <a:latin typeface="Times New Roman" panose="02020603050405020304" pitchFamily="18" charset="0"/>
+                <a:cs typeface="Times New Roman" panose="02020603050405020304" pitchFamily="18" charset="0"/>
+              </a:rPr>
+              <a:t>print</a:t>
+            </a:r>
+            <a:r>
+              <a:rPr lang="en-US" sz="2400" dirty="0">
+                <a:solidFill>
+                  <a:schemeClr val="tx1"/>
+                </a:solidFill>
+                <a:latin typeface="Times New Roman" panose="02020603050405020304" pitchFamily="18" charset="0"/>
+                <a:cs typeface="Times New Roman" panose="02020603050405020304" pitchFamily="18" charset="0"/>
+              </a:rPr>
+              <a:t>("Hello World!!!");</a:t>
+            </a:r>
+          </a:p>
+          <a:p>
+            <a:pPr marL="619125" lvl="1" indent="0" algn="just">
+              <a:buNone/>
+            </a:pPr>
+            <a:r>
               <a:rPr lang="en-US" sz="2400" b="1" dirty="0" err="1">
                 <a:solidFill>
                   <a:srgbClr val="FF0000"/>
@@ -10631,64 +11202,19 @@
                 <a:latin typeface="Times New Roman" panose="02020603050405020304" pitchFamily="18" charset="0"/>
                 <a:cs typeface="Times New Roman" panose="02020603050405020304" pitchFamily="18" charset="0"/>
               </a:rPr>
-              <a:t>imprimeNome</a:t>
-            </a:r>
-            <a:r>
-              <a:rPr lang="en-US" sz="2400" dirty="0">
-                <a:solidFill>
-                  <a:schemeClr val="tx1"/>
-                </a:solidFill>
-                <a:latin typeface="Times New Roman" panose="02020603050405020304" pitchFamily="18" charset="0"/>
-                <a:cs typeface="Times New Roman" panose="02020603050405020304" pitchFamily="18" charset="0"/>
-              </a:rPr>
-              <a:t>(“</a:t>
-            </a:r>
-            <a:r>
-              <a:rPr lang="en-US" sz="2400" dirty="0" err="1">
-                <a:solidFill>
-                  <a:schemeClr val="tx1"/>
-                </a:solidFill>
-                <a:latin typeface="Times New Roman" panose="02020603050405020304" pitchFamily="18" charset="0"/>
-                <a:cs typeface="Times New Roman" panose="02020603050405020304" pitchFamily="18" charset="0"/>
-              </a:rPr>
-              <a:t>Josy</a:t>
-            </a:r>
-            <a:r>
-              <a:rPr lang="en-US" sz="2400" dirty="0">
-                <a:solidFill>
-                  <a:schemeClr val="tx1"/>
-                </a:solidFill>
-                <a:latin typeface="Times New Roman" panose="02020603050405020304" pitchFamily="18" charset="0"/>
-                <a:cs typeface="Times New Roman" panose="02020603050405020304" pitchFamily="18" charset="0"/>
-              </a:rPr>
-              <a:t>");</a:t>
-            </a:r>
-          </a:p>
-          <a:p>
-            <a:pPr marL="619125" lvl="1" indent="0" algn="just">
-              <a:buNone/>
-            </a:pPr>
-            <a:r>
-              <a:rPr lang="en-US" sz="2400" b="1" dirty="0" err="1">
+              <a:t>hello_world</a:t>
+            </a:r>
+            <a:r>
+              <a:rPr lang="en-US" sz="2400" b="1" dirty="0">
                 <a:solidFill>
                   <a:srgbClr val="FF0000"/>
                 </a:solidFill>
                 <a:latin typeface="Times New Roman" panose="02020603050405020304" pitchFamily="18" charset="0"/>
                 <a:cs typeface="Times New Roman" panose="02020603050405020304" pitchFamily="18" charset="0"/>
               </a:rPr>
-              <a:t>imprimeNome</a:t>
-            </a:r>
-            <a:r>
-              <a:rPr lang="en-US" sz="2400" dirty="0">
-                <a:solidFill>
-                  <a:schemeClr val="tx1"/>
-                </a:solidFill>
-                <a:latin typeface="Times New Roman" panose="02020603050405020304" pitchFamily="18" charset="0"/>
-                <a:cs typeface="Times New Roman" panose="02020603050405020304" pitchFamily="18" charset="0"/>
-              </a:rPr>
-              <a:t>(“Maria");</a:t>
-            </a:r>
-            <a:endParaRPr lang="pt-BR" sz="2400" dirty="0">
+              <a:t>();</a:t>
+            </a:r>
+            <a:endParaRPr lang="pt-BR" sz="2400" b="1" dirty="0">
               <a:solidFill>
                 <a:srgbClr val="FF0000"/>
               </a:solidFill>
@@ -10701,7 +11227,7 @@
     </p:spTree>
     <p:extLst>
       <p:ext uri="{BB962C8B-B14F-4D97-AF65-F5344CB8AC3E}">
-        <p14:creationId xmlns:p14="http://schemas.microsoft.com/office/powerpoint/2010/main" val="3490725523"/>
+        <p14:creationId xmlns:p14="http://schemas.microsoft.com/office/powerpoint/2010/main" val="979329261"/>
       </p:ext>
     </p:extLst>
   </p:cSld>
@@ -10825,22 +11351,75 @@
             </a:r>
           </a:p>
           <a:p>
-            <a:pPr marL="0" indent="0" algn="just">
+            <a:pPr marL="619125" lvl="1" indent="0" algn="just">
               <a:buNone/>
             </a:pPr>
-            <a:endParaRPr lang="pt-BR" sz="2400" dirty="0">
-              <a:solidFill>
-                <a:schemeClr val="tx1"/>
-              </a:solidFill>
-              <a:latin typeface="Times New Roman" panose="02020603050405020304" pitchFamily="18" charset="0"/>
-              <a:cs typeface="Times New Roman" panose="02020603050405020304" pitchFamily="18" charset="0"/>
-            </a:endParaRPr>
+            <a:r>
+              <a:rPr lang="en-US" sz="2400" b="1" dirty="0">
+                <a:solidFill>
+                  <a:schemeClr val="tx1"/>
+                </a:solidFill>
+                <a:latin typeface="Times New Roman" panose="02020603050405020304" pitchFamily="18" charset="0"/>
+                <a:cs typeface="Times New Roman" panose="02020603050405020304" pitchFamily="18" charset="0"/>
+              </a:rPr>
+              <a:t>def </a:t>
+            </a:r>
+            <a:r>
+              <a:rPr lang="en-US" sz="2400" b="1" dirty="0" err="1">
+                <a:solidFill>
+                  <a:srgbClr val="FF0000"/>
+                </a:solidFill>
+                <a:latin typeface="Times New Roman" panose="02020603050405020304" pitchFamily="18" charset="0"/>
+                <a:cs typeface="Times New Roman" panose="02020603050405020304" pitchFamily="18" charset="0"/>
+              </a:rPr>
+              <a:t>imprimeNome</a:t>
+            </a:r>
+            <a:r>
+              <a:rPr lang="en-US" sz="2400" dirty="0">
+                <a:solidFill>
+                  <a:schemeClr val="tx1"/>
+                </a:solidFill>
+                <a:latin typeface="Times New Roman" panose="02020603050405020304" pitchFamily="18" charset="0"/>
+                <a:cs typeface="Times New Roman" panose="02020603050405020304" pitchFamily="18" charset="0"/>
+              </a:rPr>
+              <a:t>(</a:t>
+            </a:r>
+            <a:r>
+              <a:rPr lang="en-US" sz="2400" dirty="0" err="1">
+                <a:solidFill>
+                  <a:schemeClr val="tx1"/>
+                </a:solidFill>
+                <a:latin typeface="Times New Roman" panose="02020603050405020304" pitchFamily="18" charset="0"/>
+                <a:cs typeface="Times New Roman" panose="02020603050405020304" pitchFamily="18" charset="0"/>
+              </a:rPr>
+              <a:t>fnome</a:t>
+            </a:r>
+            <a:r>
+              <a:rPr lang="en-US" sz="2400" dirty="0">
+                <a:solidFill>
+                  <a:schemeClr val="tx1"/>
+                </a:solidFill>
+                <a:latin typeface="Times New Roman" panose="02020603050405020304" pitchFamily="18" charset="0"/>
+                <a:cs typeface="Times New Roman" panose="02020603050405020304" pitchFamily="18" charset="0"/>
+              </a:rPr>
+              <a:t>):</a:t>
+            </a:r>
           </a:p>
           <a:p>
             <a:pPr marL="619125" lvl="1" indent="0" algn="just">
               <a:buNone/>
             </a:pPr>
             <a:r>
+              <a:rPr lang="en-US" sz="2400" dirty="0">
+                <a:solidFill>
+                  <a:schemeClr val="tx1"/>
+                </a:solidFill>
+                <a:latin typeface="Times New Roman" panose="02020603050405020304" pitchFamily="18" charset="0"/>
+                <a:cs typeface="Times New Roman" panose="02020603050405020304" pitchFamily="18" charset="0"/>
+              </a:rPr>
+              <a:t>  </a:t>
+            </a:r>
+            <a:r>
               <a:rPr lang="en-US" sz="2400" b="1" dirty="0">
                 <a:solidFill>
                   <a:schemeClr val="tx1"/>
@@ -10848,7 +11427,7 @@
                 <a:latin typeface="Times New Roman" panose="02020603050405020304" pitchFamily="18" charset="0"/>
                 <a:cs typeface="Times New Roman" panose="02020603050405020304" pitchFamily="18" charset="0"/>
               </a:rPr>
-              <a:t>def</a:t>
+              <a:t>print</a:t>
             </a:r>
             <a:r>
               <a:rPr lang="en-US" sz="2400" dirty="0">
@@ -10858,17 +11437,17 @@
                 <a:latin typeface="Times New Roman" panose="02020603050405020304" pitchFamily="18" charset="0"/>
                 <a:cs typeface="Times New Roman" panose="02020603050405020304" pitchFamily="18" charset="0"/>
               </a:rPr>
-              <a:t> </a:t>
-            </a:r>
-            <a:r>
-              <a:rPr lang="en-US" sz="2400" b="1" dirty="0" err="1">
-                <a:solidFill>
-                  <a:srgbClr val="FF0000"/>
-                </a:solidFill>
-                <a:latin typeface="Times New Roman" panose="02020603050405020304" pitchFamily="18" charset="0"/>
-                <a:cs typeface="Times New Roman" panose="02020603050405020304" pitchFamily="18" charset="0"/>
-              </a:rPr>
-              <a:t>imprimeNome</a:t>
+              <a:t>(</a:t>
+            </a:r>
+            <a:r>
+              <a:rPr lang="en-US" sz="2400" dirty="0" err="1">
+                <a:solidFill>
+                  <a:schemeClr val="tx1"/>
+                </a:solidFill>
+                <a:latin typeface="Times New Roman" panose="02020603050405020304" pitchFamily="18" charset="0"/>
+                <a:cs typeface="Times New Roman" panose="02020603050405020304" pitchFamily="18" charset="0"/>
+              </a:rPr>
+              <a:t>fnome</a:t>
             </a:r>
             <a:r>
               <a:rPr lang="en-US" sz="2400" dirty="0">
@@ -10878,122 +11457,7 @@
                 <a:latin typeface="Times New Roman" panose="02020603050405020304" pitchFamily="18" charset="0"/>
                 <a:cs typeface="Times New Roman" panose="02020603050405020304" pitchFamily="18" charset="0"/>
               </a:rPr>
-              <a:t>(</a:t>
-            </a:r>
-            <a:r>
-              <a:rPr lang="en-US" sz="2400" dirty="0" err="1">
-                <a:solidFill>
-                  <a:schemeClr val="tx1"/>
-                </a:solidFill>
-                <a:latin typeface="Times New Roman" panose="02020603050405020304" pitchFamily="18" charset="0"/>
-                <a:cs typeface="Times New Roman" panose="02020603050405020304" pitchFamily="18" charset="0"/>
-              </a:rPr>
-              <a:t>fnome</a:t>
-            </a:r>
-            <a:r>
-              <a:rPr lang="en-US" sz="2400" dirty="0">
-                <a:solidFill>
-                  <a:schemeClr val="tx1"/>
-                </a:solidFill>
-                <a:latin typeface="Times New Roman" panose="02020603050405020304" pitchFamily="18" charset="0"/>
-                <a:cs typeface="Times New Roman" panose="02020603050405020304" pitchFamily="18" charset="0"/>
-              </a:rPr>
-              <a:t>, </a:t>
-            </a:r>
-            <a:r>
-              <a:rPr lang="en-US" sz="2400" dirty="0" err="1">
-                <a:solidFill>
-                  <a:schemeClr val="tx1"/>
-                </a:solidFill>
-                <a:latin typeface="Times New Roman" panose="02020603050405020304" pitchFamily="18" charset="0"/>
-                <a:cs typeface="Times New Roman" panose="02020603050405020304" pitchFamily="18" charset="0"/>
-              </a:rPr>
-              <a:t>lnome</a:t>
-            </a:r>
-            <a:r>
-              <a:rPr lang="en-US" sz="2400" dirty="0">
-                <a:solidFill>
-                  <a:schemeClr val="tx1"/>
-                </a:solidFill>
-                <a:latin typeface="Times New Roman" panose="02020603050405020304" pitchFamily="18" charset="0"/>
-                <a:cs typeface="Times New Roman" panose="02020603050405020304" pitchFamily="18" charset="0"/>
-              </a:rPr>
-              <a:t>):</a:t>
-            </a:r>
-          </a:p>
-          <a:p>
-            <a:pPr marL="619125" lvl="1" indent="0" algn="just">
-              <a:buNone/>
-            </a:pPr>
-            <a:r>
-              <a:rPr lang="en-US" sz="2400" dirty="0">
-                <a:solidFill>
-                  <a:schemeClr val="tx1"/>
-                </a:solidFill>
-                <a:latin typeface="Times New Roman" panose="02020603050405020304" pitchFamily="18" charset="0"/>
-                <a:cs typeface="Times New Roman" panose="02020603050405020304" pitchFamily="18" charset="0"/>
-              </a:rPr>
-              <a:t>  </a:t>
-            </a:r>
-            <a:r>
-              <a:rPr lang="en-US" sz="2400" b="1" dirty="0">
-                <a:solidFill>
-                  <a:schemeClr val="tx1"/>
-                </a:solidFill>
-                <a:latin typeface="Times New Roman" panose="02020603050405020304" pitchFamily="18" charset="0"/>
-                <a:cs typeface="Times New Roman" panose="02020603050405020304" pitchFamily="18" charset="0"/>
-              </a:rPr>
-              <a:t>print</a:t>
-            </a:r>
-            <a:r>
-              <a:rPr lang="en-US" sz="2400" dirty="0">
-                <a:solidFill>
-                  <a:schemeClr val="tx1"/>
-                </a:solidFill>
-                <a:latin typeface="Times New Roman" panose="02020603050405020304" pitchFamily="18" charset="0"/>
-                <a:cs typeface="Times New Roman" panose="02020603050405020304" pitchFamily="18" charset="0"/>
-              </a:rPr>
-              <a:t>(</a:t>
-            </a:r>
-            <a:r>
-              <a:rPr lang="en-US" sz="2400" dirty="0" err="1">
-                <a:solidFill>
-                  <a:schemeClr val="tx1"/>
-                </a:solidFill>
-                <a:latin typeface="Times New Roman" panose="02020603050405020304" pitchFamily="18" charset="0"/>
-                <a:cs typeface="Times New Roman" panose="02020603050405020304" pitchFamily="18" charset="0"/>
-              </a:rPr>
-              <a:t>fnome</a:t>
-            </a:r>
-            <a:r>
-              <a:rPr lang="en-US" sz="2400" dirty="0">
-                <a:solidFill>
-                  <a:schemeClr val="tx1"/>
-                </a:solidFill>
-                <a:latin typeface="Times New Roman" panose="02020603050405020304" pitchFamily="18" charset="0"/>
-                <a:cs typeface="Times New Roman" panose="02020603050405020304" pitchFamily="18" charset="0"/>
-              </a:rPr>
-              <a:t> + " " + </a:t>
-            </a:r>
-            <a:r>
-              <a:rPr lang="en-US" sz="2400" dirty="0" err="1">
-                <a:solidFill>
-                  <a:schemeClr val="tx1"/>
-                </a:solidFill>
-                <a:latin typeface="Times New Roman" panose="02020603050405020304" pitchFamily="18" charset="0"/>
-                <a:cs typeface="Times New Roman" panose="02020603050405020304" pitchFamily="18" charset="0"/>
-              </a:rPr>
-              <a:t>lnome</a:t>
-            </a:r>
-            <a:r>
-              <a:rPr lang="en-US" sz="2400" dirty="0">
-                <a:solidFill>
-                  <a:schemeClr val="tx1"/>
-                </a:solidFill>
-                <a:latin typeface="Times New Roman" panose="02020603050405020304" pitchFamily="18" charset="0"/>
-                <a:cs typeface="Times New Roman" panose="02020603050405020304" pitchFamily="18" charset="0"/>
-              </a:rPr>
-              <a:t>);</a:t>
+              <a:t> + " Cardoso");</a:t>
             </a:r>
           </a:p>
           <a:p>
@@ -11030,7 +11494,77 @@
                 <a:latin typeface="Times New Roman" panose="02020603050405020304" pitchFamily="18" charset="0"/>
                 <a:cs typeface="Times New Roman" panose="02020603050405020304" pitchFamily="18" charset="0"/>
               </a:rPr>
-              <a:t>(“Julia", “Cardoso");</a:t>
+              <a:t>(“Julia");</a:t>
+            </a:r>
+          </a:p>
+          <a:p>
+            <a:pPr marL="619125" lvl="1" indent="0" algn="just">
+              <a:buNone/>
+            </a:pPr>
+            <a:r>
+              <a:rPr lang="en-US" sz="2400" b="1" dirty="0" err="1">
+                <a:solidFill>
+                  <a:srgbClr val="FF0000"/>
+                </a:solidFill>
+                <a:latin typeface="Times New Roman" panose="02020603050405020304" pitchFamily="18" charset="0"/>
+                <a:cs typeface="Times New Roman" panose="02020603050405020304" pitchFamily="18" charset="0"/>
+              </a:rPr>
+              <a:t>imprimeNome</a:t>
+            </a:r>
+            <a:r>
+              <a:rPr lang="en-US" sz="2400" dirty="0">
+                <a:solidFill>
+                  <a:schemeClr val="tx1"/>
+                </a:solidFill>
+                <a:latin typeface="Times New Roman" panose="02020603050405020304" pitchFamily="18" charset="0"/>
+                <a:cs typeface="Times New Roman" panose="02020603050405020304" pitchFamily="18" charset="0"/>
+              </a:rPr>
+              <a:t>(“</a:t>
+            </a:r>
+            <a:r>
+              <a:rPr lang="en-US" sz="2400" dirty="0" err="1">
+                <a:solidFill>
+                  <a:schemeClr val="tx1"/>
+                </a:solidFill>
+                <a:latin typeface="Times New Roman" panose="02020603050405020304" pitchFamily="18" charset="0"/>
+                <a:cs typeface="Times New Roman" panose="02020603050405020304" pitchFamily="18" charset="0"/>
+              </a:rPr>
+              <a:t>Josy</a:t>
+            </a:r>
+            <a:r>
+              <a:rPr lang="en-US" sz="2400" dirty="0">
+                <a:solidFill>
+                  <a:schemeClr val="tx1"/>
+                </a:solidFill>
+                <a:latin typeface="Times New Roman" panose="02020603050405020304" pitchFamily="18" charset="0"/>
+                <a:cs typeface="Times New Roman" panose="02020603050405020304" pitchFamily="18" charset="0"/>
+              </a:rPr>
+              <a:t>");</a:t>
+            </a:r>
+          </a:p>
+          <a:p>
+            <a:pPr marL="619125" lvl="1" indent="0" algn="just">
+              <a:buNone/>
+            </a:pPr>
+            <a:r>
+              <a:rPr lang="en-US" sz="2400" b="1" dirty="0" err="1">
+                <a:solidFill>
+                  <a:srgbClr val="FF0000"/>
+                </a:solidFill>
+                <a:latin typeface="Times New Roman" panose="02020603050405020304" pitchFamily="18" charset="0"/>
+                <a:cs typeface="Times New Roman" panose="02020603050405020304" pitchFamily="18" charset="0"/>
+              </a:rPr>
+              <a:t>imprimeNome</a:t>
+            </a:r>
+            <a:r>
+              <a:rPr lang="en-US" sz="2400" dirty="0">
+                <a:solidFill>
+                  <a:schemeClr val="tx1"/>
+                </a:solidFill>
+                <a:latin typeface="Times New Roman" panose="02020603050405020304" pitchFamily="18" charset="0"/>
+                <a:cs typeface="Times New Roman" panose="02020603050405020304" pitchFamily="18" charset="0"/>
+              </a:rPr>
+              <a:t>(“Maria");</a:t>
             </a:r>
             <a:endParaRPr lang="pt-BR" sz="2400" dirty="0">
               <a:solidFill>
@@ -11045,7 +11579,7 @@
     </p:spTree>
     <p:extLst>
       <p:ext uri="{BB962C8B-B14F-4D97-AF65-F5344CB8AC3E}">
-        <p14:creationId xmlns:p14="http://schemas.microsoft.com/office/powerpoint/2010/main" val="787605845"/>
+        <p14:creationId xmlns:p14="http://schemas.microsoft.com/office/powerpoint/2010/main" val="3490725523"/>
       </p:ext>
     </p:extLst>
   </p:cSld>
@@ -11165,8 +11699,20 @@
                 <a:latin typeface="Times New Roman" panose="02020603050405020304" pitchFamily="18" charset="0"/>
                 <a:cs typeface="Times New Roman" panose="02020603050405020304" pitchFamily="18" charset="0"/>
               </a:rPr>
-              <a:t>: Errado</a:t>
-            </a:r>
+              <a:t>:</a:t>
+            </a:r>
+          </a:p>
+          <a:p>
+            <a:pPr marL="0" indent="0" algn="just">
+              <a:buNone/>
+            </a:pPr>
+            <a:endParaRPr lang="pt-BR" sz="2400" dirty="0">
+              <a:solidFill>
+                <a:schemeClr val="tx1"/>
+              </a:solidFill>
+              <a:latin typeface="Times New Roman" panose="02020603050405020304" pitchFamily="18" charset="0"/>
+              <a:cs typeface="Times New Roman" panose="02020603050405020304" pitchFamily="18" charset="0"/>
+            </a:endParaRPr>
           </a:p>
           <a:p>
             <a:pPr marL="619125" lvl="1" indent="0" algn="just">
@@ -11180,7 +11726,17 @@
                 <a:latin typeface="Times New Roman" panose="02020603050405020304" pitchFamily="18" charset="0"/>
                 <a:cs typeface="Times New Roman" panose="02020603050405020304" pitchFamily="18" charset="0"/>
               </a:rPr>
-              <a:t>def </a:t>
+              <a:t>def</a:t>
+            </a:r>
+            <a:r>
+              <a:rPr lang="en-US" sz="2400" dirty="0">
+                <a:solidFill>
+                  <a:schemeClr val="tx1"/>
+                </a:solidFill>
+                <a:latin typeface="Times New Roman" panose="02020603050405020304" pitchFamily="18" charset="0"/>
+                <a:cs typeface="Times New Roman" panose="02020603050405020304" pitchFamily="18" charset="0"/>
+              </a:rPr>
+              <a:t> </a:t>
             </a:r>
             <a:r>
               <a:rPr lang="en-US" sz="2400" b="1" dirty="0" err="1">
@@ -11211,6 +11767,26 @@
                 <a:cs typeface="Times New Roman" panose="02020603050405020304" pitchFamily="18" charset="0"/>
               </a:rPr>
               <a:t>fnome</a:t>
+            </a:r>
+            <a:r>
+              <a:rPr lang="en-US" sz="2400" dirty="0">
+                <a:solidFill>
+                  <a:schemeClr val="tx1"/>
+                </a:solidFill>
+                <a:latin typeface="Times New Roman" panose="02020603050405020304" pitchFamily="18" charset="0"/>
+                <a:cs typeface="Times New Roman" panose="02020603050405020304" pitchFamily="18" charset="0"/>
+              </a:rPr>
+              <a:t>, </a:t>
+            </a:r>
+            <a:r>
+              <a:rPr lang="en-US" sz="2400" dirty="0" err="1">
+                <a:solidFill>
+                  <a:schemeClr val="tx1"/>
+                </a:solidFill>
+                <a:latin typeface="Times New Roman" panose="02020603050405020304" pitchFamily="18" charset="0"/>
+                <a:cs typeface="Times New Roman" panose="02020603050405020304" pitchFamily="18" charset="0"/>
+              </a:rPr>
+              <a:t>lnome</a:t>
             </a:r>
             <a:r>
               <a:rPr lang="en-US" sz="2400" dirty="0">
@@ -11332,106 +11908,11 @@
                 <a:latin typeface="Times New Roman" panose="02020603050405020304" pitchFamily="18" charset="0"/>
                 <a:cs typeface="Times New Roman" panose="02020603050405020304" pitchFamily="18" charset="0"/>
               </a:rPr>
-              <a:t>(“Julia");</a:t>
-            </a:r>
-          </a:p>
-          <a:p>
-            <a:pPr marL="619125" lvl="1" indent="0" algn="just">
-              <a:buNone/>
-            </a:pPr>
-            <a:r>
-              <a:rPr lang="en-US" sz="2400" b="1" dirty="0">
-                <a:latin typeface="Times New Roman" panose="02020603050405020304" pitchFamily="18" charset="0"/>
-                <a:cs typeface="Times New Roman" panose="02020603050405020304" pitchFamily="18" charset="0"/>
-              </a:rPr>
-              <a:t>Error</a:t>
-            </a:r>
-            <a:r>
-              <a:rPr lang="en-US" sz="2400" dirty="0">
-                <a:latin typeface="Times New Roman" panose="02020603050405020304" pitchFamily="18" charset="0"/>
-                <a:cs typeface="Times New Roman" panose="02020603050405020304" pitchFamily="18" charset="0"/>
-              </a:rPr>
-              <a:t>: </a:t>
-            </a:r>
-            <a:r>
-              <a:rPr lang="en-US" sz="2400" dirty="0" err="1">
-                <a:latin typeface="Times New Roman" panose="02020603050405020304" pitchFamily="18" charset="0"/>
-                <a:cs typeface="Times New Roman" panose="02020603050405020304" pitchFamily="18" charset="0"/>
-              </a:rPr>
-              <a:t>TypeError</a:t>
-            </a:r>
-            <a:r>
-              <a:rPr lang="en-US" sz="2400" dirty="0">
-                <a:latin typeface="Times New Roman" panose="02020603050405020304" pitchFamily="18" charset="0"/>
-                <a:cs typeface="Times New Roman" panose="02020603050405020304" pitchFamily="18" charset="0"/>
-              </a:rPr>
-              <a:t>: </a:t>
-            </a:r>
-            <a:r>
-              <a:rPr lang="en-US" sz="2400" b="1" dirty="0" err="1">
-                <a:solidFill>
-                  <a:srgbClr val="FF0000"/>
-                </a:solidFill>
-                <a:latin typeface="Times New Roman" panose="02020603050405020304" pitchFamily="18" charset="0"/>
-                <a:cs typeface="Times New Roman" panose="02020603050405020304" pitchFamily="18" charset="0"/>
-              </a:rPr>
-              <a:t>imprimeNome</a:t>
-            </a:r>
-            <a:r>
-              <a:rPr lang="en-US" sz="2400" dirty="0">
-                <a:latin typeface="Times New Roman" panose="02020603050405020304" pitchFamily="18" charset="0"/>
-                <a:cs typeface="Times New Roman" panose="02020603050405020304" pitchFamily="18" charset="0"/>
-              </a:rPr>
-              <a:t>() missing </a:t>
-            </a:r>
-            <a:r>
-              <a:rPr lang="en-US" sz="2400" b="1" dirty="0">
-                <a:latin typeface="Times New Roman" panose="02020603050405020304" pitchFamily="18" charset="0"/>
-                <a:cs typeface="Times New Roman" panose="02020603050405020304" pitchFamily="18" charset="0"/>
-              </a:rPr>
-              <a:t>1 required</a:t>
-            </a:r>
-            <a:r>
-              <a:rPr lang="en-US" sz="2400" dirty="0">
-                <a:latin typeface="Times New Roman" panose="02020603050405020304" pitchFamily="18" charset="0"/>
-                <a:cs typeface="Times New Roman" panose="02020603050405020304" pitchFamily="18" charset="0"/>
-              </a:rPr>
-              <a:t> positional </a:t>
-            </a:r>
-            <a:r>
-              <a:rPr lang="en-US" sz="2400" b="1" dirty="0">
-                <a:latin typeface="Times New Roman" panose="02020603050405020304" pitchFamily="18" charset="0"/>
-                <a:cs typeface="Times New Roman" panose="02020603050405020304" pitchFamily="18" charset="0"/>
-              </a:rPr>
-              <a:t>argument</a:t>
-            </a:r>
-            <a:r>
-              <a:rPr lang="en-US" sz="2400" dirty="0">
-                <a:latin typeface="Times New Roman" panose="02020603050405020304" pitchFamily="18" charset="0"/>
-                <a:cs typeface="Times New Roman" panose="02020603050405020304" pitchFamily="18" charset="0"/>
-              </a:rPr>
-              <a:t>: ‘</a:t>
-            </a:r>
-            <a:r>
-              <a:rPr lang="en-US" sz="2400" b="1" dirty="0" err="1">
-                <a:solidFill>
-                  <a:srgbClr val="FF0000"/>
-                </a:solidFill>
-                <a:latin typeface="Times New Roman" panose="02020603050405020304" pitchFamily="18" charset="0"/>
-                <a:cs typeface="Times New Roman" panose="02020603050405020304" pitchFamily="18" charset="0"/>
-              </a:rPr>
-              <a:t>lnome</a:t>
-            </a:r>
-            <a:r>
-              <a:rPr lang="en-US" sz="2400" dirty="0">
-                <a:latin typeface="Times New Roman" panose="02020603050405020304" pitchFamily="18" charset="0"/>
-                <a:cs typeface="Times New Roman" panose="02020603050405020304" pitchFamily="18" charset="0"/>
-              </a:rPr>
-              <a:t>'</a:t>
-            </a:r>
-            <a:endParaRPr lang="en-US" sz="2400" dirty="0">
+              <a:t>(“Julia", “Cardoso");</a:t>
+            </a:r>
+            <a:endParaRPr lang="pt-BR" sz="2400" dirty="0">
               <a:solidFill>
-                <a:schemeClr val="tx1"/>
+                <a:srgbClr val="FF0000"/>
               </a:solidFill>
               <a:latin typeface="Times New Roman" panose="02020603050405020304" pitchFamily="18" charset="0"/>
               <a:cs typeface="Times New Roman" panose="02020603050405020304" pitchFamily="18" charset="0"/>
@@ -11442,7 +11923,7 @@
     </p:spTree>
     <p:extLst>
       <p:ext uri="{BB962C8B-B14F-4D97-AF65-F5344CB8AC3E}">
-        <p14:creationId xmlns:p14="http://schemas.microsoft.com/office/powerpoint/2010/main" val="702506957"/>
+        <p14:creationId xmlns:p14="http://schemas.microsoft.com/office/powerpoint/2010/main" val="787605845"/>
       </p:ext>
     </p:extLst>
   </p:cSld>
@@ -11562,35 +12043,13 @@
                 <a:latin typeface="Times New Roman" panose="02020603050405020304" pitchFamily="18" charset="0"/>
                 <a:cs typeface="Times New Roman" panose="02020603050405020304" pitchFamily="18" charset="0"/>
               </a:rPr>
-              <a:t>: Correto, </a:t>
-            </a:r>
-            <a:r>
-              <a:rPr lang="pt-BR" sz="2400" b="1" dirty="0">
-                <a:solidFill>
-                  <a:schemeClr val="tx1"/>
-                </a:solidFill>
-                <a:latin typeface="Times New Roman" panose="02020603050405020304" pitchFamily="18" charset="0"/>
-                <a:cs typeface="Times New Roman" panose="02020603050405020304" pitchFamily="18" charset="0"/>
-              </a:rPr>
-              <a:t>parâmetro DEFAULT.</a:t>
+              <a:t>: Errado</a:t>
             </a:r>
           </a:p>
           <a:p>
             <a:pPr marL="619125" lvl="1" indent="0" algn="just">
               <a:buNone/>
             </a:pPr>
-            <a:endParaRPr lang="en-US" sz="2400" b="1" dirty="0">
-              <a:solidFill>
-                <a:schemeClr val="tx1"/>
-              </a:solidFill>
-              <a:latin typeface="Times New Roman" panose="02020603050405020304" pitchFamily="18" charset="0"/>
-              <a:cs typeface="Times New Roman" panose="02020603050405020304" pitchFamily="18" charset="0"/>
-            </a:endParaRPr>
-          </a:p>
-          <a:p>
-            <a:pPr marL="619125" lvl="1" indent="0" algn="just">
-              <a:buNone/>
-            </a:pPr>
             <a:r>
               <a:rPr lang="en-US" sz="2400" b="1" dirty="0">
                 <a:solidFill>
@@ -11639,27 +12098,7 @@
                 <a:latin typeface="Times New Roman" panose="02020603050405020304" pitchFamily="18" charset="0"/>
                 <a:cs typeface="Times New Roman" panose="02020603050405020304" pitchFamily="18" charset="0"/>
               </a:rPr>
-              <a:t>, </a:t>
-            </a:r>
-            <a:r>
-              <a:rPr lang="en-US" sz="2400" dirty="0" err="1">
-                <a:solidFill>
-                  <a:schemeClr val="tx1"/>
-                </a:solidFill>
-                <a:latin typeface="Times New Roman" panose="02020603050405020304" pitchFamily="18" charset="0"/>
-                <a:cs typeface="Times New Roman" panose="02020603050405020304" pitchFamily="18" charset="0"/>
-              </a:rPr>
-              <a:t>lnome</a:t>
-            </a:r>
-            <a:r>
-              <a:rPr lang="en-US" sz="2400" dirty="0">
-                <a:solidFill>
-                  <a:schemeClr val="tx1"/>
-                </a:solidFill>
-                <a:latin typeface="Times New Roman" panose="02020603050405020304" pitchFamily="18" charset="0"/>
-                <a:cs typeface="Times New Roman" panose="02020603050405020304" pitchFamily="18" charset="0"/>
-              </a:rPr>
-              <a:t>= " "):</a:t>
+              <a:t>):</a:t>
             </a:r>
           </a:p>
           <a:p>
@@ -11774,12 +12213,114 @@
               <a:t>(“Julia");</a:t>
             </a:r>
           </a:p>
+          <a:p>
+            <a:pPr marL="619125" lvl="1" indent="0" algn="just">
+              <a:buNone/>
+            </a:pPr>
+            <a:r>
+              <a:rPr lang="en-US" sz="2400" b="1" dirty="0">
+                <a:latin typeface="Times New Roman" panose="02020603050405020304" pitchFamily="18" charset="0"/>
+                <a:cs typeface="Times New Roman" panose="02020603050405020304" pitchFamily="18" charset="0"/>
+              </a:rPr>
+              <a:t>Error</a:t>
+            </a:r>
+            <a:r>
+              <a:rPr lang="en-US" sz="2400" dirty="0">
+                <a:latin typeface="Times New Roman" panose="02020603050405020304" pitchFamily="18" charset="0"/>
+                <a:cs typeface="Times New Roman" panose="02020603050405020304" pitchFamily="18" charset="0"/>
+              </a:rPr>
+              <a:t>: </a:t>
+            </a:r>
+            <a:r>
+              <a:rPr lang="en-US" sz="2400" dirty="0" err="1">
+                <a:latin typeface="Times New Roman" panose="02020603050405020304" pitchFamily="18" charset="0"/>
+                <a:cs typeface="Times New Roman" panose="02020603050405020304" pitchFamily="18" charset="0"/>
+              </a:rPr>
+              <a:t>TypeError</a:t>
+            </a:r>
+            <a:r>
+              <a:rPr lang="en-US" sz="2400" dirty="0">
+                <a:latin typeface="Times New Roman" panose="02020603050405020304" pitchFamily="18" charset="0"/>
+                <a:cs typeface="Times New Roman" panose="02020603050405020304" pitchFamily="18" charset="0"/>
+              </a:rPr>
+              <a:t>: </a:t>
+            </a:r>
+            <a:r>
+              <a:rPr lang="en-US" sz="2400" b="1" dirty="0" err="1">
+                <a:solidFill>
+                  <a:srgbClr val="FF0000"/>
+                </a:solidFill>
+                <a:latin typeface="Times New Roman" panose="02020603050405020304" pitchFamily="18" charset="0"/>
+                <a:cs typeface="Times New Roman" panose="02020603050405020304" pitchFamily="18" charset="0"/>
+              </a:rPr>
+              <a:t>imprimeNome</a:t>
+            </a:r>
+            <a:r>
+              <a:rPr lang="en-US" sz="2400" dirty="0">
+                <a:latin typeface="Times New Roman" panose="02020603050405020304" pitchFamily="18" charset="0"/>
+                <a:cs typeface="Times New Roman" panose="02020603050405020304" pitchFamily="18" charset="0"/>
+              </a:rPr>
+              <a:t>() missing </a:t>
+            </a:r>
+            <a:r>
+              <a:rPr lang="en-US" sz="2400" b="1" dirty="0">
+                <a:latin typeface="Times New Roman" panose="02020603050405020304" pitchFamily="18" charset="0"/>
+                <a:cs typeface="Times New Roman" panose="02020603050405020304" pitchFamily="18" charset="0"/>
+              </a:rPr>
+              <a:t>1 required</a:t>
+            </a:r>
+            <a:r>
+              <a:rPr lang="en-US" sz="2400" dirty="0">
+                <a:latin typeface="Times New Roman" panose="02020603050405020304" pitchFamily="18" charset="0"/>
+                <a:cs typeface="Times New Roman" panose="02020603050405020304" pitchFamily="18" charset="0"/>
+              </a:rPr>
+              <a:t> positional </a:t>
+            </a:r>
+            <a:r>
+              <a:rPr lang="en-US" sz="2400" b="1" dirty="0">
+                <a:latin typeface="Times New Roman" panose="02020603050405020304" pitchFamily="18" charset="0"/>
+                <a:cs typeface="Times New Roman" panose="02020603050405020304" pitchFamily="18" charset="0"/>
+              </a:rPr>
+              <a:t>argument</a:t>
+            </a:r>
+            <a:r>
+              <a:rPr lang="en-US" sz="2400" dirty="0">
+                <a:latin typeface="Times New Roman" panose="02020603050405020304" pitchFamily="18" charset="0"/>
+                <a:cs typeface="Times New Roman" panose="02020603050405020304" pitchFamily="18" charset="0"/>
+              </a:rPr>
+              <a:t>: ‘</a:t>
+            </a:r>
+            <a:r>
+              <a:rPr lang="en-US" sz="2400" b="1" dirty="0" err="1">
+                <a:solidFill>
+                  <a:srgbClr val="FF0000"/>
+                </a:solidFill>
+                <a:latin typeface="Times New Roman" panose="02020603050405020304" pitchFamily="18" charset="0"/>
+                <a:cs typeface="Times New Roman" panose="02020603050405020304" pitchFamily="18" charset="0"/>
+              </a:rPr>
+              <a:t>lnome</a:t>
+            </a:r>
+            <a:r>
+              <a:rPr lang="en-US" sz="2400" dirty="0">
+                <a:latin typeface="Times New Roman" panose="02020603050405020304" pitchFamily="18" charset="0"/>
+                <a:cs typeface="Times New Roman" panose="02020603050405020304" pitchFamily="18" charset="0"/>
+              </a:rPr>
+              <a:t>'</a:t>
+            </a:r>
+            <a:endParaRPr lang="en-US" sz="2400" dirty="0">
+              <a:solidFill>
+                <a:schemeClr val="tx1"/>
+              </a:solidFill>
+              <a:latin typeface="Times New Roman" panose="02020603050405020304" pitchFamily="18" charset="0"/>
+              <a:cs typeface="Times New Roman" panose="02020603050405020304" pitchFamily="18" charset="0"/>
+            </a:endParaRPr>
+          </a:p>
         </p:txBody>
       </p:sp>
     </p:spTree>
     <p:extLst>
       <p:ext uri="{BB962C8B-B14F-4D97-AF65-F5344CB8AC3E}">
-        <p14:creationId xmlns:p14="http://schemas.microsoft.com/office/powerpoint/2010/main" val="3268994986"/>
+        <p14:creationId xmlns:p14="http://schemas.microsoft.com/office/powerpoint/2010/main" val="702506957"/>
       </p:ext>
     </p:extLst>
   </p:cSld>
@@ -11899,73 +12440,23 @@
                 <a:latin typeface="Times New Roman" panose="02020603050405020304" pitchFamily="18" charset="0"/>
                 <a:cs typeface="Times New Roman" panose="02020603050405020304" pitchFamily="18" charset="0"/>
               </a:rPr>
-              <a:t>:</a:t>
+              <a:t>: Correto, </a:t>
+            </a:r>
+            <a:r>
+              <a:rPr lang="pt-BR" sz="2400" b="1" dirty="0">
+                <a:solidFill>
+                  <a:schemeClr val="tx1"/>
+                </a:solidFill>
+                <a:latin typeface="Times New Roman" panose="02020603050405020304" pitchFamily="18" charset="0"/>
+                <a:cs typeface="Times New Roman" panose="02020603050405020304" pitchFamily="18" charset="0"/>
+              </a:rPr>
+              <a:t>parâmetro DEFAULT.</a:t>
             </a:r>
           </a:p>
           <a:p>
             <a:pPr marL="619125" lvl="1" indent="0" algn="just">
               <a:buNone/>
             </a:pPr>
-            <a:r>
-              <a:rPr lang="pt-BR" sz="2400" dirty="0">
-                <a:solidFill>
-                  <a:schemeClr val="tx1"/>
-                </a:solidFill>
-                <a:latin typeface="Times New Roman" panose="02020603050405020304" pitchFamily="18" charset="0"/>
-                <a:cs typeface="Times New Roman" panose="02020603050405020304" pitchFamily="18" charset="0"/>
-              </a:rPr>
-              <a:t>Se o </a:t>
-            </a:r>
-            <a:r>
-              <a:rPr lang="pt-BR" sz="2400" b="1" dirty="0">
-                <a:solidFill>
-                  <a:schemeClr val="tx1"/>
-                </a:solidFill>
-                <a:latin typeface="Times New Roman" panose="02020603050405020304" pitchFamily="18" charset="0"/>
-                <a:cs typeface="Times New Roman" panose="02020603050405020304" pitchFamily="18" charset="0"/>
-              </a:rPr>
-              <a:t>número de argumentos for desconhecido</a:t>
-            </a:r>
-            <a:r>
-              <a:rPr lang="pt-BR" sz="2400" dirty="0">
-                <a:solidFill>
-                  <a:schemeClr val="tx1"/>
-                </a:solidFill>
-                <a:latin typeface="Times New Roman" panose="02020603050405020304" pitchFamily="18" charset="0"/>
-                <a:cs typeface="Times New Roman" panose="02020603050405020304" pitchFamily="18" charset="0"/>
-              </a:rPr>
-              <a:t>, adicione um </a:t>
-            </a:r>
-            <a:r>
-              <a:rPr lang="pt-BR" sz="2400" b="1" dirty="0">
-                <a:solidFill>
-                  <a:srgbClr val="FF0000"/>
-                </a:solidFill>
-                <a:latin typeface="Times New Roman" panose="02020603050405020304" pitchFamily="18" charset="0"/>
-                <a:cs typeface="Times New Roman" panose="02020603050405020304" pitchFamily="18" charset="0"/>
-              </a:rPr>
-              <a:t>*</a:t>
-            </a:r>
-            <a:r>
-              <a:rPr lang="pt-BR" sz="2400" dirty="0">
-                <a:solidFill>
-                  <a:schemeClr val="tx1"/>
-                </a:solidFill>
-                <a:latin typeface="Times New Roman" panose="02020603050405020304" pitchFamily="18" charset="0"/>
-                <a:cs typeface="Times New Roman" panose="02020603050405020304" pitchFamily="18" charset="0"/>
-              </a:rPr>
-              <a:t> antes do nome do parâmetro</a:t>
-            </a:r>
-            <a:r>
-              <a:rPr lang="pt-BR" sz="2400" b="1" dirty="0">
-                <a:solidFill>
-                  <a:schemeClr val="tx1"/>
-                </a:solidFill>
-                <a:latin typeface="Times New Roman" panose="02020603050405020304" pitchFamily="18" charset="0"/>
-                <a:cs typeface="Times New Roman" panose="02020603050405020304" pitchFamily="18" charset="0"/>
-              </a:rPr>
-              <a:t>. </a:t>
-            </a:r>
             <a:endParaRPr lang="en-US" sz="2400" b="1" dirty="0">
               <a:solidFill>
                 <a:schemeClr val="tx1"/>
@@ -11996,7 +12487,7 @@
                 <a:latin typeface="Times New Roman" panose="02020603050405020304" pitchFamily="18" charset="0"/>
                 <a:cs typeface="Times New Roman" panose="02020603050405020304" pitchFamily="18" charset="0"/>
               </a:rPr>
-              <a:t>pessoas</a:t>
+              <a:t>imprimeNome</a:t>
             </a:r>
             <a:r>
               <a:rPr lang="en-US" sz="2400" dirty="0">
@@ -12009,14 +12500,79 @@
               <a:t>(</a:t>
             </a:r>
             <a:r>
+              <a:rPr lang="en-US" sz="2400" dirty="0" err="1">
+                <a:solidFill>
+                  <a:schemeClr val="tx1"/>
+                </a:solidFill>
+                <a:latin typeface="Times New Roman" panose="02020603050405020304" pitchFamily="18" charset="0"/>
+                <a:cs typeface="Times New Roman" panose="02020603050405020304" pitchFamily="18" charset="0"/>
+              </a:rPr>
+              <a:t>fnome</a:t>
+            </a:r>
+            <a:r>
+              <a:rPr lang="en-US" sz="2400" dirty="0">
+                <a:solidFill>
+                  <a:schemeClr val="tx1"/>
+                </a:solidFill>
+                <a:latin typeface="Times New Roman" panose="02020603050405020304" pitchFamily="18" charset="0"/>
+                <a:cs typeface="Times New Roman" panose="02020603050405020304" pitchFamily="18" charset="0"/>
+              </a:rPr>
+              <a:t>, </a:t>
+            </a:r>
+            <a:r>
+              <a:rPr lang="en-US" sz="2400" dirty="0" err="1">
+                <a:solidFill>
+                  <a:schemeClr val="tx1"/>
+                </a:solidFill>
+                <a:latin typeface="Times New Roman" panose="02020603050405020304" pitchFamily="18" charset="0"/>
+                <a:cs typeface="Times New Roman" panose="02020603050405020304" pitchFamily="18" charset="0"/>
+              </a:rPr>
+              <a:t>lnome</a:t>
+            </a:r>
+            <a:r>
+              <a:rPr lang="en-US" sz="2400" dirty="0">
+                <a:solidFill>
+                  <a:schemeClr val="tx1"/>
+                </a:solidFill>
+                <a:latin typeface="Times New Roman" panose="02020603050405020304" pitchFamily="18" charset="0"/>
+                <a:cs typeface="Times New Roman" panose="02020603050405020304" pitchFamily="18" charset="0"/>
+              </a:rPr>
+              <a:t>= " "):</a:t>
+            </a:r>
+          </a:p>
+          <a:p>
+            <a:pPr marL="619125" lvl="1" indent="0" algn="just">
+              <a:buNone/>
+            </a:pPr>
+            <a:r>
+              <a:rPr lang="en-US" sz="2400" dirty="0">
+                <a:solidFill>
+                  <a:schemeClr val="tx1"/>
+                </a:solidFill>
+                <a:latin typeface="Times New Roman" panose="02020603050405020304" pitchFamily="18" charset="0"/>
+                <a:cs typeface="Times New Roman" panose="02020603050405020304" pitchFamily="18" charset="0"/>
+              </a:rPr>
+              <a:t>  </a:t>
+            </a:r>
+            <a:r>
               <a:rPr lang="en-US" sz="2400" b="1" dirty="0">
                 <a:solidFill>
-                  <a:srgbClr val="FF0000"/>
-                </a:solidFill>
-                <a:latin typeface="Times New Roman" panose="02020603050405020304" pitchFamily="18" charset="0"/>
-                <a:cs typeface="Times New Roman" panose="02020603050405020304" pitchFamily="18" charset="0"/>
-              </a:rPr>
-              <a:t>*</a:t>
+                  <a:schemeClr val="tx1"/>
+                </a:solidFill>
+                <a:latin typeface="Times New Roman" panose="02020603050405020304" pitchFamily="18" charset="0"/>
+                <a:cs typeface="Times New Roman" panose="02020603050405020304" pitchFamily="18" charset="0"/>
+              </a:rPr>
+              <a:t>print</a:t>
+            </a:r>
+            <a:r>
+              <a:rPr lang="en-US" sz="2400" dirty="0">
+                <a:solidFill>
+                  <a:schemeClr val="tx1"/>
+                </a:solidFill>
+                <a:latin typeface="Times New Roman" panose="02020603050405020304" pitchFamily="18" charset="0"/>
+                <a:cs typeface="Times New Roman" panose="02020603050405020304" pitchFamily="18" charset="0"/>
+              </a:rPr>
+              <a:t>(</a:t>
             </a:r>
             <a:r>
               <a:rPr lang="en-US" sz="2400" dirty="0" err="1">
@@ -12026,7 +12582,7 @@
                 <a:latin typeface="Times New Roman" panose="02020603050405020304" pitchFamily="18" charset="0"/>
                 <a:cs typeface="Times New Roman" panose="02020603050405020304" pitchFamily="18" charset="0"/>
               </a:rPr>
-              <a:t>crianca</a:t>
+              <a:t>fnome</a:t>
             </a:r>
             <a:r>
               <a:rPr lang="en-US" sz="2400" dirty="0">
@@ -12036,40 +12592,18 @@
                 <a:latin typeface="Times New Roman" panose="02020603050405020304" pitchFamily="18" charset="0"/>
                 <a:cs typeface="Times New Roman" panose="02020603050405020304" pitchFamily="18" charset="0"/>
               </a:rPr>
-              <a:t>): // </a:t>
-            </a:r>
-            <a:r>
-              <a:rPr lang="pt-BR" sz="2400" b="1" dirty="0" err="1">
-                <a:solidFill>
-                  <a:srgbClr val="FF0000"/>
-                </a:solidFill>
-                <a:latin typeface="Times New Roman" panose="02020603050405020304" pitchFamily="18" charset="0"/>
-                <a:cs typeface="Times New Roman" panose="02020603050405020304" pitchFamily="18" charset="0"/>
-              </a:rPr>
-              <a:t>tupla</a:t>
-            </a:r>
-            <a:r>
-              <a:rPr lang="pt-BR" sz="2400" b="1" dirty="0">
-                <a:solidFill>
-                  <a:srgbClr val="FF0000"/>
-                </a:solidFill>
-                <a:latin typeface="Times New Roman" panose="02020603050405020304" pitchFamily="18" charset="0"/>
-                <a:cs typeface="Times New Roman" panose="02020603050405020304" pitchFamily="18" charset="0"/>
-              </a:rPr>
-              <a:t> de argumentos</a:t>
-            </a:r>
-            <a:endParaRPr lang="en-US" sz="2400" dirty="0">
-              <a:solidFill>
-                <a:srgbClr val="FF0000"/>
-              </a:solidFill>
-              <a:latin typeface="Times New Roman" panose="02020603050405020304" pitchFamily="18" charset="0"/>
-              <a:cs typeface="Times New Roman" panose="02020603050405020304" pitchFamily="18" charset="0"/>
-            </a:endParaRPr>
-          </a:p>
-          <a:p>
-            <a:pPr marL="619125" lvl="1" indent="0" algn="just">
-              <a:buNone/>
-            </a:pPr>
+              <a:t> + " " + </a:t>
+            </a:r>
+            <a:r>
+              <a:rPr lang="en-US" sz="2400" dirty="0" err="1">
+                <a:solidFill>
+                  <a:schemeClr val="tx1"/>
+                </a:solidFill>
+                <a:latin typeface="Times New Roman" panose="02020603050405020304" pitchFamily="18" charset="0"/>
+                <a:cs typeface="Times New Roman" panose="02020603050405020304" pitchFamily="18" charset="0"/>
+              </a:rPr>
+              <a:t>lnome</a:t>
+            </a:r>
             <a:r>
               <a:rPr lang="en-US" sz="2400" dirty="0">
                 <a:solidFill>
@@ -12078,74 +12612,7 @@
                 <a:latin typeface="Times New Roman" panose="02020603050405020304" pitchFamily="18" charset="0"/>
                 <a:cs typeface="Times New Roman" panose="02020603050405020304" pitchFamily="18" charset="0"/>
               </a:rPr>
-              <a:t>  </a:t>
-            </a:r>
-            <a:r>
-              <a:rPr lang="en-US" sz="2400" b="1" dirty="0">
-                <a:solidFill>
-                  <a:schemeClr val="tx1"/>
-                </a:solidFill>
-                <a:latin typeface="Times New Roman" panose="02020603050405020304" pitchFamily="18" charset="0"/>
-                <a:cs typeface="Times New Roman" panose="02020603050405020304" pitchFamily="18" charset="0"/>
-              </a:rPr>
-              <a:t>print</a:t>
-            </a:r>
-            <a:r>
-              <a:rPr lang="en-US" sz="2400" dirty="0">
-                <a:solidFill>
-                  <a:schemeClr val="tx1"/>
-                </a:solidFill>
-                <a:latin typeface="Times New Roman" panose="02020603050405020304" pitchFamily="18" charset="0"/>
-                <a:cs typeface="Times New Roman" panose="02020603050405020304" pitchFamily="18" charset="0"/>
-              </a:rPr>
-              <a:t>(“</a:t>
-            </a:r>
-            <a:r>
-              <a:rPr lang="pt-BR" sz="2400" dirty="0">
-                <a:latin typeface="Times New Roman" panose="02020603050405020304" pitchFamily="18" charset="0"/>
-                <a:cs typeface="Times New Roman" panose="02020603050405020304" pitchFamily="18" charset="0"/>
-              </a:rPr>
-              <a:t>A</a:t>
-            </a:r>
-            <a:r>
-              <a:rPr lang="pt-BR" sz="2400" dirty="0">
-                <a:solidFill>
-                  <a:schemeClr val="tx1"/>
-                </a:solidFill>
-                <a:latin typeface="Times New Roman" panose="02020603050405020304" pitchFamily="18" charset="0"/>
-                <a:cs typeface="Times New Roman" panose="02020603050405020304" pitchFamily="18" charset="0"/>
-              </a:rPr>
-              <a:t> filha mais nova é </a:t>
-            </a:r>
-            <a:r>
-              <a:rPr lang="en-US" sz="2400" dirty="0">
-                <a:solidFill>
-                  <a:schemeClr val="tx1"/>
-                </a:solidFill>
-                <a:latin typeface="Times New Roman" panose="02020603050405020304" pitchFamily="18" charset="0"/>
-                <a:cs typeface="Times New Roman" panose="02020603050405020304" pitchFamily="18" charset="0"/>
-              </a:rPr>
-              <a:t>" + </a:t>
-            </a:r>
-            <a:r>
-              <a:rPr lang="en-US" sz="2400" dirty="0" err="1">
-                <a:solidFill>
-                  <a:schemeClr val="tx1"/>
-                </a:solidFill>
-                <a:latin typeface="Times New Roman" panose="02020603050405020304" pitchFamily="18" charset="0"/>
-                <a:cs typeface="Times New Roman" panose="02020603050405020304" pitchFamily="18" charset="0"/>
-              </a:rPr>
-              <a:t>crianca</a:t>
-            </a:r>
-            <a:r>
-              <a:rPr lang="en-US" sz="2400" dirty="0">
-                <a:solidFill>
-                  <a:schemeClr val="tx1"/>
-                </a:solidFill>
-                <a:latin typeface="Times New Roman" panose="02020603050405020304" pitchFamily="18" charset="0"/>
-                <a:cs typeface="Times New Roman" panose="02020603050405020304" pitchFamily="18" charset="0"/>
-              </a:rPr>
-              <a:t>[1]);</a:t>
+              <a:t>);</a:t>
             </a:r>
           </a:p>
           <a:p>
@@ -12172,7 +12639,7 @@
                 <a:latin typeface="Times New Roman" panose="02020603050405020304" pitchFamily="18" charset="0"/>
                 <a:cs typeface="Times New Roman" panose="02020603050405020304" pitchFamily="18" charset="0"/>
               </a:rPr>
-              <a:t>pessoas</a:t>
+              <a:t>imprimeNome</a:t>
             </a:r>
             <a:r>
               <a:rPr lang="en-US" sz="2400" dirty="0">
@@ -12182,7 +12649,7 @@
                 <a:latin typeface="Times New Roman" panose="02020603050405020304" pitchFamily="18" charset="0"/>
                 <a:cs typeface="Times New Roman" panose="02020603050405020304" pitchFamily="18" charset="0"/>
               </a:rPr>
-              <a:t>(“Juju", “Laura", “Maria Paula");</a:t>
+              <a:t>(“Julia");</a:t>
             </a:r>
           </a:p>
         </p:txBody>
@@ -12190,7 +12657,7 @@
     </p:spTree>
     <p:extLst>
       <p:ext uri="{BB962C8B-B14F-4D97-AF65-F5344CB8AC3E}">
-        <p14:creationId xmlns:p14="http://schemas.microsoft.com/office/powerpoint/2010/main" val="1367592514"/>
+        <p14:creationId xmlns:p14="http://schemas.microsoft.com/office/powerpoint/2010/main" val="3268994986"/>
       </p:ext>
     </p:extLst>
   </p:cSld>

--- a/01 Classes/Aula 08 RAD Python - Modularização Funções.pptx
+++ b/01 Classes/Aula 08 RAD Python - Modularização Funções.pptx
@@ -1715,7 +1715,7 @@
           <a:p>
             <a:fld id="{48A87A34-81AB-432B-8DAE-1953F412C126}" type="datetimeFigureOut">
               <a:rPr lang="en-US" smtClean="0"/>
-              <a:t>9/17/2022</a:t>
+              <a:t>9/6/2023</a:t>
             </a:fld>
             <a:endParaRPr lang="en-US" dirty="0"/>
           </a:p>
@@ -1926,7 +1926,7 @@
           <a:p>
             <a:fld id="{48A87A34-81AB-432B-8DAE-1953F412C126}" type="datetimeFigureOut">
               <a:rPr lang="en-US" smtClean="0"/>
-              <a:t>9/17/2022</a:t>
+              <a:t>9/6/2023</a:t>
             </a:fld>
             <a:endParaRPr lang="en-US" dirty="0"/>
           </a:p>
@@ -2141,7 +2141,7 @@
           <a:p>
             <a:fld id="{48A87A34-81AB-432B-8DAE-1953F412C126}" type="datetimeFigureOut">
               <a:rPr lang="en-US" smtClean="0"/>
-              <a:t>9/17/2022</a:t>
+              <a:t>9/6/2023</a:t>
             </a:fld>
             <a:endParaRPr lang="en-US" dirty="0"/>
           </a:p>
@@ -2509,7 +2509,7 @@
           <a:p>
             <a:fld id="{48A87A34-81AB-432B-8DAE-1953F412C126}" type="datetimeFigureOut">
               <a:rPr lang="en-US" smtClean="0"/>
-              <a:t>9/17/2022</a:t>
+              <a:t>9/6/2023</a:t>
             </a:fld>
             <a:endParaRPr lang="en-US" dirty="0"/>
           </a:p>
@@ -2788,7 +2788,7 @@
           <a:p>
             <a:fld id="{48A87A34-81AB-432B-8DAE-1953F412C126}" type="datetimeFigureOut">
               <a:rPr lang="en-US" smtClean="0"/>
-              <a:t>9/17/2022</a:t>
+              <a:t>9/6/2023</a:t>
             </a:fld>
             <a:endParaRPr lang="en-US" dirty="0"/>
           </a:p>
@@ -3056,7 +3056,7 @@
           <a:p>
             <a:fld id="{48A87A34-81AB-432B-8DAE-1953F412C126}" type="datetimeFigureOut">
               <a:rPr lang="en-US" smtClean="0"/>
-              <a:t>9/17/2022</a:t>
+              <a:t>9/6/2023</a:t>
             </a:fld>
             <a:endParaRPr lang="en-US" dirty="0"/>
           </a:p>
@@ -3472,7 +3472,7 @@
           <a:p>
             <a:fld id="{48A87A34-81AB-432B-8DAE-1953F412C126}" type="datetimeFigureOut">
               <a:rPr lang="en-US" smtClean="0"/>
-              <a:t>9/17/2022</a:t>
+              <a:t>9/6/2023</a:t>
             </a:fld>
             <a:endParaRPr lang="en-US" dirty="0"/>
           </a:p>
@@ -3621,7 +3621,7 @@
           <a:p>
             <a:fld id="{48A87A34-81AB-432B-8DAE-1953F412C126}" type="datetimeFigureOut">
               <a:rPr lang="en-US" smtClean="0"/>
-              <a:t>9/17/2022</a:t>
+              <a:t>9/6/2023</a:t>
             </a:fld>
             <a:endParaRPr lang="en-US" dirty="0"/>
           </a:p>
@@ -3747,7 +3747,7 @@
           <a:p>
             <a:fld id="{48A87A34-81AB-432B-8DAE-1953F412C126}" type="datetimeFigureOut">
               <a:rPr lang="en-US" smtClean="0"/>
-              <a:t>9/17/2022</a:t>
+              <a:t>9/6/2023</a:t>
             </a:fld>
             <a:endParaRPr lang="en-US" dirty="0"/>
           </a:p>
@@ -3998,7 +3998,7 @@
           <a:p>
             <a:fld id="{48A87A34-81AB-432B-8DAE-1953F412C126}" type="datetimeFigureOut">
               <a:rPr lang="en-US" smtClean="0"/>
-              <a:t>9/17/2022</a:t>
+              <a:t>9/6/2023</a:t>
             </a:fld>
             <a:endParaRPr lang="en-US" dirty="0"/>
           </a:p>
@@ -4444,7 +4444,7 @@
             <a:fld id="{48A87A34-81AB-432B-8DAE-1953F412C126}" type="datetimeFigureOut">
               <a:rPr lang="en-US" smtClean="0"/>
               <a:pPr/>
-              <a:t>9/17/2022</a:t>
+              <a:t>9/6/2023</a:t>
             </a:fld>
             <a:endParaRPr lang="en-US" dirty="0"/>
           </a:p>
@@ -4772,7 +4772,7 @@
             <a:fld id="{48A87A34-81AB-432B-8DAE-1953F412C126}" type="datetimeFigureOut">
               <a:rPr lang="en-US" smtClean="0"/>
               <a:pPr/>
-              <a:t>9/17/2022</a:t>
+              <a:t>9/6/2023</a:t>
             </a:fld>
             <a:endParaRPr lang="en-US" dirty="0"/>
           </a:p>
@@ -6158,7 +6158,7 @@
                 <a:latin typeface="Times New Roman" panose="02020603050405020304" pitchFamily="18" charset="0"/>
                 <a:cs typeface="Times New Roman" panose="02020603050405020304" pitchFamily="18" charset="0"/>
               </a:rPr>
-              <a:t>[1]);</a:t>
+              <a:t>[1])</a:t>
             </a:r>
           </a:p>
           <a:p>
@@ -6195,7 +6195,7 @@
                 <a:latin typeface="Times New Roman" panose="02020603050405020304" pitchFamily="18" charset="0"/>
                 <a:cs typeface="Times New Roman" panose="02020603050405020304" pitchFamily="18" charset="0"/>
               </a:rPr>
-              <a:t>(“Juju", “Laura", “Maria Paula");</a:t>
+              <a:t>(“Juju", “Laura", “Maria Paula")</a:t>
             </a:r>
           </a:p>
         </p:txBody>
@@ -6530,7 +6530,7 @@
                 <a:latin typeface="Times New Roman" panose="02020603050405020304" pitchFamily="18" charset="0"/>
                 <a:cs typeface="Times New Roman" panose="02020603050405020304" pitchFamily="18" charset="0"/>
               </a:rPr>
-              <a:t> é " + adulto3);</a:t>
+              <a:t> é " + adulto3)</a:t>
             </a:r>
           </a:p>
           <a:p>
@@ -6555,7 +6555,7 @@
                 <a:latin typeface="Times New Roman" panose="02020603050405020304" pitchFamily="18" charset="0"/>
                 <a:cs typeface="Times New Roman" panose="02020603050405020304" pitchFamily="18" charset="0"/>
               </a:rPr>
-              <a:t>(adulto1 = “Juju", adulto2 = “Paulo", adulto3 = “João");</a:t>
+              <a:t>(adulto1 = “Juju", adulto2 = “Paulo", adulto3 = “João")</a:t>
             </a:r>
           </a:p>
         </p:txBody>
@@ -6897,7 +6897,7 @@
                 <a:latin typeface="Times New Roman" panose="02020603050405020304" pitchFamily="18" charset="0"/>
                 <a:cs typeface="Times New Roman" panose="02020603050405020304" pitchFamily="18" charset="0"/>
               </a:rPr>
-              <a:t>"]);</a:t>
+              <a:t>"])</a:t>
             </a:r>
           </a:p>
           <a:p>
@@ -7014,7 +7014,7 @@
                 <a:latin typeface="Times New Roman" panose="02020603050405020304" pitchFamily="18" charset="0"/>
                 <a:cs typeface="Times New Roman" panose="02020603050405020304" pitchFamily="18" charset="0"/>
               </a:rPr>
-              <a:t>");</a:t>
+              <a:t>")</a:t>
             </a:r>
             <a:endParaRPr lang="en-US" sz="2400" dirty="0">
               <a:solidFill>
@@ -7261,7 +7261,7 @@
                 <a:latin typeface="Times New Roman" panose="02020603050405020304" pitchFamily="18" charset="0"/>
                 <a:cs typeface="Times New Roman" panose="02020603050405020304" pitchFamily="18" charset="0"/>
               </a:rPr>
-              <a:t>    			print(x);</a:t>
+              <a:t>    			print(x)</a:t>
             </a:r>
           </a:p>
           <a:p>
@@ -7336,7 +7336,7 @@
                 <a:latin typeface="Times New Roman" panose="02020603050405020304" pitchFamily="18" charset="0"/>
                 <a:cs typeface="Times New Roman" panose="02020603050405020304" pitchFamily="18" charset="0"/>
               </a:rPr>
-              <a:t>"];</a:t>
+              <a:t>"]</a:t>
             </a:r>
           </a:p>
           <a:p>
@@ -7401,7 +7401,7 @@
                 <a:latin typeface="Times New Roman" panose="02020603050405020304" pitchFamily="18" charset="0"/>
                 <a:cs typeface="Times New Roman" panose="02020603050405020304" pitchFamily="18" charset="0"/>
               </a:rPr>
-              <a:t>);</a:t>
+              <a:t>)</a:t>
             </a:r>
           </a:p>
         </p:txBody>
@@ -7617,7 +7617,7 @@
                 <a:latin typeface="Times New Roman" panose="02020603050405020304" pitchFamily="18" charset="0"/>
                 <a:cs typeface="Times New Roman" panose="02020603050405020304" pitchFamily="18" charset="0"/>
               </a:rPr>
-              <a:t> 5 * x;</a:t>
+              <a:t> 5 * x</a:t>
             </a:r>
           </a:p>
           <a:p>
@@ -7662,7 +7662,7 @@
                 <a:latin typeface="Times New Roman" panose="02020603050405020304" pitchFamily="18" charset="0"/>
                 <a:cs typeface="Times New Roman" panose="02020603050405020304" pitchFamily="18" charset="0"/>
               </a:rPr>
-              <a:t>(3));</a:t>
+              <a:t>(3))</a:t>
             </a:r>
           </a:p>
           <a:p>
@@ -7698,7 +7698,7 @@
                 <a:latin typeface="Times New Roman" panose="02020603050405020304" pitchFamily="18" charset="0"/>
                 <a:cs typeface="Times New Roman" panose="02020603050405020304" pitchFamily="18" charset="0"/>
               </a:rPr>
-              <a:t>(5));</a:t>
+              <a:t>(5))</a:t>
             </a:r>
           </a:p>
           <a:p>
@@ -7734,7 +7734,7 @@
                 <a:latin typeface="Times New Roman" panose="02020603050405020304" pitchFamily="18" charset="0"/>
                 <a:cs typeface="Times New Roman" panose="02020603050405020304" pitchFamily="18" charset="0"/>
               </a:rPr>
-              <a:t>(9));</a:t>
+              <a:t>(9))</a:t>
             </a:r>
           </a:p>
         </p:txBody>
@@ -7990,38 +7990,35 @@
               </a:rPr>
               <a:t>pass</a:t>
             </a:r>
+            <a:endParaRPr lang="en-US" sz="2400" dirty="0">
+              <a:latin typeface="Times New Roman" panose="02020603050405020304" pitchFamily="18" charset="0"/>
+              <a:cs typeface="Times New Roman" panose="02020603050405020304" pitchFamily="18" charset="0"/>
+            </a:endParaRPr>
+          </a:p>
+          <a:p>
+            <a:pPr marL="0" indent="0" algn="just">
+              <a:buNone/>
+            </a:pPr>
             <a:r>
               <a:rPr lang="en-US" sz="2400" dirty="0">
                 <a:latin typeface="Times New Roman" panose="02020603050405020304" pitchFamily="18" charset="0"/>
                 <a:cs typeface="Times New Roman" panose="02020603050405020304" pitchFamily="18" charset="0"/>
               </a:rPr>
-              <a:t>;</a:t>
-            </a:r>
-          </a:p>
-          <a:p>
-            <a:pPr marL="0" indent="0" algn="just">
-              <a:buNone/>
-            </a:pPr>
+              <a:t>	</a:t>
+            </a:r>
+            <a:r>
+              <a:rPr lang="en-US" sz="2400" b="1" dirty="0">
+                <a:latin typeface="Times New Roman" panose="02020603050405020304" pitchFamily="18" charset="0"/>
+                <a:cs typeface="Times New Roman" panose="02020603050405020304" pitchFamily="18" charset="0"/>
+              </a:rPr>
+              <a:t>print</a:t>
+            </a:r>
             <a:r>
               <a:rPr lang="en-US" sz="2400" dirty="0">
                 <a:latin typeface="Times New Roman" panose="02020603050405020304" pitchFamily="18" charset="0"/>
                 <a:cs typeface="Times New Roman" panose="02020603050405020304" pitchFamily="18" charset="0"/>
               </a:rPr>
-              <a:t>	</a:t>
-            </a:r>
-            <a:r>
-              <a:rPr lang="en-US" sz="2400" b="1" dirty="0">
-                <a:latin typeface="Times New Roman" panose="02020603050405020304" pitchFamily="18" charset="0"/>
-                <a:cs typeface="Times New Roman" panose="02020603050405020304" pitchFamily="18" charset="0"/>
-              </a:rPr>
-              <a:t>print</a:t>
-            </a:r>
-            <a:r>
-              <a:rPr lang="en-US" sz="2400" dirty="0">
-                <a:latin typeface="Times New Roman" panose="02020603050405020304" pitchFamily="18" charset="0"/>
-                <a:cs typeface="Times New Roman" panose="02020603050405020304" pitchFamily="18" charset="0"/>
-              </a:rPr>
-              <a:t>(“oi”);</a:t>
+              <a:t>(“oi”)</a:t>
             </a:r>
           </a:p>
         </p:txBody>
@@ -8304,7 +8301,7 @@
                 <a:latin typeface="Times New Roman" panose="02020603050405020304" pitchFamily="18" charset="0"/>
                 <a:cs typeface="Times New Roman" panose="02020603050405020304" pitchFamily="18" charset="0"/>
               </a:rPr>
-              <a:t>(k - 1);</a:t>
+              <a:t>(k - 1)</a:t>
             </a:r>
           </a:p>
           <a:p>
@@ -8330,7 +8327,7 @@
                 <a:latin typeface="Times New Roman" panose="02020603050405020304" pitchFamily="18" charset="0"/>
                 <a:cs typeface="Times New Roman" panose="02020603050405020304" pitchFamily="18" charset="0"/>
               </a:rPr>
-              <a:t>(result);</a:t>
+              <a:t>(result)</a:t>
             </a:r>
           </a:p>
           <a:p>
@@ -8368,7 +8365,7 @@
                 <a:latin typeface="Times New Roman" panose="02020603050405020304" pitchFamily="18" charset="0"/>
                 <a:cs typeface="Times New Roman" panose="02020603050405020304" pitchFamily="18" charset="0"/>
               </a:rPr>
-              <a:t>  	result = 0;</a:t>
+              <a:t>  	result = 0</a:t>
             </a:r>
           </a:p>
           <a:p>
@@ -8394,7 +8391,7 @@
                 <a:latin typeface="Times New Roman" panose="02020603050405020304" pitchFamily="18" charset="0"/>
                 <a:cs typeface="Times New Roman" panose="02020603050405020304" pitchFamily="18" charset="0"/>
               </a:rPr>
-              <a:t> result;</a:t>
+              <a:t> result</a:t>
             </a:r>
           </a:p>
           <a:p>
@@ -8463,7 +8460,7 @@
                 <a:latin typeface="Times New Roman" panose="02020603050405020304" pitchFamily="18" charset="0"/>
                 <a:cs typeface="Times New Roman" panose="02020603050405020304" pitchFamily="18" charset="0"/>
               </a:rPr>
-              <a:t>); // 6 </a:t>
+              <a:t>) // 6 </a:t>
             </a:r>
             <a:r>
               <a:rPr lang="en-US" sz="1800" dirty="0" err="1">
@@ -10897,16 +10894,13 @@
               </a:rPr>
               <a:t>)</a:t>
             </a:r>
-            <a:r>
-              <a:rPr lang="en-US" sz="2400" dirty="0">
-                <a:solidFill>
-                  <a:schemeClr val="tx1"/>
-                </a:solidFill>
-                <a:latin typeface="Times New Roman" panose="02020603050405020304" pitchFamily="18" charset="0"/>
-                <a:cs typeface="Times New Roman" panose="02020603050405020304" pitchFamily="18" charset="0"/>
-              </a:rPr>
-              <a:t>;</a:t>
-            </a:r>
+            <a:endParaRPr lang="en-US" sz="2400" dirty="0">
+              <a:solidFill>
+                <a:schemeClr val="tx1"/>
+              </a:solidFill>
+              <a:latin typeface="Times New Roman" panose="02020603050405020304" pitchFamily="18" charset="0"/>
+              <a:cs typeface="Times New Roman" panose="02020603050405020304" pitchFamily="18" charset="0"/>
+            </a:endParaRPr>
           </a:p>
           <a:p>
             <a:pPr marL="619125" lvl="1" indent="0" algn="just">
@@ -10942,7 +10936,7 @@
                 <a:latin typeface="Times New Roman" panose="02020603050405020304" pitchFamily="18" charset="0"/>
                 <a:cs typeface="Times New Roman" panose="02020603050405020304" pitchFamily="18" charset="0"/>
               </a:rPr>
-              <a:t>(); // </a:t>
+              <a:t>() // </a:t>
             </a:r>
             <a:r>
               <a:rPr lang="en-US" sz="2400" b="1" dirty="0" err="1">
@@ -11187,7 +11181,7 @@
                 <a:latin typeface="Times New Roman" panose="02020603050405020304" pitchFamily="18" charset="0"/>
                 <a:cs typeface="Times New Roman" panose="02020603050405020304" pitchFamily="18" charset="0"/>
               </a:rPr>
-              <a:t>("Hello World!!!");</a:t>
+              <a:t>("Hello World!!!")</a:t>
             </a:r>
           </a:p>
           <a:p>
@@ -11212,7 +11206,7 @@
                 <a:latin typeface="Times New Roman" panose="02020603050405020304" pitchFamily="18" charset="0"/>
                 <a:cs typeface="Times New Roman" panose="02020603050405020304" pitchFamily="18" charset="0"/>
               </a:rPr>
-              <a:t>();</a:t>
+              <a:t>()</a:t>
             </a:r>
             <a:endParaRPr lang="pt-BR" sz="2400" b="1" dirty="0">
               <a:solidFill>
@@ -11457,7 +11451,7 @@
                 <a:latin typeface="Times New Roman" panose="02020603050405020304" pitchFamily="18" charset="0"/>
                 <a:cs typeface="Times New Roman" panose="02020603050405020304" pitchFamily="18" charset="0"/>
               </a:rPr>
-              <a:t> + " Cardoso");</a:t>
+              <a:t> + " Cardoso")</a:t>
             </a:r>
           </a:p>
           <a:p>
@@ -11494,7 +11488,7 @@
                 <a:latin typeface="Times New Roman" panose="02020603050405020304" pitchFamily="18" charset="0"/>
                 <a:cs typeface="Times New Roman" panose="02020603050405020304" pitchFamily="18" charset="0"/>
               </a:rPr>
-              <a:t>(“Julia");</a:t>
+              <a:t>(“Julia")</a:t>
             </a:r>
           </a:p>
           <a:p>
@@ -11519,17 +11513,22 @@
                 <a:latin typeface="Times New Roman" panose="02020603050405020304" pitchFamily="18" charset="0"/>
                 <a:cs typeface="Times New Roman" panose="02020603050405020304" pitchFamily="18" charset="0"/>
               </a:rPr>
-              <a:t>(“</a:t>
-            </a:r>
-            <a:r>
-              <a:rPr lang="en-US" sz="2400" dirty="0" err="1">
-                <a:solidFill>
-                  <a:schemeClr val="tx1"/>
-                </a:solidFill>
-                <a:latin typeface="Times New Roman" panose="02020603050405020304" pitchFamily="18" charset="0"/>
-                <a:cs typeface="Times New Roman" panose="02020603050405020304" pitchFamily="18" charset="0"/>
-              </a:rPr>
-              <a:t>Josy</a:t>
+              <a:t>(“Josy")</a:t>
+            </a:r>
+          </a:p>
+          <a:p>
+            <a:pPr marL="619125" lvl="1" indent="0" algn="just">
+              <a:buNone/>
+            </a:pPr>
+            <a:r>
+              <a:rPr lang="en-US" sz="2400" b="1" dirty="0" err="1">
+                <a:solidFill>
+                  <a:srgbClr val="FF0000"/>
+                </a:solidFill>
+                <a:latin typeface="Times New Roman" panose="02020603050405020304" pitchFamily="18" charset="0"/>
+                <a:cs typeface="Times New Roman" panose="02020603050405020304" pitchFamily="18" charset="0"/>
+              </a:rPr>
+              <a:t>imprimeNome</a:t>
             </a:r>
             <a:r>
               <a:rPr lang="en-US" sz="2400" dirty="0">
@@ -11539,32 +11538,7 @@
                 <a:latin typeface="Times New Roman" panose="02020603050405020304" pitchFamily="18" charset="0"/>
                 <a:cs typeface="Times New Roman" panose="02020603050405020304" pitchFamily="18" charset="0"/>
               </a:rPr>
-              <a:t>");</a:t>
-            </a:r>
-          </a:p>
-          <a:p>
-            <a:pPr marL="619125" lvl="1" indent="0" algn="just">
-              <a:buNone/>
-            </a:pPr>
-            <a:r>
-              <a:rPr lang="en-US" sz="2400" b="1" dirty="0" err="1">
-                <a:solidFill>
-                  <a:srgbClr val="FF0000"/>
-                </a:solidFill>
-                <a:latin typeface="Times New Roman" panose="02020603050405020304" pitchFamily="18" charset="0"/>
-                <a:cs typeface="Times New Roman" panose="02020603050405020304" pitchFamily="18" charset="0"/>
-              </a:rPr>
-              <a:t>imprimeNome</a:t>
-            </a:r>
-            <a:r>
-              <a:rPr lang="en-US" sz="2400" dirty="0">
-                <a:solidFill>
-                  <a:schemeClr val="tx1"/>
-                </a:solidFill>
-                <a:latin typeface="Times New Roman" panose="02020603050405020304" pitchFamily="18" charset="0"/>
-                <a:cs typeface="Times New Roman" panose="02020603050405020304" pitchFamily="18" charset="0"/>
-              </a:rPr>
-              <a:t>(“Maria");</a:t>
+              <a:t>(“Maria")</a:t>
             </a:r>
             <a:endParaRPr lang="pt-BR" sz="2400" dirty="0">
               <a:solidFill>
@@ -11871,7 +11845,7 @@
                 <a:latin typeface="Times New Roman" panose="02020603050405020304" pitchFamily="18" charset="0"/>
                 <a:cs typeface="Times New Roman" panose="02020603050405020304" pitchFamily="18" charset="0"/>
               </a:rPr>
-              <a:t>);</a:t>
+              <a:t>)</a:t>
             </a:r>
           </a:p>
           <a:p>
@@ -11908,7 +11882,7 @@
                 <a:latin typeface="Times New Roman" panose="02020603050405020304" pitchFamily="18" charset="0"/>
                 <a:cs typeface="Times New Roman" panose="02020603050405020304" pitchFamily="18" charset="0"/>
               </a:rPr>
-              <a:t>(“Julia", “Cardoso");</a:t>
+              <a:t>(“Julia", “Cardoso")</a:t>
             </a:r>
             <a:endParaRPr lang="pt-BR" sz="2400" dirty="0">
               <a:solidFill>
@@ -12173,7 +12147,7 @@
                 <a:latin typeface="Times New Roman" panose="02020603050405020304" pitchFamily="18" charset="0"/>
                 <a:cs typeface="Times New Roman" panose="02020603050405020304" pitchFamily="18" charset="0"/>
               </a:rPr>
-              <a:t>);</a:t>
+              <a:t>)</a:t>
             </a:r>
           </a:p>
           <a:p>
@@ -12210,7 +12184,7 @@
                 <a:latin typeface="Times New Roman" panose="02020603050405020304" pitchFamily="18" charset="0"/>
                 <a:cs typeface="Times New Roman" panose="02020603050405020304" pitchFamily="18" charset="0"/>
               </a:rPr>
-              <a:t>(“Julia");</a:t>
+              <a:t>(“Julia")</a:t>
             </a:r>
           </a:p>
           <a:p>
@@ -12612,7 +12586,7 @@
                 <a:latin typeface="Times New Roman" panose="02020603050405020304" pitchFamily="18" charset="0"/>
                 <a:cs typeface="Times New Roman" panose="02020603050405020304" pitchFamily="18" charset="0"/>
               </a:rPr>
-              <a:t>);</a:t>
+              <a:t>)</a:t>
             </a:r>
           </a:p>
           <a:p>
@@ -12649,7 +12623,7 @@
                 <a:latin typeface="Times New Roman" panose="02020603050405020304" pitchFamily="18" charset="0"/>
                 <a:cs typeface="Times New Roman" panose="02020603050405020304" pitchFamily="18" charset="0"/>
               </a:rPr>
-              <a:t>(“Julia");</a:t>
+              <a:t>(“Julia")</a:t>
             </a:r>
           </a:p>
         </p:txBody>

--- a/01 Classes/Aula 08 RAD Python - Modularização Funções.pptx
+++ b/01 Classes/Aula 08 RAD Python - Modularização Funções.pptx
@@ -1715,7 +1715,7 @@
           <a:p>
             <a:fld id="{48A87A34-81AB-432B-8DAE-1953F412C126}" type="datetimeFigureOut">
               <a:rPr lang="en-US" smtClean="0"/>
-              <a:t>9/6/2023</a:t>
+              <a:t>9/25/2024</a:t>
             </a:fld>
             <a:endParaRPr lang="en-US" dirty="0"/>
           </a:p>
@@ -1926,7 +1926,7 @@
           <a:p>
             <a:fld id="{48A87A34-81AB-432B-8DAE-1953F412C126}" type="datetimeFigureOut">
               <a:rPr lang="en-US" smtClean="0"/>
-              <a:t>9/6/2023</a:t>
+              <a:t>9/25/2024</a:t>
             </a:fld>
             <a:endParaRPr lang="en-US" dirty="0"/>
           </a:p>
@@ -2141,7 +2141,7 @@
           <a:p>
             <a:fld id="{48A87A34-81AB-432B-8DAE-1953F412C126}" type="datetimeFigureOut">
               <a:rPr lang="en-US" smtClean="0"/>
-              <a:t>9/6/2023</a:t>
+              <a:t>9/25/2024</a:t>
             </a:fld>
             <a:endParaRPr lang="en-US" dirty="0"/>
           </a:p>
@@ -2509,7 +2509,7 @@
           <a:p>
             <a:fld id="{48A87A34-81AB-432B-8DAE-1953F412C126}" type="datetimeFigureOut">
               <a:rPr lang="en-US" smtClean="0"/>
-              <a:t>9/6/2023</a:t>
+              <a:t>9/25/2024</a:t>
             </a:fld>
             <a:endParaRPr lang="en-US" dirty="0"/>
           </a:p>
@@ -2788,7 +2788,7 @@
           <a:p>
             <a:fld id="{48A87A34-81AB-432B-8DAE-1953F412C126}" type="datetimeFigureOut">
               <a:rPr lang="en-US" smtClean="0"/>
-              <a:t>9/6/2023</a:t>
+              <a:t>9/25/2024</a:t>
             </a:fld>
             <a:endParaRPr lang="en-US" dirty="0"/>
           </a:p>
@@ -3056,7 +3056,7 @@
           <a:p>
             <a:fld id="{48A87A34-81AB-432B-8DAE-1953F412C126}" type="datetimeFigureOut">
               <a:rPr lang="en-US" smtClean="0"/>
-              <a:t>9/6/2023</a:t>
+              <a:t>9/25/2024</a:t>
             </a:fld>
             <a:endParaRPr lang="en-US" dirty="0"/>
           </a:p>
@@ -3472,7 +3472,7 @@
           <a:p>
             <a:fld id="{48A87A34-81AB-432B-8DAE-1953F412C126}" type="datetimeFigureOut">
               <a:rPr lang="en-US" smtClean="0"/>
-              <a:t>9/6/2023</a:t>
+              <a:t>9/25/2024</a:t>
             </a:fld>
             <a:endParaRPr lang="en-US" dirty="0"/>
           </a:p>
@@ -3621,7 +3621,7 @@
           <a:p>
             <a:fld id="{48A87A34-81AB-432B-8DAE-1953F412C126}" type="datetimeFigureOut">
               <a:rPr lang="en-US" smtClean="0"/>
-              <a:t>9/6/2023</a:t>
+              <a:t>9/25/2024</a:t>
             </a:fld>
             <a:endParaRPr lang="en-US" dirty="0"/>
           </a:p>
@@ -3747,7 +3747,7 @@
           <a:p>
             <a:fld id="{48A87A34-81AB-432B-8DAE-1953F412C126}" type="datetimeFigureOut">
               <a:rPr lang="en-US" smtClean="0"/>
-              <a:t>9/6/2023</a:t>
+              <a:t>9/25/2024</a:t>
             </a:fld>
             <a:endParaRPr lang="en-US" dirty="0"/>
           </a:p>
@@ -3998,7 +3998,7 @@
           <a:p>
             <a:fld id="{48A87A34-81AB-432B-8DAE-1953F412C126}" type="datetimeFigureOut">
               <a:rPr lang="en-US" smtClean="0"/>
-              <a:t>9/6/2023</a:t>
+              <a:t>9/25/2024</a:t>
             </a:fld>
             <a:endParaRPr lang="en-US" dirty="0"/>
           </a:p>
@@ -4444,7 +4444,7 @@
             <a:fld id="{48A87A34-81AB-432B-8DAE-1953F412C126}" type="datetimeFigureOut">
               <a:rPr lang="en-US" smtClean="0"/>
               <a:pPr/>
-              <a:t>9/6/2023</a:t>
+              <a:t>9/25/2024</a:t>
             </a:fld>
             <a:endParaRPr lang="en-US" dirty="0"/>
           </a:p>
@@ -4772,7 +4772,7 @@
             <a:fld id="{48A87A34-81AB-432B-8DAE-1953F412C126}" type="datetimeFigureOut">
               <a:rPr lang="en-US" smtClean="0"/>
               <a:pPr/>
-              <a:t>9/6/2023</a:t>
+              <a:t>9/25/2024</a:t>
             </a:fld>
             <a:endParaRPr lang="en-US" dirty="0"/>
           </a:p>
@@ -6111,14 +6111,14 @@
                 <a:latin typeface="Times New Roman" panose="02020603050405020304" pitchFamily="18" charset="0"/>
                 <a:cs typeface="Times New Roman" panose="02020603050405020304" pitchFamily="18" charset="0"/>
               </a:rPr>
-              <a:t>(“</a:t>
+              <a:t>(</a:t>
             </a:r>
             <a:r>
               <a:rPr lang="pt-BR" sz="2400" dirty="0">
                 <a:latin typeface="Times New Roman" panose="02020603050405020304" pitchFamily="18" charset="0"/>
                 <a:cs typeface="Times New Roman" panose="02020603050405020304" pitchFamily="18" charset="0"/>
               </a:rPr>
-              <a:t>A</a:t>
+              <a:t>"A</a:t>
             </a:r>
             <a:r>
               <a:rPr lang="pt-BR" sz="2400" dirty="0">
@@ -6195,7 +6195,58 @@
                 <a:latin typeface="Times New Roman" panose="02020603050405020304" pitchFamily="18" charset="0"/>
                 <a:cs typeface="Times New Roman" panose="02020603050405020304" pitchFamily="18" charset="0"/>
               </a:rPr>
-              <a:t>(“Juju", “Laura", “Maria Paula")</a:t>
+              <a:t>(</a:t>
+            </a:r>
+            <a:r>
+              <a:rPr lang="pt-BR" sz="2400" dirty="0">
+                <a:latin typeface="Times New Roman" panose="02020603050405020304" pitchFamily="18" charset="0"/>
+                <a:cs typeface="Times New Roman" panose="02020603050405020304" pitchFamily="18" charset="0"/>
+              </a:rPr>
+              <a:t>"</a:t>
+            </a:r>
+            <a:r>
+              <a:rPr lang="en-US" sz="2400" dirty="0">
+                <a:solidFill>
+                  <a:schemeClr val="tx1"/>
+                </a:solidFill>
+                <a:latin typeface="Times New Roman" panose="02020603050405020304" pitchFamily="18" charset="0"/>
+                <a:cs typeface="Times New Roman" panose="02020603050405020304" pitchFamily="18" charset="0"/>
+              </a:rPr>
+              <a:t>Juju", </a:t>
+            </a:r>
+            <a:r>
+              <a:rPr lang="pt-BR" sz="2400" dirty="0">
+                <a:latin typeface="Times New Roman" panose="02020603050405020304" pitchFamily="18" charset="0"/>
+                <a:cs typeface="Times New Roman" panose="02020603050405020304" pitchFamily="18" charset="0"/>
+              </a:rPr>
+              <a:t>"</a:t>
+            </a:r>
+            <a:r>
+              <a:rPr lang="en-US" sz="2400" dirty="0">
+                <a:solidFill>
+                  <a:schemeClr val="tx1"/>
+                </a:solidFill>
+                <a:latin typeface="Times New Roman" panose="02020603050405020304" pitchFamily="18" charset="0"/>
+                <a:cs typeface="Times New Roman" panose="02020603050405020304" pitchFamily="18" charset="0"/>
+              </a:rPr>
+              <a:t>Laura", </a:t>
+            </a:r>
+            <a:r>
+              <a:rPr lang="pt-BR" sz="2400" dirty="0">
+                <a:latin typeface="Times New Roman" panose="02020603050405020304" pitchFamily="18" charset="0"/>
+                <a:cs typeface="Times New Roman" panose="02020603050405020304" pitchFamily="18" charset="0"/>
+              </a:rPr>
+              <a:t>"</a:t>
+            </a:r>
+            <a:r>
+              <a:rPr lang="en-US" sz="2400" dirty="0">
+                <a:solidFill>
+                  <a:schemeClr val="tx1"/>
+                </a:solidFill>
+                <a:latin typeface="Times New Roman" panose="02020603050405020304" pitchFamily="18" charset="0"/>
+                <a:cs typeface="Times New Roman" panose="02020603050405020304" pitchFamily="18" charset="0"/>
+              </a:rPr>
+              <a:t>Maria Paula")</a:t>
             </a:r>
           </a:p>
         </p:txBody>
@@ -6470,7 +6521,24 @@
                 <a:latin typeface="Times New Roman" panose="02020603050405020304" pitchFamily="18" charset="0"/>
                 <a:cs typeface="Times New Roman" panose="02020603050405020304" pitchFamily="18" charset="0"/>
               </a:rPr>
-              <a:t>(“O </a:t>
+              <a:t>(</a:t>
+            </a:r>
+            <a:r>
+              <a:rPr lang="pt-BR" sz="2400" dirty="0">
+                <a:latin typeface="Times New Roman" panose="02020603050405020304" pitchFamily="18" charset="0"/>
+                <a:cs typeface="Times New Roman" panose="02020603050405020304" pitchFamily="18" charset="0"/>
+              </a:rPr>
+              <a:t>"</a:t>
+            </a:r>
+            <a:r>
+              <a:rPr lang="en-US" sz="2400" dirty="0">
+                <a:solidFill>
+                  <a:schemeClr val="tx1"/>
+                </a:solidFill>
+                <a:latin typeface="Times New Roman" panose="02020603050405020304" pitchFamily="18" charset="0"/>
+                <a:cs typeface="Times New Roman" panose="02020603050405020304" pitchFamily="18" charset="0"/>
+              </a:rPr>
+              <a:t>O </a:t>
             </a:r>
             <a:r>
               <a:rPr lang="en-US" sz="2400" dirty="0" err="1">
@@ -6555,7 +6623,58 @@
                 <a:latin typeface="Times New Roman" panose="02020603050405020304" pitchFamily="18" charset="0"/>
                 <a:cs typeface="Times New Roman" panose="02020603050405020304" pitchFamily="18" charset="0"/>
               </a:rPr>
-              <a:t>(adulto1 = “Juju", adulto2 = “Paulo", adulto3 = “João")</a:t>
+              <a:t>(adulto1 = </a:t>
+            </a:r>
+            <a:r>
+              <a:rPr lang="pt-BR" sz="2400" dirty="0">
+                <a:latin typeface="Times New Roman" panose="02020603050405020304" pitchFamily="18" charset="0"/>
+                <a:cs typeface="Times New Roman" panose="02020603050405020304" pitchFamily="18" charset="0"/>
+              </a:rPr>
+              <a:t>"</a:t>
+            </a:r>
+            <a:r>
+              <a:rPr lang="en-US" sz="2400" dirty="0">
+                <a:solidFill>
+                  <a:schemeClr val="tx1"/>
+                </a:solidFill>
+                <a:latin typeface="Times New Roman" panose="02020603050405020304" pitchFamily="18" charset="0"/>
+                <a:cs typeface="Times New Roman" panose="02020603050405020304" pitchFamily="18" charset="0"/>
+              </a:rPr>
+              <a:t>Juju", adulto2 = </a:t>
+            </a:r>
+            <a:r>
+              <a:rPr lang="pt-BR" sz="2400" dirty="0">
+                <a:latin typeface="Times New Roman" panose="02020603050405020304" pitchFamily="18" charset="0"/>
+                <a:cs typeface="Times New Roman" panose="02020603050405020304" pitchFamily="18" charset="0"/>
+              </a:rPr>
+              <a:t>"</a:t>
+            </a:r>
+            <a:r>
+              <a:rPr lang="en-US" sz="2400" dirty="0">
+                <a:solidFill>
+                  <a:schemeClr val="tx1"/>
+                </a:solidFill>
+                <a:latin typeface="Times New Roman" panose="02020603050405020304" pitchFamily="18" charset="0"/>
+                <a:cs typeface="Times New Roman" panose="02020603050405020304" pitchFamily="18" charset="0"/>
+              </a:rPr>
+              <a:t>Paulo", adulto3 = </a:t>
+            </a:r>
+            <a:r>
+              <a:rPr lang="pt-BR" sz="2400" dirty="0">
+                <a:latin typeface="Times New Roman" panose="02020603050405020304" pitchFamily="18" charset="0"/>
+                <a:cs typeface="Times New Roman" panose="02020603050405020304" pitchFamily="18" charset="0"/>
+              </a:rPr>
+              <a:t>"</a:t>
+            </a:r>
+            <a:r>
+              <a:rPr lang="en-US" sz="2400" dirty="0">
+                <a:solidFill>
+                  <a:schemeClr val="tx1"/>
+                </a:solidFill>
+                <a:latin typeface="Times New Roman" panose="02020603050405020304" pitchFamily="18" charset="0"/>
+                <a:cs typeface="Times New Roman" panose="02020603050405020304" pitchFamily="18" charset="0"/>
+              </a:rPr>
+              <a:t>João")</a:t>
             </a:r>
           </a:p>
         </p:txBody>
@@ -6797,7 +6916,14 @@
                 <a:latin typeface="Times New Roman" panose="02020603050405020304" pitchFamily="18" charset="0"/>
                 <a:cs typeface="Times New Roman" panose="02020603050405020304" pitchFamily="18" charset="0"/>
               </a:rPr>
-              <a:t>  print(“</a:t>
+              <a:t>  print(</a:t>
+            </a:r>
+            <a:r>
+              <a:rPr lang="pt-BR" sz="2400" dirty="0">
+                <a:latin typeface="Times New Roman" panose="02020603050405020304" pitchFamily="18" charset="0"/>
+                <a:cs typeface="Times New Roman" panose="02020603050405020304" pitchFamily="18" charset="0"/>
+              </a:rPr>
+              <a:t>"</a:t>
             </a:r>
             <a:r>
               <a:rPr lang="en-US" sz="2400" dirty="0">
@@ -6954,7 +7080,14 @@
                 <a:latin typeface="Times New Roman" panose="02020603050405020304" pitchFamily="18" charset="0"/>
                 <a:cs typeface="Times New Roman" panose="02020603050405020304" pitchFamily="18" charset="0"/>
               </a:rPr>
-              <a:t> = “</a:t>
+              <a:t> = </a:t>
+            </a:r>
+            <a:r>
+              <a:rPr lang="pt-BR" sz="2400" dirty="0">
+                <a:latin typeface="Times New Roman" panose="02020603050405020304" pitchFamily="18" charset="0"/>
+                <a:cs typeface="Times New Roman" panose="02020603050405020304" pitchFamily="18" charset="0"/>
+              </a:rPr>
+              <a:t>"</a:t>
             </a:r>
             <a:r>
               <a:rPr lang="en-US" sz="2400" dirty="0">
@@ -6994,7 +7127,14 @@
                 <a:latin typeface="Times New Roman" panose="02020603050405020304" pitchFamily="18" charset="0"/>
                 <a:cs typeface="Times New Roman" panose="02020603050405020304" pitchFamily="18" charset="0"/>
               </a:rPr>
-              <a:t> = “</a:t>
+              <a:t> = </a:t>
+            </a:r>
+            <a:r>
+              <a:rPr lang="pt-BR" sz="2400" dirty="0">
+                <a:latin typeface="Times New Roman" panose="02020603050405020304" pitchFamily="18" charset="0"/>
+                <a:cs typeface="Times New Roman" panose="02020603050405020304" pitchFamily="18" charset="0"/>
+              </a:rPr>
+              <a:t>"</a:t>
             </a:r>
             <a:r>
               <a:rPr lang="en-US" sz="2400" dirty="0">
@@ -7296,7 +7436,14 @@
                 <a:latin typeface="Times New Roman" panose="02020603050405020304" pitchFamily="18" charset="0"/>
                 <a:cs typeface="Times New Roman" panose="02020603050405020304" pitchFamily="18" charset="0"/>
               </a:rPr>
-              <a:t> = [“</a:t>
+              <a:t> = [</a:t>
+            </a:r>
+            <a:r>
+              <a:rPr lang="pt-BR" sz="2400" dirty="0">
+                <a:latin typeface="Times New Roman" panose="02020603050405020304" pitchFamily="18" charset="0"/>
+                <a:cs typeface="Times New Roman" panose="02020603050405020304" pitchFamily="18" charset="0"/>
+              </a:rPr>
+              <a:t>"</a:t>
             </a:r>
             <a:r>
               <a:rPr lang="en-US" sz="2400" dirty="0" err="1">
@@ -7316,7 +7463,14 @@
                 <a:latin typeface="Times New Roman" panose="02020603050405020304" pitchFamily="18" charset="0"/>
                 <a:cs typeface="Times New Roman" panose="02020603050405020304" pitchFamily="18" charset="0"/>
               </a:rPr>
-              <a:t>", "banana", “</a:t>
+              <a:t>", "banana", </a:t>
+            </a:r>
+            <a:r>
+              <a:rPr lang="pt-BR" sz="2400" dirty="0">
+                <a:latin typeface="Times New Roman" panose="02020603050405020304" pitchFamily="18" charset="0"/>
+                <a:cs typeface="Times New Roman" panose="02020603050405020304" pitchFamily="18" charset="0"/>
+              </a:rPr>
+              <a:t>"</a:t>
             </a:r>
             <a:r>
               <a:rPr lang="en-US" sz="2400" dirty="0" err="1">
@@ -8018,7 +8172,35 @@
                 <a:latin typeface="Times New Roman" panose="02020603050405020304" pitchFamily="18" charset="0"/>
                 <a:cs typeface="Times New Roman" panose="02020603050405020304" pitchFamily="18" charset="0"/>
               </a:rPr>
-              <a:t>(“oi”)</a:t>
+              <a:t>(</a:t>
+            </a:r>
+            <a:r>
+              <a:rPr lang="pt-BR" sz="2400" dirty="0">
+                <a:latin typeface="Times New Roman" panose="02020603050405020304" pitchFamily="18" charset="0"/>
+                <a:cs typeface="Times New Roman" panose="02020603050405020304" pitchFamily="18" charset="0"/>
+              </a:rPr>
+              <a:t>"</a:t>
+            </a:r>
+            <a:r>
+              <a:rPr lang="en-US" sz="2400" dirty="0">
+                <a:latin typeface="Times New Roman" panose="02020603050405020304" pitchFamily="18" charset="0"/>
+                <a:cs typeface="Times New Roman" panose="02020603050405020304" pitchFamily="18" charset="0"/>
+              </a:rPr>
+              <a:t>oi</a:t>
+            </a:r>
+            <a:r>
+              <a:rPr lang="pt-BR" sz="2400" dirty="0">
+                <a:latin typeface="Times New Roman" panose="02020603050405020304" pitchFamily="18" charset="0"/>
+                <a:cs typeface="Times New Roman" panose="02020603050405020304" pitchFamily="18" charset="0"/>
+              </a:rPr>
+              <a:t>"</a:t>
+            </a:r>
+            <a:r>
+              <a:rPr lang="en-US" sz="2400" dirty="0">
+                <a:latin typeface="Times New Roman" panose="02020603050405020304" pitchFamily="18" charset="0"/>
+                <a:cs typeface="Times New Roman" panose="02020603050405020304" pitchFamily="18" charset="0"/>
+              </a:rPr>
+              <a:t>)</a:t>
             </a:r>
           </a:p>
         </p:txBody>
@@ -11488,7 +11670,24 @@
                 <a:latin typeface="Times New Roman" panose="02020603050405020304" pitchFamily="18" charset="0"/>
                 <a:cs typeface="Times New Roman" panose="02020603050405020304" pitchFamily="18" charset="0"/>
               </a:rPr>
-              <a:t>(“Julia")</a:t>
+              <a:t>(</a:t>
+            </a:r>
+            <a:r>
+              <a:rPr lang="pt-BR" sz="2400" dirty="0">
+                <a:latin typeface="Times New Roman" panose="02020603050405020304" pitchFamily="18" charset="0"/>
+                <a:cs typeface="Times New Roman" panose="02020603050405020304" pitchFamily="18" charset="0"/>
+              </a:rPr>
+              <a:t>"</a:t>
+            </a:r>
+            <a:r>
+              <a:rPr lang="en-US" sz="2400" dirty="0">
+                <a:solidFill>
+                  <a:schemeClr val="tx1"/>
+                </a:solidFill>
+                <a:latin typeface="Times New Roman" panose="02020603050405020304" pitchFamily="18" charset="0"/>
+                <a:cs typeface="Times New Roman" panose="02020603050405020304" pitchFamily="18" charset="0"/>
+              </a:rPr>
+              <a:t>Julia")</a:t>
             </a:r>
           </a:p>
           <a:p>
@@ -11513,7 +11712,24 @@
                 <a:latin typeface="Times New Roman" panose="02020603050405020304" pitchFamily="18" charset="0"/>
                 <a:cs typeface="Times New Roman" panose="02020603050405020304" pitchFamily="18" charset="0"/>
               </a:rPr>
-              <a:t>(“Josy")</a:t>
+              <a:t>(</a:t>
+            </a:r>
+            <a:r>
+              <a:rPr lang="pt-BR" sz="2400" dirty="0">
+                <a:latin typeface="Times New Roman" panose="02020603050405020304" pitchFamily="18" charset="0"/>
+                <a:cs typeface="Times New Roman" panose="02020603050405020304" pitchFamily="18" charset="0"/>
+              </a:rPr>
+              <a:t>"</a:t>
+            </a:r>
+            <a:r>
+              <a:rPr lang="en-US" sz="2400" dirty="0">
+                <a:solidFill>
+                  <a:schemeClr val="tx1"/>
+                </a:solidFill>
+                <a:latin typeface="Times New Roman" panose="02020603050405020304" pitchFamily="18" charset="0"/>
+                <a:cs typeface="Times New Roman" panose="02020603050405020304" pitchFamily="18" charset="0"/>
+              </a:rPr>
+              <a:t>Josy")</a:t>
             </a:r>
           </a:p>
           <a:p>
@@ -11538,7 +11754,24 @@
                 <a:latin typeface="Times New Roman" panose="02020603050405020304" pitchFamily="18" charset="0"/>
                 <a:cs typeface="Times New Roman" panose="02020603050405020304" pitchFamily="18" charset="0"/>
               </a:rPr>
-              <a:t>(“Maria")</a:t>
+              <a:t>(</a:t>
+            </a:r>
+            <a:r>
+              <a:rPr lang="pt-BR" sz="2400" dirty="0">
+                <a:latin typeface="Times New Roman" panose="02020603050405020304" pitchFamily="18" charset="0"/>
+                <a:cs typeface="Times New Roman" panose="02020603050405020304" pitchFamily="18" charset="0"/>
+              </a:rPr>
+              <a:t>"</a:t>
+            </a:r>
+            <a:r>
+              <a:rPr lang="en-US" sz="2400" dirty="0">
+                <a:solidFill>
+                  <a:schemeClr val="tx1"/>
+                </a:solidFill>
+                <a:latin typeface="Times New Roman" panose="02020603050405020304" pitchFamily="18" charset="0"/>
+                <a:cs typeface="Times New Roman" panose="02020603050405020304" pitchFamily="18" charset="0"/>
+              </a:rPr>
+              <a:t>Maria")</a:t>
             </a:r>
             <a:endParaRPr lang="pt-BR" sz="2400" dirty="0">
               <a:solidFill>
@@ -11882,7 +12115,41 @@
                 <a:latin typeface="Times New Roman" panose="02020603050405020304" pitchFamily="18" charset="0"/>
                 <a:cs typeface="Times New Roman" panose="02020603050405020304" pitchFamily="18" charset="0"/>
               </a:rPr>
-              <a:t>(“Julia", “Cardoso")</a:t>
+              <a:t>(</a:t>
+            </a:r>
+            <a:r>
+              <a:rPr lang="pt-BR" sz="2400" dirty="0">
+                <a:latin typeface="Times New Roman" panose="02020603050405020304" pitchFamily="18" charset="0"/>
+                <a:cs typeface="Times New Roman" panose="02020603050405020304" pitchFamily="18" charset="0"/>
+              </a:rPr>
+              <a:t>"</a:t>
+            </a:r>
+            <a:r>
+              <a:rPr lang="en-US" sz="2400" dirty="0">
+                <a:solidFill>
+                  <a:schemeClr val="tx1"/>
+                </a:solidFill>
+                <a:latin typeface="Times New Roman" panose="02020603050405020304" pitchFamily="18" charset="0"/>
+                <a:cs typeface="Times New Roman" panose="02020603050405020304" pitchFamily="18" charset="0"/>
+              </a:rPr>
+              <a:t>Julia", </a:t>
+            </a:r>
+            <a:r>
+              <a:rPr lang="pt-BR" sz="2400" dirty="0">
+                <a:latin typeface="Times New Roman" panose="02020603050405020304" pitchFamily="18" charset="0"/>
+                <a:cs typeface="Times New Roman" panose="02020603050405020304" pitchFamily="18" charset="0"/>
+              </a:rPr>
+              <a:t>"</a:t>
+            </a:r>
+            <a:r>
+              <a:rPr lang="en-US" sz="2400" dirty="0">
+                <a:solidFill>
+                  <a:schemeClr val="tx1"/>
+                </a:solidFill>
+                <a:latin typeface="Times New Roman" panose="02020603050405020304" pitchFamily="18" charset="0"/>
+                <a:cs typeface="Times New Roman" panose="02020603050405020304" pitchFamily="18" charset="0"/>
+              </a:rPr>
+              <a:t>Cardoso")</a:t>
             </a:r>
             <a:endParaRPr lang="pt-BR" sz="2400" dirty="0">
               <a:solidFill>
@@ -12184,7 +12451,24 @@
                 <a:latin typeface="Times New Roman" panose="02020603050405020304" pitchFamily="18" charset="0"/>
                 <a:cs typeface="Times New Roman" panose="02020603050405020304" pitchFamily="18" charset="0"/>
               </a:rPr>
-              <a:t>(“Julia")</a:t>
+              <a:t>(</a:t>
+            </a:r>
+            <a:r>
+              <a:rPr lang="pt-BR" sz="2400" dirty="0">
+                <a:latin typeface="Times New Roman" panose="02020603050405020304" pitchFamily="18" charset="0"/>
+                <a:cs typeface="Times New Roman" panose="02020603050405020304" pitchFamily="18" charset="0"/>
+              </a:rPr>
+              <a:t>"</a:t>
+            </a:r>
+            <a:r>
+              <a:rPr lang="en-US" sz="2400" dirty="0">
+                <a:solidFill>
+                  <a:schemeClr val="tx1"/>
+                </a:solidFill>
+                <a:latin typeface="Times New Roman" panose="02020603050405020304" pitchFamily="18" charset="0"/>
+                <a:cs typeface="Times New Roman" panose="02020603050405020304" pitchFamily="18" charset="0"/>
+              </a:rPr>
+              <a:t>Julia")</a:t>
             </a:r>
           </a:p>
           <a:p>
@@ -12623,7 +12907,24 @@
                 <a:latin typeface="Times New Roman" panose="02020603050405020304" pitchFamily="18" charset="0"/>
                 <a:cs typeface="Times New Roman" panose="02020603050405020304" pitchFamily="18" charset="0"/>
               </a:rPr>
-              <a:t>(“Julia")</a:t>
+              <a:t>(</a:t>
+            </a:r>
+            <a:r>
+              <a:rPr lang="pt-BR" sz="2400" dirty="0">
+                <a:latin typeface="Times New Roman" panose="02020603050405020304" pitchFamily="18" charset="0"/>
+                <a:cs typeface="Times New Roman" panose="02020603050405020304" pitchFamily="18" charset="0"/>
+              </a:rPr>
+              <a:t>"</a:t>
+            </a:r>
+            <a:r>
+              <a:rPr lang="en-US" sz="2400" dirty="0">
+                <a:solidFill>
+                  <a:schemeClr val="tx1"/>
+                </a:solidFill>
+                <a:latin typeface="Times New Roman" panose="02020603050405020304" pitchFamily="18" charset="0"/>
+                <a:cs typeface="Times New Roman" panose="02020603050405020304" pitchFamily="18" charset="0"/>
+              </a:rPr>
+              <a:t>Julia")</a:t>
             </a:r>
           </a:p>
         </p:txBody>
